--- a/M2/Skill/4-Workflow/PowerPoint/4 workflow.pptx
+++ b/M2/Skill/4-Workflow/PowerPoint/4 workflow.pptx
@@ -5,7 +5,7 @@
     <p:sldMasterId id="2147483659" r:id="rId4"/>
   </p:sldMasterIdLst>
   <p:notesMasterIdLst>
-    <p:notesMasterId r:id="rId19"/>
+    <p:notesMasterId r:id="rId23"/>
   </p:notesMasterIdLst>
   <p:sldIdLst>
     <p:sldId id="256" r:id="rId5"/>
@@ -14,14 +14,18 @@
     <p:sldId id="314" r:id="rId8"/>
     <p:sldId id="309" r:id="rId9"/>
     <p:sldId id="307" r:id="rId10"/>
-    <p:sldId id="266" r:id="rId11"/>
-    <p:sldId id="312" r:id="rId12"/>
-    <p:sldId id="313" r:id="rId13"/>
-    <p:sldId id="311" r:id="rId14"/>
-    <p:sldId id="306" r:id="rId15"/>
-    <p:sldId id="315" r:id="rId16"/>
-    <p:sldId id="316" r:id="rId17"/>
-    <p:sldId id="317" r:id="rId18"/>
+    <p:sldId id="318" r:id="rId11"/>
+    <p:sldId id="320" r:id="rId12"/>
+    <p:sldId id="319" r:id="rId13"/>
+    <p:sldId id="266" r:id="rId14"/>
+    <p:sldId id="312" r:id="rId15"/>
+    <p:sldId id="313" r:id="rId16"/>
+    <p:sldId id="311" r:id="rId17"/>
+    <p:sldId id="306" r:id="rId18"/>
+    <p:sldId id="315" r:id="rId19"/>
+    <p:sldId id="321" r:id="rId20"/>
+    <p:sldId id="316" r:id="rId21"/>
+    <p:sldId id="317" r:id="rId22"/>
   </p:sldIdLst>
   <p:sldSz cx="9144000" cy="5143500" type="screen16x9"/>
   <p:notesSz cx="6858000" cy="9144000"/>
@@ -3985,30 +3989,6 @@
     </pc:docChg>
   </pc:docChgLst>
   <pc:docChgLst>
-    <pc:chgData name="Gaël Griffith" userId="S::25393@ma-web.nl::6be9e67f-10d8-411a-9f9d-6868b1a89518" providerId="AD" clId="Web-{9770246A-E0B9-462A-B7F5-B1948BF31F61}"/>
-    <pc:docChg chg="modSld">
-      <pc:chgData name="Gaël Griffith" userId="S::25393@ma-web.nl::6be9e67f-10d8-411a-9f9d-6868b1a89518" providerId="AD" clId="Web-{9770246A-E0B9-462A-B7F5-B1948BF31F61}" dt="2020-09-15T11:59:22.850" v="0" actId="1076"/>
-      <pc:docMkLst>
-        <pc:docMk/>
-      </pc:docMkLst>
-      <pc:sldChg chg="modSp">
-        <pc:chgData name="Gaël Griffith" userId="S::25393@ma-web.nl::6be9e67f-10d8-411a-9f9d-6868b1a89518" providerId="AD" clId="Web-{9770246A-E0B9-462A-B7F5-B1948BF31F61}" dt="2020-09-15T11:59:22.850" v="0" actId="1076"/>
-        <pc:sldMkLst>
-          <pc:docMk/>
-          <pc:sldMk cId="0" sldId="256"/>
-        </pc:sldMkLst>
-        <pc:spChg chg="mod">
-          <ac:chgData name="Gaël Griffith" userId="S::25393@ma-web.nl::6be9e67f-10d8-411a-9f9d-6868b1a89518" providerId="AD" clId="Web-{9770246A-E0B9-462A-B7F5-B1948BF31F61}" dt="2020-09-15T11:59:22.850" v="0" actId="1076"/>
-          <ac:spMkLst>
-            <pc:docMk/>
-            <pc:sldMk cId="0" sldId="256"/>
-            <ac:spMk id="54" creationId="{00000000-0000-0000-0000-000000000000}"/>
-          </ac:spMkLst>
-        </pc:spChg>
-      </pc:sldChg>
-    </pc:docChg>
-  </pc:docChgLst>
-  <pc:docChgLst>
     <pc:chgData name="Dragan Javorac" userId="913c2858-fb97-4c6e-a42c-b1f1a16b225e" providerId="ADAL" clId="{5AC97985-0A90-4BAD-81FB-88F74D5EE673}"/>
     <pc:docChg chg="modSld modMainMaster">
       <pc:chgData name="Dragan Javorac" userId="913c2858-fb97-4c6e-a42c-b1f1a16b225e" providerId="ADAL" clId="{5AC97985-0A90-4BAD-81FB-88F74D5EE673}" dt="2022-09-12T12:06:47.423" v="80"/>
@@ -4109,6 +4089,30 @@
           </pc:sldLayoutMkLst>
         </pc:sldLayoutChg>
       </pc:sldMasterChg>
+    </pc:docChg>
+  </pc:docChgLst>
+  <pc:docChgLst>
+    <pc:chgData name="Gaël Griffith" userId="S::25393@ma-web.nl::6be9e67f-10d8-411a-9f9d-6868b1a89518" providerId="AD" clId="Web-{9770246A-E0B9-462A-B7F5-B1948BF31F61}"/>
+    <pc:docChg chg="modSld">
+      <pc:chgData name="Gaël Griffith" userId="S::25393@ma-web.nl::6be9e67f-10d8-411a-9f9d-6868b1a89518" providerId="AD" clId="Web-{9770246A-E0B9-462A-B7F5-B1948BF31F61}" dt="2020-09-15T11:59:22.850" v="0" actId="1076"/>
+      <pc:docMkLst>
+        <pc:docMk/>
+      </pc:docMkLst>
+      <pc:sldChg chg="modSp">
+        <pc:chgData name="Gaël Griffith" userId="S::25393@ma-web.nl::6be9e67f-10d8-411a-9f9d-6868b1a89518" providerId="AD" clId="Web-{9770246A-E0B9-462A-B7F5-B1948BF31F61}" dt="2020-09-15T11:59:22.850" v="0" actId="1076"/>
+        <pc:sldMkLst>
+          <pc:docMk/>
+          <pc:sldMk cId="0" sldId="256"/>
+        </pc:sldMkLst>
+        <pc:spChg chg="mod">
+          <ac:chgData name="Gaël Griffith" userId="S::25393@ma-web.nl::6be9e67f-10d8-411a-9f9d-6868b1a89518" providerId="AD" clId="Web-{9770246A-E0B9-462A-B7F5-B1948BF31F61}" dt="2020-09-15T11:59:22.850" v="0" actId="1076"/>
+          <ac:spMkLst>
+            <pc:docMk/>
+            <pc:sldMk cId="0" sldId="256"/>
+            <ac:spMk id="54" creationId="{00000000-0000-0000-0000-000000000000}"/>
+          </ac:spMkLst>
+        </pc:spChg>
+      </pc:sldChg>
     </pc:docChg>
   </pc:docChgLst>
   <pc:docChgLst>
@@ -4222,6 +4226,22 @@
     </pc:docChg>
   </pc:docChgLst>
   <pc:docChgLst>
+    <pc:chgData name="Rick Dohmen" userId="S::30476@ma-web.nl::b09bd7e2-1d9e-4809-8adf-28d02244fbfb" providerId="AD" clId="Web-{CFB8AEF8-2481-44E7-841A-B56EE42CE31E}"/>
+    <pc:docChg chg="sldOrd">
+      <pc:chgData name="Rick Dohmen" userId="S::30476@ma-web.nl::b09bd7e2-1d9e-4809-8adf-28d02244fbfb" providerId="AD" clId="Web-{CFB8AEF8-2481-44E7-841A-B56EE42CE31E}" dt="2020-09-22T10:03:27.325" v="1"/>
+      <pc:docMkLst>
+        <pc:docMk/>
+      </pc:docMkLst>
+      <pc:sldChg chg="ord">
+        <pc:chgData name="Rick Dohmen" userId="S::30476@ma-web.nl::b09bd7e2-1d9e-4809-8adf-28d02244fbfb" providerId="AD" clId="Web-{CFB8AEF8-2481-44E7-841A-B56EE42CE31E}" dt="2020-09-22T10:03:27.325" v="1"/>
+        <pc:sldMkLst>
+          <pc:docMk/>
+          <pc:sldMk cId="0" sldId="278"/>
+        </pc:sldMkLst>
+      </pc:sldChg>
+    </pc:docChg>
+  </pc:docChgLst>
+  <pc:docChgLst>
     <pc:chgData name="Bram de Vries" userId="S::32018@ma-web.nl::4a465a1c-bf44-4b44-8c1b-d17b3d3bc55c" providerId="AD" clId="Web-{0653E803-6DA8-159F-A8E1-4BA24DF9782E}"/>
     <pc:docChg chg="sldOrd">
       <pc:chgData name="Bram de Vries" userId="S::32018@ma-web.nl::4a465a1c-bf44-4b44-8c1b-d17b3d3bc55c" providerId="AD" clId="Web-{0653E803-6DA8-159F-A8E1-4BA24DF9782E}" dt="2020-09-22T13:10:34.837" v="0"/>
@@ -4233,22 +4253,6 @@
         <pc:sldMkLst>
           <pc:docMk/>
           <pc:sldMk cId="3498386614" sldId="280"/>
-        </pc:sldMkLst>
-      </pc:sldChg>
-    </pc:docChg>
-  </pc:docChgLst>
-  <pc:docChgLst>
-    <pc:chgData name="Rick Dohmen" userId="S::30476@ma-web.nl::b09bd7e2-1d9e-4809-8adf-28d02244fbfb" providerId="AD" clId="Web-{CFB8AEF8-2481-44E7-841A-B56EE42CE31E}"/>
-    <pc:docChg chg="sldOrd">
-      <pc:chgData name="Rick Dohmen" userId="S::30476@ma-web.nl::b09bd7e2-1d9e-4809-8adf-28d02244fbfb" providerId="AD" clId="Web-{CFB8AEF8-2481-44E7-841A-B56EE42CE31E}" dt="2020-09-22T10:03:27.325" v="1"/>
-      <pc:docMkLst>
-        <pc:docMk/>
-      </pc:docMkLst>
-      <pc:sldChg chg="ord">
-        <pc:chgData name="Rick Dohmen" userId="S::30476@ma-web.nl::b09bd7e2-1d9e-4809-8adf-28d02244fbfb" providerId="AD" clId="Web-{CFB8AEF8-2481-44E7-841A-B56EE42CE31E}" dt="2020-09-22T10:03:27.325" v="1"/>
-        <pc:sldMkLst>
-          <pc:docMk/>
-          <pc:sldMk cId="0" sldId="278"/>
         </pc:sldMkLst>
       </pc:sldChg>
     </pc:docChg>
@@ -4347,6 +4351,22 @@
     </pc:docChg>
   </pc:docChgLst>
   <pc:docChgLst>
+    <pc:chgData name="Kilian Rijks" userId="S::30697@ma-web.nl::f8ce6190-20f5-4f44-ad1c-c5dcb23f9695" providerId="AD" clId="Web-{D02C8E39-8AB5-45AA-A943-2F33A4BAEB8E}"/>
+    <pc:docChg chg="sldOrd">
+      <pc:chgData name="Kilian Rijks" userId="S::30697@ma-web.nl::f8ce6190-20f5-4f44-ad1c-c5dcb23f9695" providerId="AD" clId="Web-{D02C8E39-8AB5-45AA-A943-2F33A4BAEB8E}" dt="2020-09-22T12:28:56.255" v="0"/>
+      <pc:docMkLst>
+        <pc:docMk/>
+      </pc:docMkLst>
+      <pc:sldChg chg="ord">
+        <pc:chgData name="Kilian Rijks" userId="S::30697@ma-web.nl::f8ce6190-20f5-4f44-ad1c-c5dcb23f9695" providerId="AD" clId="Web-{D02C8E39-8AB5-45AA-A943-2F33A4BAEB8E}" dt="2020-09-22T12:28:56.255" v="0"/>
+        <pc:sldMkLst>
+          <pc:docMk/>
+          <pc:sldMk cId="3498386614" sldId="280"/>
+        </pc:sldMkLst>
+      </pc:sldChg>
+    </pc:docChg>
+  </pc:docChgLst>
+  <pc:docChgLst>
     <pc:chgData name="Sam Derakhshandeh" userId="S::27741@ma-web.nl::25dbf886-86ce-40a8-a7a4-33199b4fd093" providerId="AD" clId="Web-{A15E7CBA-987D-4FC5-806E-9C0674420E45}"/>
     <pc:docChg chg="modSld">
       <pc:chgData name="Sam Derakhshandeh" userId="S::27741@ma-web.nl::25dbf886-86ce-40a8-a7a4-33199b4fd093" providerId="AD" clId="Web-{A15E7CBA-987D-4FC5-806E-9C0674420E45}" dt="2020-09-22T12:27:39.317" v="0" actId="1076"/>
@@ -4367,22 +4387,6 @@
             <ac:spMk id="211" creationId="{00000000-0000-0000-0000-000000000000}"/>
           </ac:spMkLst>
         </pc:spChg>
-      </pc:sldChg>
-    </pc:docChg>
-  </pc:docChgLst>
-  <pc:docChgLst>
-    <pc:chgData name="Kilian Rijks" userId="S::30697@ma-web.nl::f8ce6190-20f5-4f44-ad1c-c5dcb23f9695" providerId="AD" clId="Web-{D02C8E39-8AB5-45AA-A943-2F33A4BAEB8E}"/>
-    <pc:docChg chg="sldOrd">
-      <pc:chgData name="Kilian Rijks" userId="S::30697@ma-web.nl::f8ce6190-20f5-4f44-ad1c-c5dcb23f9695" providerId="AD" clId="Web-{D02C8E39-8AB5-45AA-A943-2F33A4BAEB8E}" dt="2020-09-22T12:28:56.255" v="0"/>
-      <pc:docMkLst>
-        <pc:docMk/>
-      </pc:docMkLst>
-      <pc:sldChg chg="ord">
-        <pc:chgData name="Kilian Rijks" userId="S::30697@ma-web.nl::f8ce6190-20f5-4f44-ad1c-c5dcb23f9695" providerId="AD" clId="Web-{D02C8E39-8AB5-45AA-A943-2F33A4BAEB8E}" dt="2020-09-22T12:28:56.255" v="0"/>
-        <pc:sldMkLst>
-          <pc:docMk/>
-          <pc:sldMk cId="3498386614" sldId="280"/>
-        </pc:sldMkLst>
       </pc:sldChg>
     </pc:docChg>
   </pc:docChgLst>
@@ -5563,7 +5567,400 @@
     </p:spTree>
     <p:extLst>
       <p:ext uri="{BB962C8B-B14F-4D97-AF65-F5344CB8AC3E}">
+        <p14:creationId xmlns:p14="http://schemas.microsoft.com/office/powerpoint/2010/main" val="2656520312"/>
+      </p:ext>
+    </p:extLst>
+  </p:cSld>
+  <p:clrMapOvr>
+    <a:masterClrMapping/>
+  </p:clrMapOvr>
+</p:notes>
+</file>
+
+<file path=ppt/notesSlides/notesSlide11.xml><?xml version="1.0" encoding="utf-8"?>
+<p:notes xmlns:a="http://schemas.openxmlformats.org/drawingml/2006/main" xmlns:r="http://schemas.openxmlformats.org/officeDocument/2006/relationships" xmlns:p="http://schemas.openxmlformats.org/presentationml/2006/main" showMasterSp="0" showMasterPhAnim="0">
+  <p:cSld>
+    <p:spTree>
+      <p:nvGrpSpPr>
+        <p:cNvPr id="1" name="Shape 119"/>
+        <p:cNvGrpSpPr/>
+        <p:nvPr/>
+      </p:nvGrpSpPr>
+      <p:grpSpPr>
+        <a:xfrm>
+          <a:off x="0" y="0"/>
+          <a:ext cx="0" cy="0"/>
+          <a:chOff x="0" y="0"/>
+          <a:chExt cx="0" cy="0"/>
+        </a:xfrm>
+      </p:grpSpPr>
+      <p:sp>
+        <p:nvSpPr>
+          <p:cNvPr id="120" name="Google Shape;120;g868d3c9f82_0_15:notes"/>
+          <p:cNvSpPr>
+            <a:spLocks noGrp="1" noRot="1" noChangeAspect="1"/>
+          </p:cNvSpPr>
+          <p:nvPr>
+            <p:ph type="sldImg" idx="2"/>
+          </p:nvPr>
+        </p:nvSpPr>
+        <p:spPr>
+          <a:xfrm>
+            <a:off x="381000" y="685800"/>
+            <a:ext cx="6096000" cy="3429000"/>
+          </a:xfrm>
+          <a:custGeom>
+            <a:avLst/>
+            <a:gdLst/>
+            <a:ahLst/>
+            <a:cxnLst/>
+            <a:rect l="l" t="t" r="r" b="b"/>
+            <a:pathLst>
+              <a:path w="120000" h="120000" extrusionOk="0">
+                <a:moveTo>
+                  <a:pt x="0" y="0"/>
+                </a:moveTo>
+                <a:lnTo>
+                  <a:pt x="120000" y="0"/>
+                </a:lnTo>
+                <a:lnTo>
+                  <a:pt x="120000" y="120000"/>
+                </a:lnTo>
+                <a:lnTo>
+                  <a:pt x="0" y="120000"/>
+                </a:lnTo>
+                <a:close/>
+              </a:path>
+            </a:pathLst>
+          </a:custGeom>
+        </p:spPr>
+      </p:sp>
+      <p:sp>
+        <p:nvSpPr>
+          <p:cNvPr id="121" name="Google Shape;121;g868d3c9f82_0_15:notes"/>
+          <p:cNvSpPr txBox="1">
+            <a:spLocks noGrp="1"/>
+          </p:cNvSpPr>
+          <p:nvPr>
+            <p:ph type="body" idx="1"/>
+          </p:nvPr>
+        </p:nvSpPr>
+        <p:spPr>
+          <a:xfrm>
+            <a:off x="685800" y="4343400"/>
+            <a:ext cx="5486400" cy="4114800"/>
+          </a:xfrm>
+          <a:prstGeom prst="rect">
+            <a:avLst/>
+          </a:prstGeom>
+        </p:spPr>
+        <p:txBody>
+          <a:bodyPr spcFirstLastPara="1" wrap="square" lIns="91425" tIns="91425" rIns="91425" bIns="91425" anchor="t" anchorCtr="0">
+            <a:noAutofit/>
+          </a:bodyPr>
+          <a:lstStyle/>
+          <a:p>
+            <a:pPr marL="0" lvl="0" indent="0" algn="l" rtl="0">
+              <a:spcBef>
+                <a:spcPts val="0"/>
+              </a:spcBef>
+              <a:spcAft>
+                <a:spcPts val="0"/>
+              </a:spcAft>
+              <a:buNone/>
+            </a:pPr>
+            <a:endParaRPr/>
+          </a:p>
+        </p:txBody>
+      </p:sp>
+    </p:spTree>
+    <p:extLst>
+      <p:ext uri="{BB962C8B-B14F-4D97-AF65-F5344CB8AC3E}">
+        <p14:creationId xmlns:p14="http://schemas.microsoft.com/office/powerpoint/2010/main" val="2045594636"/>
+      </p:ext>
+    </p:extLst>
+  </p:cSld>
+  <p:clrMapOvr>
+    <a:masterClrMapping/>
+  </p:clrMapOvr>
+</p:notes>
+</file>
+
+<file path=ppt/notesSlides/notesSlide12.xml><?xml version="1.0" encoding="utf-8"?>
+<p:notes xmlns:a="http://schemas.openxmlformats.org/drawingml/2006/main" xmlns:r="http://schemas.openxmlformats.org/officeDocument/2006/relationships" xmlns:p="http://schemas.openxmlformats.org/presentationml/2006/main" showMasterSp="0" showMasterPhAnim="0">
+  <p:cSld>
+    <p:spTree>
+      <p:nvGrpSpPr>
+        <p:cNvPr id="1" name="Shape 119"/>
+        <p:cNvGrpSpPr/>
+        <p:nvPr/>
+      </p:nvGrpSpPr>
+      <p:grpSpPr>
+        <a:xfrm>
+          <a:off x="0" y="0"/>
+          <a:ext cx="0" cy="0"/>
+          <a:chOff x="0" y="0"/>
+          <a:chExt cx="0" cy="0"/>
+        </a:xfrm>
+      </p:grpSpPr>
+      <p:sp>
+        <p:nvSpPr>
+          <p:cNvPr id="120" name="Google Shape;120;g868d3c9f82_0_15:notes"/>
+          <p:cNvSpPr>
+            <a:spLocks noGrp="1" noRot="1" noChangeAspect="1"/>
+          </p:cNvSpPr>
+          <p:nvPr>
+            <p:ph type="sldImg" idx="2"/>
+          </p:nvPr>
+        </p:nvSpPr>
+        <p:spPr>
+          <a:xfrm>
+            <a:off x="381000" y="685800"/>
+            <a:ext cx="6096000" cy="3429000"/>
+          </a:xfrm>
+          <a:custGeom>
+            <a:avLst/>
+            <a:gdLst/>
+            <a:ahLst/>
+            <a:cxnLst/>
+            <a:rect l="l" t="t" r="r" b="b"/>
+            <a:pathLst>
+              <a:path w="120000" h="120000" extrusionOk="0">
+                <a:moveTo>
+                  <a:pt x="0" y="0"/>
+                </a:moveTo>
+                <a:lnTo>
+                  <a:pt x="120000" y="0"/>
+                </a:lnTo>
+                <a:lnTo>
+                  <a:pt x="120000" y="120000"/>
+                </a:lnTo>
+                <a:lnTo>
+                  <a:pt x="0" y="120000"/>
+                </a:lnTo>
+                <a:close/>
+              </a:path>
+            </a:pathLst>
+          </a:custGeom>
+        </p:spPr>
+      </p:sp>
+      <p:sp>
+        <p:nvSpPr>
+          <p:cNvPr id="121" name="Google Shape;121;g868d3c9f82_0_15:notes"/>
+          <p:cNvSpPr txBox="1">
+            <a:spLocks noGrp="1"/>
+          </p:cNvSpPr>
+          <p:nvPr>
+            <p:ph type="body" idx="1"/>
+          </p:nvPr>
+        </p:nvSpPr>
+        <p:spPr>
+          <a:xfrm>
+            <a:off x="685800" y="4343400"/>
+            <a:ext cx="5486400" cy="4114800"/>
+          </a:xfrm>
+          <a:prstGeom prst="rect">
+            <a:avLst/>
+          </a:prstGeom>
+        </p:spPr>
+        <p:txBody>
+          <a:bodyPr spcFirstLastPara="1" wrap="square" lIns="91425" tIns="91425" rIns="91425" bIns="91425" anchor="t" anchorCtr="0">
+            <a:noAutofit/>
+          </a:bodyPr>
+          <a:lstStyle/>
+          <a:p>
+            <a:pPr marL="0" lvl="0" indent="0" algn="l" rtl="0">
+              <a:spcBef>
+                <a:spcPts val="0"/>
+              </a:spcBef>
+              <a:spcAft>
+                <a:spcPts val="0"/>
+              </a:spcAft>
+              <a:buNone/>
+            </a:pPr>
+            <a:endParaRPr/>
+          </a:p>
+        </p:txBody>
+      </p:sp>
+    </p:spTree>
+    <p:extLst>
+      <p:ext uri="{BB962C8B-B14F-4D97-AF65-F5344CB8AC3E}">
+        <p14:creationId xmlns:p14="http://schemas.microsoft.com/office/powerpoint/2010/main" val="964421544"/>
+      </p:ext>
+    </p:extLst>
+  </p:cSld>
+  <p:clrMapOvr>
+    <a:masterClrMapping/>
+  </p:clrMapOvr>
+</p:notes>
+</file>
+
+<file path=ppt/notesSlides/notesSlide13.xml><?xml version="1.0" encoding="utf-8"?>
+<p:notes xmlns:a="http://schemas.openxmlformats.org/drawingml/2006/main" xmlns:r="http://schemas.openxmlformats.org/officeDocument/2006/relationships" xmlns:p="http://schemas.openxmlformats.org/presentationml/2006/main" showMasterSp="0" showMasterPhAnim="0">
+  <p:cSld>
+    <p:spTree>
+      <p:nvGrpSpPr>
+        <p:cNvPr id="1" name="Shape 119"/>
+        <p:cNvGrpSpPr/>
+        <p:nvPr/>
+      </p:nvGrpSpPr>
+      <p:grpSpPr>
+        <a:xfrm>
+          <a:off x="0" y="0"/>
+          <a:ext cx="0" cy="0"/>
+          <a:chOff x="0" y="0"/>
+          <a:chExt cx="0" cy="0"/>
+        </a:xfrm>
+      </p:grpSpPr>
+      <p:sp>
+        <p:nvSpPr>
+          <p:cNvPr id="120" name="Google Shape;120;g868d3c9f82_0_15:notes"/>
+          <p:cNvSpPr>
+            <a:spLocks noGrp="1" noRot="1" noChangeAspect="1"/>
+          </p:cNvSpPr>
+          <p:nvPr>
+            <p:ph type="sldImg" idx="2"/>
+          </p:nvPr>
+        </p:nvSpPr>
+        <p:spPr>
+          <a:xfrm>
+            <a:off x="381000" y="685800"/>
+            <a:ext cx="6096000" cy="3429000"/>
+          </a:xfrm>
+          <a:custGeom>
+            <a:avLst/>
+            <a:gdLst/>
+            <a:ahLst/>
+            <a:cxnLst/>
+            <a:rect l="l" t="t" r="r" b="b"/>
+            <a:pathLst>
+              <a:path w="120000" h="120000" extrusionOk="0">
+                <a:moveTo>
+                  <a:pt x="0" y="0"/>
+                </a:moveTo>
+                <a:lnTo>
+                  <a:pt x="120000" y="0"/>
+                </a:lnTo>
+                <a:lnTo>
+                  <a:pt x="120000" y="120000"/>
+                </a:lnTo>
+                <a:lnTo>
+                  <a:pt x="0" y="120000"/>
+                </a:lnTo>
+                <a:close/>
+              </a:path>
+            </a:pathLst>
+          </a:custGeom>
+        </p:spPr>
+      </p:sp>
+      <p:sp>
+        <p:nvSpPr>
+          <p:cNvPr id="121" name="Google Shape;121;g868d3c9f82_0_15:notes"/>
+          <p:cNvSpPr txBox="1">
+            <a:spLocks noGrp="1"/>
+          </p:cNvSpPr>
+          <p:nvPr>
+            <p:ph type="body" idx="1"/>
+          </p:nvPr>
+        </p:nvSpPr>
+        <p:spPr>
+          <a:xfrm>
+            <a:off x="685800" y="4343400"/>
+            <a:ext cx="5486400" cy="4114800"/>
+          </a:xfrm>
+          <a:prstGeom prst="rect">
+            <a:avLst/>
+          </a:prstGeom>
+        </p:spPr>
+        <p:txBody>
+          <a:bodyPr spcFirstLastPara="1" wrap="square" lIns="91425" tIns="91425" rIns="91425" bIns="91425" anchor="t" anchorCtr="0">
+            <a:noAutofit/>
+          </a:bodyPr>
+          <a:lstStyle/>
+          <a:p>
+            <a:pPr marL="0" lvl="0" indent="0" algn="l" rtl="0">
+              <a:spcBef>
+                <a:spcPts val="0"/>
+              </a:spcBef>
+              <a:spcAft>
+                <a:spcPts val="0"/>
+              </a:spcAft>
+              <a:buNone/>
+            </a:pPr>
+            <a:endParaRPr/>
+          </a:p>
+        </p:txBody>
+      </p:sp>
+    </p:spTree>
+    <p:extLst>
+      <p:ext uri="{BB962C8B-B14F-4D97-AF65-F5344CB8AC3E}">
         <p14:creationId xmlns:p14="http://schemas.microsoft.com/office/powerpoint/2010/main" val="510445500"/>
+      </p:ext>
+    </p:extLst>
+  </p:cSld>
+  <p:clrMapOvr>
+    <a:masterClrMapping/>
+  </p:clrMapOvr>
+</p:notes>
+</file>
+
+<file path=ppt/notesSlides/notesSlide14.xml><?xml version="1.0" encoding="utf-8"?>
+<p:notes xmlns:a="http://schemas.openxmlformats.org/drawingml/2006/main" xmlns:r="http://schemas.openxmlformats.org/officeDocument/2006/relationships" xmlns:p="http://schemas.openxmlformats.org/presentationml/2006/main">
+  <p:cSld>
+    <p:spTree>
+      <p:nvGrpSpPr>
+        <p:cNvPr id="1" name=""/>
+        <p:cNvGrpSpPr/>
+        <p:nvPr/>
+      </p:nvGrpSpPr>
+      <p:grpSpPr>
+        <a:xfrm>
+          <a:off x="0" y="0"/>
+          <a:ext cx="0" cy="0"/>
+          <a:chOff x="0" y="0"/>
+          <a:chExt cx="0" cy="0"/>
+        </a:xfrm>
+      </p:grpSpPr>
+      <p:sp>
+        <p:nvSpPr>
+          <p:cNvPr id="2" name="Slide Image Placeholder 1"/>
+          <p:cNvSpPr>
+            <a:spLocks noGrp="1" noRot="1" noChangeAspect="1"/>
+          </p:cNvSpPr>
+          <p:nvPr>
+            <p:ph type="sldImg"/>
+          </p:nvPr>
+        </p:nvSpPr>
+        <p:spPr>
+          <a:xfrm>
+            <a:off x="381000" y="685800"/>
+            <a:ext cx="6096000" cy="3429000"/>
+          </a:xfrm>
+        </p:spPr>
+      </p:sp>
+      <p:sp>
+        <p:nvSpPr>
+          <p:cNvPr id="3" name="Notes Placeholder 2"/>
+          <p:cNvSpPr>
+            <a:spLocks noGrp="1"/>
+          </p:cNvSpPr>
+          <p:nvPr>
+            <p:ph type="body" idx="1"/>
+          </p:nvPr>
+        </p:nvSpPr>
+        <p:spPr/>
+        <p:txBody>
+          <a:bodyPr/>
+          <a:lstStyle/>
+          <a:p>
+            <a:endParaRPr lang="en-NL" dirty="0"/>
+          </a:p>
+        </p:txBody>
+      </p:sp>
+    </p:spTree>
+    <p:extLst>
+      <p:ext uri="{BB962C8B-B14F-4D97-AF65-F5344CB8AC3E}">
+        <p14:creationId xmlns:p14="http://schemas.microsoft.com/office/powerpoint/2010/main" val="843876315"/>
       </p:ext>
     </p:extLst>
   </p:cSld>
@@ -6004,7 +6401,13 @@
   <p:cSld>
     <p:spTree>
       <p:nvGrpSpPr>
-        <p:cNvPr id="1" name="Shape 119"/>
+        <p:cNvPr id="1" name="Shape 119">
+          <a:extLst>
+            <a:ext uri="{FF2B5EF4-FFF2-40B4-BE49-F238E27FC236}">
+              <a16:creationId xmlns:a16="http://schemas.microsoft.com/office/drawing/2014/main" id="{91E6589F-CEDB-B940-24AE-BB7EA0E84044}"/>
+            </a:ext>
+          </a:extLst>
+        </p:cNvPr>
         <p:cNvGrpSpPr/>
         <p:nvPr/>
       </p:nvGrpSpPr>
@@ -6018,7 +6421,13 @@
       </p:grpSpPr>
       <p:sp>
         <p:nvSpPr>
-          <p:cNvPr id="120" name="Google Shape;120;g868d3c9f82_0_15:notes"/>
+          <p:cNvPr id="120" name="Google Shape;120;g868d3c9f82_0_15:notes">
+            <a:extLst>
+              <a:ext uri="{FF2B5EF4-FFF2-40B4-BE49-F238E27FC236}">
+                <a16:creationId xmlns:a16="http://schemas.microsoft.com/office/drawing/2014/main" id="{A8144A9B-3D5D-9E9A-9D89-68398580340A}"/>
+              </a:ext>
+            </a:extLst>
+          </p:cNvPr>
           <p:cNvSpPr>
             <a:spLocks noGrp="1" noRot="1" noChangeAspect="1"/>
           </p:cNvSpPr>
@@ -6059,7 +6468,13 @@
       </p:sp>
       <p:sp>
         <p:nvSpPr>
-          <p:cNvPr id="121" name="Google Shape;121;g868d3c9f82_0_15:notes"/>
+          <p:cNvPr id="121" name="Google Shape;121;g868d3c9f82_0_15:notes">
+            <a:extLst>
+              <a:ext uri="{FF2B5EF4-FFF2-40B4-BE49-F238E27FC236}">
+                <a16:creationId xmlns:a16="http://schemas.microsoft.com/office/drawing/2014/main" id="{E4B46A1E-61B3-9AE2-DBE8-C9A8CEE525F6}"/>
+              </a:ext>
+            </a:extLst>
+          </p:cNvPr>
           <p:cNvSpPr txBox="1">
             <a:spLocks noGrp="1"/>
           </p:cNvSpPr>
@@ -6096,6 +6511,11 @@
         </p:txBody>
       </p:sp>
     </p:spTree>
+    <p:extLst>
+      <p:ext uri="{BB962C8B-B14F-4D97-AF65-F5344CB8AC3E}">
+        <p14:creationId xmlns:p14="http://schemas.microsoft.com/office/powerpoint/2010/main" val="2427294928"/>
+      </p:ext>
+    </p:extLst>
   </p:cSld>
   <p:clrMapOvr>
     <a:masterClrMapping/>
@@ -6108,7 +6528,13 @@
   <p:cSld>
     <p:spTree>
       <p:nvGrpSpPr>
-        <p:cNvPr id="1" name="Shape 119"/>
+        <p:cNvPr id="1" name="Shape 119">
+          <a:extLst>
+            <a:ext uri="{FF2B5EF4-FFF2-40B4-BE49-F238E27FC236}">
+              <a16:creationId xmlns:a16="http://schemas.microsoft.com/office/drawing/2014/main" id="{BE763C76-09C9-20B0-AA6A-C14462B5E2AE}"/>
+            </a:ext>
+          </a:extLst>
+        </p:cNvPr>
         <p:cNvGrpSpPr/>
         <p:nvPr/>
       </p:nvGrpSpPr>
@@ -6122,7 +6548,13 @@
       </p:grpSpPr>
       <p:sp>
         <p:nvSpPr>
-          <p:cNvPr id="120" name="Google Shape;120;g868d3c9f82_0_15:notes"/>
+          <p:cNvPr id="120" name="Google Shape;120;g868d3c9f82_0_15:notes">
+            <a:extLst>
+              <a:ext uri="{FF2B5EF4-FFF2-40B4-BE49-F238E27FC236}">
+                <a16:creationId xmlns:a16="http://schemas.microsoft.com/office/drawing/2014/main" id="{D72DEA9E-CB0C-3DFC-9183-F9633AD3B753}"/>
+              </a:ext>
+            </a:extLst>
+          </p:cNvPr>
           <p:cNvSpPr>
             <a:spLocks noGrp="1" noRot="1" noChangeAspect="1"/>
           </p:cNvSpPr>
@@ -6163,7 +6595,13 @@
       </p:sp>
       <p:sp>
         <p:nvSpPr>
-          <p:cNvPr id="121" name="Google Shape;121;g868d3c9f82_0_15:notes"/>
+          <p:cNvPr id="121" name="Google Shape;121;g868d3c9f82_0_15:notes">
+            <a:extLst>
+              <a:ext uri="{FF2B5EF4-FFF2-40B4-BE49-F238E27FC236}">
+                <a16:creationId xmlns:a16="http://schemas.microsoft.com/office/drawing/2014/main" id="{F4BE28E0-9448-8640-47A0-4AF5FEBDF8DA}"/>
+              </a:ext>
+            </a:extLst>
+          </p:cNvPr>
           <p:cNvSpPr txBox="1">
             <a:spLocks noGrp="1"/>
           </p:cNvSpPr>
@@ -6202,7 +6640,7 @@
     </p:spTree>
     <p:extLst>
       <p:ext uri="{BB962C8B-B14F-4D97-AF65-F5344CB8AC3E}">
-        <p14:creationId xmlns:p14="http://schemas.microsoft.com/office/powerpoint/2010/main" val="2656520312"/>
+        <p14:creationId xmlns:p14="http://schemas.microsoft.com/office/powerpoint/2010/main" val="2122810045"/>
       </p:ext>
     </p:extLst>
   </p:cSld>
@@ -6217,7 +6655,13 @@
   <p:cSld>
     <p:spTree>
       <p:nvGrpSpPr>
-        <p:cNvPr id="1" name="Shape 119"/>
+        <p:cNvPr id="1" name="Shape 119">
+          <a:extLst>
+            <a:ext uri="{FF2B5EF4-FFF2-40B4-BE49-F238E27FC236}">
+              <a16:creationId xmlns:a16="http://schemas.microsoft.com/office/drawing/2014/main" id="{015152A6-4843-5694-6AE2-8B3827877293}"/>
+            </a:ext>
+          </a:extLst>
+        </p:cNvPr>
         <p:cNvGrpSpPr/>
         <p:nvPr/>
       </p:nvGrpSpPr>
@@ -6231,7 +6675,13 @@
       </p:grpSpPr>
       <p:sp>
         <p:nvSpPr>
-          <p:cNvPr id="120" name="Google Shape;120;g868d3c9f82_0_15:notes"/>
+          <p:cNvPr id="120" name="Google Shape;120;g868d3c9f82_0_15:notes">
+            <a:extLst>
+              <a:ext uri="{FF2B5EF4-FFF2-40B4-BE49-F238E27FC236}">
+                <a16:creationId xmlns:a16="http://schemas.microsoft.com/office/drawing/2014/main" id="{1A4E88A0-F01E-0A5C-C7A9-A8FBB78D8373}"/>
+              </a:ext>
+            </a:extLst>
+          </p:cNvPr>
           <p:cNvSpPr>
             <a:spLocks noGrp="1" noRot="1" noChangeAspect="1"/>
           </p:cNvSpPr>
@@ -6272,7 +6722,13 @@
       </p:sp>
       <p:sp>
         <p:nvSpPr>
-          <p:cNvPr id="121" name="Google Shape;121;g868d3c9f82_0_15:notes"/>
+          <p:cNvPr id="121" name="Google Shape;121;g868d3c9f82_0_15:notes">
+            <a:extLst>
+              <a:ext uri="{FF2B5EF4-FFF2-40B4-BE49-F238E27FC236}">
+                <a16:creationId xmlns:a16="http://schemas.microsoft.com/office/drawing/2014/main" id="{63ACBFA7-7696-90E0-436E-BAF1E5D094D9}"/>
+              </a:ext>
+            </a:extLst>
+          </p:cNvPr>
           <p:cNvSpPr txBox="1">
             <a:spLocks noGrp="1"/>
           </p:cNvSpPr>
@@ -6311,7 +6767,7 @@
     </p:spTree>
     <p:extLst>
       <p:ext uri="{BB962C8B-B14F-4D97-AF65-F5344CB8AC3E}">
-        <p14:creationId xmlns:p14="http://schemas.microsoft.com/office/powerpoint/2010/main" val="2045594636"/>
+        <p14:creationId xmlns:p14="http://schemas.microsoft.com/office/powerpoint/2010/main" val="1359365368"/>
       </p:ext>
     </p:extLst>
   </p:cSld>
@@ -6418,11 +6874,6 @@
         </p:txBody>
       </p:sp>
     </p:spTree>
-    <p:extLst>
-      <p:ext uri="{BB962C8B-B14F-4D97-AF65-F5344CB8AC3E}">
-        <p14:creationId xmlns:p14="http://schemas.microsoft.com/office/powerpoint/2010/main" val="964421544"/>
-      </p:ext>
-    </p:extLst>
   </p:cSld>
   <p:clrMapOvr>
     <a:masterClrMapping/>
@@ -6805,7 +7256,7 @@
             </a:pPr>
             <a:fld id="{00000000-1234-1234-1234-123412341234}" type="slidenum">
               <a:rPr lang="nl"/>
-              <a:t>‹nr.›</a:t>
+              <a:t>‹#›</a:t>
             </a:fld>
             <a:endParaRPr/>
           </a:p>
@@ -7038,7 +7489,7 @@
             </a:pPr>
             <a:fld id="{00000000-1234-1234-1234-123412341234}" type="slidenum">
               <a:rPr lang="nl"/>
-              <a:t>‹nr.›</a:t>
+              <a:t>‹#›</a:t>
             </a:fld>
             <a:endParaRPr/>
           </a:p>
@@ -7400,7 +7851,7 @@
             </a:pPr>
             <a:fld id="{00000000-1234-1234-1234-123412341234}" type="slidenum">
               <a:rPr lang="nl"/>
-              <a:t>‹nr.›</a:t>
+              <a:t>‹#›</a:t>
             </a:fld>
             <a:endParaRPr/>
           </a:p>
@@ -7891,7 +8342,7 @@
             </a:pPr>
             <a:fld id="{00000000-1234-1234-1234-123412341234}" type="slidenum">
               <a:rPr lang="nl"/>
-              <a:t>‹nr.›</a:t>
+              <a:t>‹#›</a:t>
             </a:fld>
             <a:endParaRPr/>
           </a:p>
@@ -8124,7 +8575,7 @@
             </a:pPr>
             <a:fld id="{00000000-1234-1234-1234-123412341234}" type="slidenum">
               <a:rPr lang="nl"/>
-              <a:t>‹nr.›</a:t>
+              <a:t>‹#›</a:t>
             </a:fld>
             <a:endParaRPr/>
           </a:p>
@@ -8486,7 +8937,7 @@
             </a:pPr>
             <a:fld id="{00000000-1234-1234-1234-123412341234}" type="slidenum">
               <a:rPr lang="nl"/>
-              <a:t>‹nr.›</a:t>
+              <a:t>‹#›</a:t>
             </a:fld>
             <a:endParaRPr/>
           </a:p>
@@ -8719,7 +9170,7 @@
             </a:pPr>
             <a:fld id="{00000000-1234-1234-1234-123412341234}" type="slidenum">
               <a:rPr lang="nl"/>
-              <a:t>‹nr.›</a:t>
+              <a:t>‹#›</a:t>
             </a:fld>
             <a:endParaRPr/>
           </a:p>
@@ -9277,7 +9728,7 @@
             </a:pPr>
             <a:fld id="{00000000-1234-1234-1234-123412341234}" type="slidenum">
               <a:rPr lang="nl"/>
-              <a:t>‹nr.›</a:t>
+              <a:t>‹#›</a:t>
             </a:fld>
             <a:endParaRPr/>
           </a:p>
@@ -9641,7 +10092,7 @@
             </a:pPr>
             <a:fld id="{00000000-1234-1234-1234-123412341234}" type="slidenum">
               <a:rPr lang="nl"/>
-              <a:t>‹nr.›</a:t>
+              <a:t>‹#›</a:t>
             </a:fld>
             <a:endParaRPr/>
           </a:p>
@@ -10227,7 +10678,7 @@
             </a:pPr>
             <a:fld id="{00000000-1234-1234-1234-123412341234}" type="slidenum">
               <a:rPr lang="nl"/>
-              <a:t>‹nr.›</a:t>
+              <a:t>‹#›</a:t>
             </a:fld>
             <a:endParaRPr/>
           </a:p>
@@ -11360,7 +11811,554 @@
           <a:p>
             <a:r>
               <a:rPr lang="nl"/>
-              <a:t>Nieuwe feature/bug prep</a:t>
+              <a:t>2 Hoofd scenarios</a:t>
+            </a:r>
+            <a:endParaRPr lang="en-US"/>
+          </a:p>
+        </p:txBody>
+      </p:sp>
+      <p:sp>
+        <p:nvSpPr>
+          <p:cNvPr id="5" name="Google Shape;124;p23">
+            <a:extLst>
+              <a:ext uri="{FF2B5EF4-FFF2-40B4-BE49-F238E27FC236}">
+                <a16:creationId xmlns:a16="http://schemas.microsoft.com/office/drawing/2014/main" id="{772986EF-722B-FE03-E96E-1FFC7B14A905}"/>
+              </a:ext>
+            </a:extLst>
+          </p:cNvPr>
+          <p:cNvSpPr txBox="1">
+            <a:spLocks noGrp="1"/>
+          </p:cNvSpPr>
+          <p:nvPr>
+            <p:ph type="body" idx="1"/>
+          </p:nvPr>
+        </p:nvSpPr>
+        <p:spPr>
+          <a:xfrm>
+            <a:off x="311700" y="3006435"/>
+            <a:ext cx="3999900" cy="1562439"/>
+          </a:xfrm>
+          <a:prstGeom prst="rect">
+            <a:avLst/>
+          </a:prstGeom>
+        </p:spPr>
+        <p:txBody>
+          <a:bodyPr spcFirstLastPara="1" wrap="square" lIns="91425" tIns="91425" rIns="91425" bIns="91425" anchor="t" anchorCtr="0">
+            <a:noAutofit/>
+          </a:bodyPr>
+          <a:lstStyle/>
+          <a:p>
+            <a:pPr marL="0" indent="0" algn="ctr">
+              <a:spcAft>
+                <a:spcPts val="1600"/>
+              </a:spcAft>
+              <a:buNone/>
+            </a:pPr>
+            <a:r>
+              <a:rPr lang="en-US" err="1"/>
+              <a:t>Begint</a:t>
+            </a:r>
+            <a:r>
+              <a:rPr lang="en-US"/>
+              <a:t> met </a:t>
+            </a:r>
+            <a:r>
+              <a:rPr lang="en-US" err="1"/>
+              <a:t>een</a:t>
+            </a:r>
+            <a:r>
+              <a:rPr lang="en-US"/>
+              <a:t> </a:t>
+            </a:r>
+            <a:r>
+              <a:rPr lang="en-US" err="1"/>
+              <a:t>nieuwe</a:t>
+            </a:r>
+            <a:r>
+              <a:rPr lang="en-US"/>
+              <a:t> branch</a:t>
+            </a:r>
+          </a:p>
+        </p:txBody>
+      </p:sp>
+      <p:sp>
+        <p:nvSpPr>
+          <p:cNvPr id="3" name="Rectangle: Diagonal Corners Snipped 2">
+            <a:extLst>
+              <a:ext uri="{FF2B5EF4-FFF2-40B4-BE49-F238E27FC236}">
+                <a16:creationId xmlns:a16="http://schemas.microsoft.com/office/drawing/2014/main" id="{D2760693-9F4D-E90E-DE33-9D4131C937A8}"/>
+              </a:ext>
+            </a:extLst>
+          </p:cNvPr>
+          <p:cNvSpPr/>
+          <p:nvPr/>
+        </p:nvSpPr>
+        <p:spPr>
+          <a:xfrm>
+            <a:off x="311700" y="2164770"/>
+            <a:ext cx="4260299" cy="727363"/>
+          </a:xfrm>
+          <a:prstGeom prst="snip2DiagRect">
+            <a:avLst/>
+          </a:prstGeom>
+        </p:spPr>
+        <p:style>
+          <a:lnRef idx="2">
+            <a:schemeClr val="accent1">
+              <a:shade val="50000"/>
+            </a:schemeClr>
+          </a:lnRef>
+          <a:fillRef idx="1">
+            <a:schemeClr val="accent1"/>
+          </a:fillRef>
+          <a:effectRef idx="0">
+            <a:schemeClr val="accent1"/>
+          </a:effectRef>
+          <a:fontRef idx="minor">
+            <a:schemeClr val="lt1"/>
+          </a:fontRef>
+        </p:style>
+        <p:txBody>
+          <a:bodyPr rtlCol="0" anchor="ctr"/>
+          <a:lstStyle/>
+          <a:p>
+            <a:pPr algn="ctr"/>
+            <a:r>
+              <a:rPr lang="en-US" err="1"/>
+              <a:t>Nieuwe</a:t>
+            </a:r>
+            <a:r>
+              <a:rPr lang="en-US"/>
+              <a:t> feature/fix </a:t>
+            </a:r>
+            <a:r>
+              <a:rPr lang="en-US" err="1"/>
+              <a:t>etc</a:t>
+            </a:r>
+            <a:endParaRPr lang="nl-NL"/>
+          </a:p>
+        </p:txBody>
+      </p:sp>
+      <p:sp>
+        <p:nvSpPr>
+          <p:cNvPr id="14" name="Rectangle: Diagonal Corners Snipped 13">
+            <a:extLst>
+              <a:ext uri="{FF2B5EF4-FFF2-40B4-BE49-F238E27FC236}">
+                <a16:creationId xmlns:a16="http://schemas.microsoft.com/office/drawing/2014/main" id="{DDEE1412-D9DA-432E-C1AB-CEAE927E1C01}"/>
+              </a:ext>
+            </a:extLst>
+          </p:cNvPr>
+          <p:cNvSpPr/>
+          <p:nvPr/>
+        </p:nvSpPr>
+        <p:spPr>
+          <a:xfrm>
+            <a:off x="4939118" y="2208068"/>
+            <a:ext cx="3893181" cy="727363"/>
+          </a:xfrm>
+          <a:prstGeom prst="snip2DiagRect">
+            <a:avLst/>
+          </a:prstGeom>
+        </p:spPr>
+        <p:style>
+          <a:lnRef idx="2">
+            <a:schemeClr val="accent1">
+              <a:shade val="50000"/>
+            </a:schemeClr>
+          </a:lnRef>
+          <a:fillRef idx="1">
+            <a:schemeClr val="accent1"/>
+          </a:fillRef>
+          <a:effectRef idx="0">
+            <a:schemeClr val="accent1"/>
+          </a:effectRef>
+          <a:fontRef idx="minor">
+            <a:schemeClr val="lt1"/>
+          </a:fontRef>
+        </p:style>
+        <p:txBody>
+          <a:bodyPr rtlCol="0" anchor="ctr"/>
+          <a:lstStyle/>
+          <a:p>
+            <a:pPr algn="ctr"/>
+            <a:r>
+              <a:rPr lang="en-US" err="1"/>
+              <a:t>Verder</a:t>
+            </a:r>
+            <a:r>
+              <a:rPr lang="en-US"/>
+              <a:t> </a:t>
+            </a:r>
+            <a:r>
+              <a:rPr lang="en-US" err="1"/>
+              <a:t>werken</a:t>
+            </a:r>
+            <a:endParaRPr lang="nl-NL"/>
+          </a:p>
+        </p:txBody>
+      </p:sp>
+      <p:sp>
+        <p:nvSpPr>
+          <p:cNvPr id="6" name="Google Shape;124;p23">
+            <a:extLst>
+              <a:ext uri="{FF2B5EF4-FFF2-40B4-BE49-F238E27FC236}">
+                <a16:creationId xmlns:a16="http://schemas.microsoft.com/office/drawing/2014/main" id="{7F10B9FC-455B-5488-DBD9-EBC7153A7C8E}"/>
+              </a:ext>
+            </a:extLst>
+          </p:cNvPr>
+          <p:cNvSpPr txBox="1">
+            <a:spLocks/>
+          </p:cNvSpPr>
+          <p:nvPr/>
+        </p:nvSpPr>
+        <p:spPr>
+          <a:xfrm>
+            <a:off x="4939118" y="3061853"/>
+            <a:ext cx="3999900" cy="1562439"/>
+          </a:xfrm>
+          <a:prstGeom prst="rect">
+            <a:avLst/>
+          </a:prstGeom>
+          <a:noFill/>
+          <a:ln>
+            <a:noFill/>
+          </a:ln>
+        </p:spPr>
+        <p:txBody>
+          <a:bodyPr spcFirstLastPara="1" wrap="square" lIns="91425" tIns="91425" rIns="91425" bIns="91425" anchor="t" anchorCtr="0">
+            <a:noAutofit/>
+          </a:bodyPr>
+          <a:lstStyle>
+            <a:defPPr marR="0" lvl="0" algn="l" rtl="0">
+              <a:lnSpc>
+                <a:spcPct val="100000"/>
+              </a:lnSpc>
+              <a:spcBef>
+                <a:spcPts val="0"/>
+              </a:spcBef>
+              <a:spcAft>
+                <a:spcPts val="0"/>
+              </a:spcAft>
+            </a:defPPr>
+            <a:lvl1pPr marL="457200" marR="0" lvl="0" indent="-317500" algn="l" rtl="0">
+              <a:lnSpc>
+                <a:spcPct val="115000"/>
+              </a:lnSpc>
+              <a:spcBef>
+                <a:spcPts val="0"/>
+              </a:spcBef>
+              <a:spcAft>
+                <a:spcPts val="0"/>
+              </a:spcAft>
+              <a:buClr>
+                <a:schemeClr val="dk2"/>
+              </a:buClr>
+              <a:buSzPts val="1400"/>
+              <a:buFont typeface="Arial"/>
+              <a:buChar char="●"/>
+              <a:defRPr sz="1400" b="0" i="0" u="none" strike="noStrike" cap="none">
+                <a:solidFill>
+                  <a:schemeClr val="dk2"/>
+                </a:solidFill>
+                <a:latin typeface="Arial"/>
+                <a:ea typeface="Arial"/>
+                <a:cs typeface="Arial"/>
+                <a:sym typeface="Arial"/>
+              </a:defRPr>
+            </a:lvl1pPr>
+            <a:lvl2pPr marL="914400" marR="0" lvl="1" indent="-304800" algn="l" rtl="0">
+              <a:lnSpc>
+                <a:spcPct val="115000"/>
+              </a:lnSpc>
+              <a:spcBef>
+                <a:spcPts val="1600"/>
+              </a:spcBef>
+              <a:spcAft>
+                <a:spcPts val="0"/>
+              </a:spcAft>
+              <a:buClr>
+                <a:schemeClr val="dk2"/>
+              </a:buClr>
+              <a:buSzPts val="1200"/>
+              <a:buFont typeface="Arial"/>
+              <a:buChar char="○"/>
+              <a:defRPr sz="1200" b="0" i="0" u="none" strike="noStrike" cap="none">
+                <a:solidFill>
+                  <a:schemeClr val="dk2"/>
+                </a:solidFill>
+                <a:latin typeface="Arial"/>
+                <a:ea typeface="Arial"/>
+                <a:cs typeface="Arial"/>
+                <a:sym typeface="Arial"/>
+              </a:defRPr>
+            </a:lvl2pPr>
+            <a:lvl3pPr marL="1371600" marR="0" lvl="2" indent="-304800" algn="l" rtl="0">
+              <a:lnSpc>
+                <a:spcPct val="115000"/>
+              </a:lnSpc>
+              <a:spcBef>
+                <a:spcPts val="1600"/>
+              </a:spcBef>
+              <a:spcAft>
+                <a:spcPts val="0"/>
+              </a:spcAft>
+              <a:buClr>
+                <a:schemeClr val="dk2"/>
+              </a:buClr>
+              <a:buSzPts val="1200"/>
+              <a:buFont typeface="Arial"/>
+              <a:buChar char="■"/>
+              <a:defRPr sz="1200" b="0" i="0" u="none" strike="noStrike" cap="none">
+                <a:solidFill>
+                  <a:schemeClr val="dk2"/>
+                </a:solidFill>
+                <a:latin typeface="Arial"/>
+                <a:ea typeface="Arial"/>
+                <a:cs typeface="Arial"/>
+                <a:sym typeface="Arial"/>
+              </a:defRPr>
+            </a:lvl3pPr>
+            <a:lvl4pPr marL="1828800" marR="0" lvl="3" indent="-304800" algn="l" rtl="0">
+              <a:lnSpc>
+                <a:spcPct val="115000"/>
+              </a:lnSpc>
+              <a:spcBef>
+                <a:spcPts val="1600"/>
+              </a:spcBef>
+              <a:spcAft>
+                <a:spcPts val="0"/>
+              </a:spcAft>
+              <a:buClr>
+                <a:schemeClr val="dk2"/>
+              </a:buClr>
+              <a:buSzPts val="1200"/>
+              <a:buFont typeface="Arial"/>
+              <a:buChar char="●"/>
+              <a:defRPr sz="1200" b="0" i="0" u="none" strike="noStrike" cap="none">
+                <a:solidFill>
+                  <a:schemeClr val="dk2"/>
+                </a:solidFill>
+                <a:latin typeface="Arial"/>
+                <a:ea typeface="Arial"/>
+                <a:cs typeface="Arial"/>
+                <a:sym typeface="Arial"/>
+              </a:defRPr>
+            </a:lvl4pPr>
+            <a:lvl5pPr marL="2286000" marR="0" lvl="4" indent="-304800" algn="l" rtl="0">
+              <a:lnSpc>
+                <a:spcPct val="115000"/>
+              </a:lnSpc>
+              <a:spcBef>
+                <a:spcPts val="1600"/>
+              </a:spcBef>
+              <a:spcAft>
+                <a:spcPts val="0"/>
+              </a:spcAft>
+              <a:buClr>
+                <a:schemeClr val="dk2"/>
+              </a:buClr>
+              <a:buSzPts val="1200"/>
+              <a:buFont typeface="Arial"/>
+              <a:buChar char="○"/>
+              <a:defRPr sz="1200" b="0" i="0" u="none" strike="noStrike" cap="none">
+                <a:solidFill>
+                  <a:schemeClr val="dk2"/>
+                </a:solidFill>
+                <a:latin typeface="Arial"/>
+                <a:ea typeface="Arial"/>
+                <a:cs typeface="Arial"/>
+                <a:sym typeface="Arial"/>
+              </a:defRPr>
+            </a:lvl5pPr>
+            <a:lvl6pPr marL="2743200" marR="0" lvl="5" indent="-304800" algn="l" rtl="0">
+              <a:lnSpc>
+                <a:spcPct val="115000"/>
+              </a:lnSpc>
+              <a:spcBef>
+                <a:spcPts val="1600"/>
+              </a:spcBef>
+              <a:spcAft>
+                <a:spcPts val="0"/>
+              </a:spcAft>
+              <a:buClr>
+                <a:schemeClr val="dk2"/>
+              </a:buClr>
+              <a:buSzPts val="1200"/>
+              <a:buFont typeface="Arial"/>
+              <a:buChar char="■"/>
+              <a:defRPr sz="1200" b="0" i="0" u="none" strike="noStrike" cap="none">
+                <a:solidFill>
+                  <a:schemeClr val="dk2"/>
+                </a:solidFill>
+                <a:latin typeface="Arial"/>
+                <a:ea typeface="Arial"/>
+                <a:cs typeface="Arial"/>
+                <a:sym typeface="Arial"/>
+              </a:defRPr>
+            </a:lvl6pPr>
+            <a:lvl7pPr marL="3200400" marR="0" lvl="6" indent="-304800" algn="l" rtl="0">
+              <a:lnSpc>
+                <a:spcPct val="115000"/>
+              </a:lnSpc>
+              <a:spcBef>
+                <a:spcPts val="1600"/>
+              </a:spcBef>
+              <a:spcAft>
+                <a:spcPts val="0"/>
+              </a:spcAft>
+              <a:buClr>
+                <a:schemeClr val="dk2"/>
+              </a:buClr>
+              <a:buSzPts val="1200"/>
+              <a:buFont typeface="Arial"/>
+              <a:buChar char="●"/>
+              <a:defRPr sz="1200" b="0" i="0" u="none" strike="noStrike" cap="none">
+                <a:solidFill>
+                  <a:schemeClr val="dk2"/>
+                </a:solidFill>
+                <a:latin typeface="Arial"/>
+                <a:ea typeface="Arial"/>
+                <a:cs typeface="Arial"/>
+                <a:sym typeface="Arial"/>
+              </a:defRPr>
+            </a:lvl7pPr>
+            <a:lvl8pPr marL="3657600" marR="0" lvl="7" indent="-304800" algn="l" rtl="0">
+              <a:lnSpc>
+                <a:spcPct val="115000"/>
+              </a:lnSpc>
+              <a:spcBef>
+                <a:spcPts val="1600"/>
+              </a:spcBef>
+              <a:spcAft>
+                <a:spcPts val="0"/>
+              </a:spcAft>
+              <a:buClr>
+                <a:schemeClr val="dk2"/>
+              </a:buClr>
+              <a:buSzPts val="1200"/>
+              <a:buFont typeface="Arial"/>
+              <a:buChar char="○"/>
+              <a:defRPr sz="1200" b="0" i="0" u="none" strike="noStrike" cap="none">
+                <a:solidFill>
+                  <a:schemeClr val="dk2"/>
+                </a:solidFill>
+                <a:latin typeface="Arial"/>
+                <a:ea typeface="Arial"/>
+                <a:cs typeface="Arial"/>
+                <a:sym typeface="Arial"/>
+              </a:defRPr>
+            </a:lvl8pPr>
+            <a:lvl9pPr marL="4114800" marR="0" lvl="8" indent="-304800" algn="l" rtl="0">
+              <a:lnSpc>
+                <a:spcPct val="115000"/>
+              </a:lnSpc>
+              <a:spcBef>
+                <a:spcPts val="1600"/>
+              </a:spcBef>
+              <a:spcAft>
+                <a:spcPts val="1600"/>
+              </a:spcAft>
+              <a:buClr>
+                <a:schemeClr val="dk2"/>
+              </a:buClr>
+              <a:buSzPts val="1200"/>
+              <a:buFont typeface="Arial"/>
+              <a:buChar char="■"/>
+              <a:defRPr sz="1200" b="0" i="0" u="none" strike="noStrike" cap="none">
+                <a:solidFill>
+                  <a:schemeClr val="dk2"/>
+                </a:solidFill>
+                <a:latin typeface="Arial"/>
+                <a:ea typeface="Arial"/>
+                <a:cs typeface="Arial"/>
+                <a:sym typeface="Arial"/>
+              </a:defRPr>
+            </a:lvl9pPr>
+          </a:lstStyle>
+          <a:p>
+            <a:pPr marL="0" indent="0" algn="ctr">
+              <a:spcAft>
+                <a:spcPts val="1600"/>
+              </a:spcAft>
+              <a:buFont typeface="Arial"/>
+              <a:buNone/>
+            </a:pPr>
+            <a:r>
+              <a:rPr lang="en-US" err="1"/>
+              <a:t>Gaat</a:t>
+            </a:r>
+            <a:r>
+              <a:rPr lang="en-US"/>
+              <a:t> </a:t>
+            </a:r>
+            <a:r>
+              <a:rPr lang="en-US" err="1"/>
+              <a:t>verder</a:t>
+            </a:r>
+            <a:r>
+              <a:rPr lang="en-US"/>
+              <a:t> op je </a:t>
+            </a:r>
+            <a:r>
+              <a:rPr lang="en-US" err="1"/>
+              <a:t>huidige</a:t>
+            </a:r>
+            <a:r>
+              <a:rPr lang="en-US"/>
+              <a:t> branch</a:t>
+            </a:r>
+          </a:p>
+        </p:txBody>
+      </p:sp>
+    </p:spTree>
+  </p:cSld>
+  <p:clrMapOvr>
+    <a:masterClrMapping/>
+  </p:clrMapOvr>
+</p:sld>
+</file>
+
+<file path=ppt/slides/slide11.xml><?xml version="1.0" encoding="utf-8"?>
+<p:sld xmlns:a="http://schemas.openxmlformats.org/drawingml/2006/main" xmlns:r="http://schemas.openxmlformats.org/officeDocument/2006/relationships" xmlns:p="http://schemas.openxmlformats.org/presentationml/2006/main">
+  <p:cSld>
+    <p:spTree>
+      <p:nvGrpSpPr>
+        <p:cNvPr id="1" name="Shape 122"/>
+        <p:cNvGrpSpPr/>
+        <p:nvPr/>
+      </p:nvGrpSpPr>
+      <p:grpSpPr>
+        <a:xfrm>
+          <a:off x="0" y="0"/>
+          <a:ext cx="0" cy="0"/>
+          <a:chOff x="0" y="0"/>
+          <a:chExt cx="0" cy="0"/>
+        </a:xfrm>
+      </p:grpSpPr>
+      <p:sp>
+        <p:nvSpPr>
+          <p:cNvPr id="123" name="Google Shape;123;p23"/>
+          <p:cNvSpPr txBox="1">
+            <a:spLocks noGrp="1"/>
+          </p:cNvSpPr>
+          <p:nvPr>
+            <p:ph type="title"/>
+          </p:nvPr>
+        </p:nvSpPr>
+        <p:spPr>
+          <a:prstGeom prst="rect">
+            <a:avLst/>
+          </a:prstGeom>
+        </p:spPr>
+        <p:txBody>
+          <a:bodyPr spcFirstLastPara="1" wrap="square" lIns="91425" tIns="91425" rIns="91425" bIns="91425" anchor="t" anchorCtr="0">
+            <a:noAutofit/>
+          </a:bodyPr>
+          <a:lstStyle/>
+          <a:p>
+            <a:r>
+              <a:rPr lang="nl"/>
+              <a:t>Verder werken</a:t>
             </a:r>
             <a:endParaRPr lang="en-US"/>
           </a:p>
@@ -11377,6 +12375,1038 @@
           </p:nvPr>
         </p:nvSpPr>
         <p:spPr>
+          <a:prstGeom prst="rect">
+            <a:avLst/>
+          </a:prstGeom>
+        </p:spPr>
+        <p:txBody>
+          <a:bodyPr spcFirstLastPara="1" wrap="square" lIns="91425" tIns="91425" rIns="91425" bIns="91425" anchor="t" anchorCtr="0">
+            <a:noAutofit/>
+          </a:bodyPr>
+          <a:lstStyle/>
+          <a:p>
+            <a:pPr marL="0" indent="0">
+              <a:lnSpc>
+                <a:spcPct val="100000"/>
+              </a:lnSpc>
+              <a:spcAft>
+                <a:spcPts val="1600"/>
+              </a:spcAft>
+              <a:buNone/>
+            </a:pPr>
+            <a:r>
+              <a:rPr lang="en-US"/>
+              <a:t>Je </a:t>
+            </a:r>
+            <a:r>
+              <a:rPr lang="en-US" err="1"/>
+              <a:t>blijft</a:t>
+            </a:r>
+            <a:r>
+              <a:rPr lang="en-US"/>
+              <a:t> op je </a:t>
+            </a:r>
+            <a:r>
+              <a:rPr lang="en-US" err="1"/>
+              <a:t>huidige</a:t>
+            </a:r>
+            <a:r>
+              <a:rPr lang="en-US"/>
+              <a:t> branch (main) </a:t>
+            </a:r>
+          </a:p>
+          <a:p>
+            <a:pPr marL="0" indent="0">
+              <a:lnSpc>
+                <a:spcPct val="100000"/>
+              </a:lnSpc>
+              <a:spcAft>
+                <a:spcPts val="1600"/>
+              </a:spcAft>
+              <a:buNone/>
+            </a:pPr>
+            <a:r>
+              <a:rPr lang="en-US"/>
+              <a:t>Als je </a:t>
+            </a:r>
+            <a:r>
+              <a:rPr lang="en-US" err="1"/>
+              <a:t>begint</a:t>
+            </a:r>
+            <a:r>
+              <a:rPr lang="en-US"/>
+              <a:t> doe je </a:t>
+            </a:r>
+            <a:r>
+              <a:rPr lang="en-US" err="1"/>
+              <a:t>eerst</a:t>
+            </a:r>
+            <a:r>
+              <a:rPr lang="en-US"/>
+              <a:t> </a:t>
+            </a:r>
+            <a:r>
+              <a:rPr lang="en-US" err="1"/>
+              <a:t>een</a:t>
+            </a:r>
+            <a:r>
+              <a:rPr lang="en-US"/>
+              <a:t> Pull</a:t>
+            </a:r>
+          </a:p>
+          <a:p>
+            <a:pPr marL="742950" lvl="1" indent="-285750">
+              <a:lnSpc>
+                <a:spcPct val="100000"/>
+              </a:lnSpc>
+              <a:spcAft>
+                <a:spcPts val="1600"/>
+              </a:spcAft>
+            </a:pPr>
+            <a:r>
+              <a:rPr lang="en-US"/>
+              <a:t>Dit om de </a:t>
+            </a:r>
+            <a:r>
+              <a:rPr lang="en-US" err="1"/>
+              <a:t>laatste</a:t>
+            </a:r>
+            <a:r>
+              <a:rPr lang="en-US"/>
+              <a:t> complete changes van </a:t>
+            </a:r>
+            <a:r>
+              <a:rPr lang="en-US" err="1"/>
+              <a:t>andere</a:t>
+            </a:r>
+            <a:r>
+              <a:rPr lang="en-US"/>
+              <a:t> mee </a:t>
+            </a:r>
+            <a:r>
+              <a:rPr lang="en-US" err="1"/>
+              <a:t>te</a:t>
+            </a:r>
+            <a:r>
+              <a:rPr lang="en-US"/>
+              <a:t> </a:t>
+            </a:r>
+            <a:r>
+              <a:rPr lang="en-US" err="1"/>
+              <a:t>nemen</a:t>
+            </a:r>
+            <a:endParaRPr lang="en-US"/>
+          </a:p>
+          <a:p>
+            <a:pPr marL="742950" lvl="1" indent="-285750">
+              <a:lnSpc>
+                <a:spcPct val="100000"/>
+              </a:lnSpc>
+              <a:spcAft>
+                <a:spcPts val="1600"/>
+              </a:spcAft>
+            </a:pPr>
+            <a:r>
+              <a:rPr lang="en-US"/>
+              <a:t>Als er </a:t>
+            </a:r>
+            <a:r>
+              <a:rPr lang="en-US" err="1"/>
+              <a:t>conflicten</a:t>
+            </a:r>
+            <a:r>
+              <a:rPr lang="en-US"/>
+              <a:t> </a:t>
+            </a:r>
+            <a:r>
+              <a:rPr lang="en-US" err="1"/>
+              <a:t>zijn</a:t>
+            </a:r>
+            <a:r>
+              <a:rPr lang="en-US"/>
+              <a:t>, nu </a:t>
+            </a:r>
+            <a:r>
+              <a:rPr lang="en-US" err="1"/>
+              <a:t>oplossen</a:t>
+            </a:r>
+            <a:r>
+              <a:rPr lang="en-US"/>
+              <a:t>, </a:t>
+            </a:r>
+            <a:r>
+              <a:rPr lang="en-US" err="1"/>
+              <a:t>scheelt</a:t>
+            </a:r>
+            <a:r>
+              <a:rPr lang="en-US"/>
+              <a:t> </a:t>
+            </a:r>
+            <a:r>
+              <a:rPr lang="en-US" err="1"/>
+              <a:t>straks</a:t>
+            </a:r>
+            <a:r>
+              <a:rPr lang="en-US"/>
+              <a:t> </a:t>
+            </a:r>
+            <a:r>
+              <a:rPr lang="en-US" err="1"/>
+              <a:t>meer</a:t>
+            </a:r>
+            <a:r>
+              <a:rPr lang="en-US"/>
+              <a:t> </a:t>
+            </a:r>
+            <a:r>
+              <a:rPr lang="en-US" err="1"/>
+              <a:t>werk</a:t>
+            </a:r>
+            <a:endParaRPr lang="en-US"/>
+          </a:p>
+          <a:p>
+            <a:pPr marL="285750" indent="-285750">
+              <a:lnSpc>
+                <a:spcPct val="100000"/>
+              </a:lnSpc>
+              <a:spcAft>
+                <a:spcPts val="1600"/>
+              </a:spcAft>
+            </a:pPr>
+            <a:r>
+              <a:rPr lang="en-US"/>
+              <a:t>Nu </a:t>
+            </a:r>
+            <a:r>
+              <a:rPr lang="en-US" err="1"/>
+              <a:t>kunnen</a:t>
+            </a:r>
+            <a:r>
+              <a:rPr lang="en-US"/>
+              <a:t> we </a:t>
+            </a:r>
+            <a:r>
+              <a:rPr lang="en-US" err="1"/>
+              <a:t>werken</a:t>
+            </a:r>
+            <a:r>
+              <a:rPr lang="en-US"/>
+              <a:t>!</a:t>
+            </a:r>
+          </a:p>
+          <a:p>
+            <a:pPr marL="342900" indent="-342900">
+              <a:lnSpc>
+                <a:spcPct val="100000"/>
+              </a:lnSpc>
+              <a:spcAft>
+                <a:spcPts val="1600"/>
+              </a:spcAft>
+              <a:buFont typeface="+mj-lt"/>
+              <a:buAutoNum type="arabicPeriod"/>
+            </a:pPr>
+            <a:endParaRPr lang="en-US"/>
+          </a:p>
+        </p:txBody>
+      </p:sp>
+      <p:sp>
+        <p:nvSpPr>
+          <p:cNvPr id="3" name="Rectangle: Diagonal Corners Snipped 2">
+            <a:extLst>
+              <a:ext uri="{FF2B5EF4-FFF2-40B4-BE49-F238E27FC236}">
+                <a16:creationId xmlns:a16="http://schemas.microsoft.com/office/drawing/2014/main" id="{D2760693-9F4D-E90E-DE33-9D4131C937A8}"/>
+              </a:ext>
+            </a:extLst>
+          </p:cNvPr>
+          <p:cNvSpPr/>
+          <p:nvPr/>
+        </p:nvSpPr>
+        <p:spPr>
+          <a:xfrm>
+            <a:off x="5758991" y="1017725"/>
+            <a:ext cx="1882695" cy="727363"/>
+          </a:xfrm>
+          <a:prstGeom prst="snip2DiagRect">
+            <a:avLst/>
+          </a:prstGeom>
+        </p:spPr>
+        <p:style>
+          <a:lnRef idx="2">
+            <a:schemeClr val="accent1">
+              <a:shade val="50000"/>
+            </a:schemeClr>
+          </a:lnRef>
+          <a:fillRef idx="1">
+            <a:schemeClr val="accent1"/>
+          </a:fillRef>
+          <a:effectRef idx="0">
+            <a:schemeClr val="accent1"/>
+          </a:effectRef>
+          <a:fontRef idx="minor">
+            <a:schemeClr val="lt1"/>
+          </a:fontRef>
+        </p:style>
+        <p:txBody>
+          <a:bodyPr rtlCol="0" anchor="ctr"/>
+          <a:lstStyle/>
+          <a:p>
+            <a:pPr algn="ctr"/>
+            <a:r>
+              <a:rPr lang="en-US" dirty="0" err="1"/>
+              <a:t>Doen</a:t>
+            </a:r>
+            <a:r>
+              <a:rPr lang="en-US" dirty="0"/>
+              <a:t> </a:t>
+            </a:r>
+            <a:r>
+              <a:rPr lang="en-US" dirty="0" err="1"/>
+              <a:t>een</a:t>
+            </a:r>
+            <a:r>
+              <a:rPr lang="en-US"/>
+              <a:t> pull</a:t>
+            </a:r>
+            <a:endParaRPr lang="nl-NL" dirty="0"/>
+          </a:p>
+        </p:txBody>
+      </p:sp>
+      <p:sp>
+        <p:nvSpPr>
+          <p:cNvPr id="13" name="Arrow: Right 12">
+            <a:extLst>
+              <a:ext uri="{FF2B5EF4-FFF2-40B4-BE49-F238E27FC236}">
+                <a16:creationId xmlns:a16="http://schemas.microsoft.com/office/drawing/2014/main" id="{CB521ED4-6C78-77A2-6526-72C7F7B614F1}"/>
+              </a:ext>
+            </a:extLst>
+          </p:cNvPr>
+          <p:cNvSpPr/>
+          <p:nvPr/>
+        </p:nvSpPr>
+        <p:spPr>
+          <a:xfrm rot="5400000">
+            <a:off x="6525491" y="2147455"/>
+            <a:ext cx="325582" cy="424295"/>
+          </a:xfrm>
+          <a:prstGeom prst="rightArrow">
+            <a:avLst/>
+          </a:prstGeom>
+        </p:spPr>
+        <p:style>
+          <a:lnRef idx="2">
+            <a:schemeClr val="accent1">
+              <a:shade val="50000"/>
+            </a:schemeClr>
+          </a:lnRef>
+          <a:fillRef idx="1">
+            <a:schemeClr val="accent1"/>
+          </a:fillRef>
+          <a:effectRef idx="0">
+            <a:schemeClr val="accent1"/>
+          </a:effectRef>
+          <a:fontRef idx="minor">
+            <a:schemeClr val="lt1"/>
+          </a:fontRef>
+        </p:style>
+        <p:txBody>
+          <a:bodyPr rtlCol="0" anchor="ctr"/>
+          <a:lstStyle/>
+          <a:p>
+            <a:pPr algn="ctr"/>
+            <a:endParaRPr lang="nl-NL"/>
+          </a:p>
+        </p:txBody>
+      </p:sp>
+      <p:sp>
+        <p:nvSpPr>
+          <p:cNvPr id="14" name="Rectangle: Diagonal Corners Snipped 13">
+            <a:extLst>
+              <a:ext uri="{FF2B5EF4-FFF2-40B4-BE49-F238E27FC236}">
+                <a16:creationId xmlns:a16="http://schemas.microsoft.com/office/drawing/2014/main" id="{DDEE1412-D9DA-432E-C1AB-CEAE927E1C01}"/>
+              </a:ext>
+            </a:extLst>
+          </p:cNvPr>
+          <p:cNvSpPr/>
+          <p:nvPr/>
+        </p:nvSpPr>
+        <p:spPr>
+          <a:xfrm>
+            <a:off x="5758991" y="3034731"/>
+            <a:ext cx="1882695" cy="727363"/>
+          </a:xfrm>
+          <a:prstGeom prst="snip2DiagRect">
+            <a:avLst/>
+          </a:prstGeom>
+        </p:spPr>
+        <p:style>
+          <a:lnRef idx="2">
+            <a:schemeClr val="accent1">
+              <a:shade val="50000"/>
+            </a:schemeClr>
+          </a:lnRef>
+          <a:fillRef idx="1">
+            <a:schemeClr val="accent1"/>
+          </a:fillRef>
+          <a:effectRef idx="0">
+            <a:schemeClr val="accent1"/>
+          </a:effectRef>
+          <a:fontRef idx="minor">
+            <a:schemeClr val="lt1"/>
+          </a:fontRef>
+        </p:style>
+        <p:txBody>
+          <a:bodyPr rtlCol="0" anchor="ctr"/>
+          <a:lstStyle/>
+          <a:p>
+            <a:pPr algn="ctr"/>
+            <a:r>
+              <a:rPr lang="en-US" err="1"/>
+              <a:t>Verder</a:t>
+            </a:r>
+            <a:r>
+              <a:rPr lang="en-US"/>
+              <a:t> </a:t>
+            </a:r>
+            <a:r>
+              <a:rPr lang="en-US" err="1"/>
+              <a:t>werken</a:t>
+            </a:r>
+            <a:endParaRPr lang="nl-NL"/>
+          </a:p>
+        </p:txBody>
+      </p:sp>
+    </p:spTree>
+    <p:extLst>
+      <p:ext uri="{BB962C8B-B14F-4D97-AF65-F5344CB8AC3E}">
+        <p14:creationId xmlns:p14="http://schemas.microsoft.com/office/powerpoint/2010/main" val="2695230585"/>
+      </p:ext>
+    </p:extLst>
+  </p:cSld>
+  <p:clrMapOvr>
+    <a:masterClrMapping/>
+  </p:clrMapOvr>
+</p:sld>
+</file>
+
+<file path=ppt/slides/slide12.xml><?xml version="1.0" encoding="utf-8"?>
+<p:sld xmlns:a="http://schemas.openxmlformats.org/drawingml/2006/main" xmlns:r="http://schemas.openxmlformats.org/officeDocument/2006/relationships" xmlns:p="http://schemas.openxmlformats.org/presentationml/2006/main">
+  <p:cSld>
+    <p:spTree>
+      <p:nvGrpSpPr>
+        <p:cNvPr id="1" name="Shape 122"/>
+        <p:cNvGrpSpPr/>
+        <p:nvPr/>
+      </p:nvGrpSpPr>
+      <p:grpSpPr>
+        <a:xfrm>
+          <a:off x="0" y="0"/>
+          <a:ext cx="0" cy="0"/>
+          <a:chOff x="0" y="0"/>
+          <a:chExt cx="0" cy="0"/>
+        </a:xfrm>
+      </p:grpSpPr>
+      <p:sp>
+        <p:nvSpPr>
+          <p:cNvPr id="123" name="Google Shape;123;p23"/>
+          <p:cNvSpPr txBox="1">
+            <a:spLocks noGrp="1"/>
+          </p:cNvSpPr>
+          <p:nvPr>
+            <p:ph type="title"/>
+          </p:nvPr>
+        </p:nvSpPr>
+        <p:spPr>
+          <a:prstGeom prst="rect">
+            <a:avLst/>
+          </a:prstGeom>
+        </p:spPr>
+        <p:txBody>
+          <a:bodyPr spcFirstLastPara="1" wrap="square" lIns="91425" tIns="91425" rIns="91425" bIns="91425" anchor="t" anchorCtr="0">
+            <a:noAutofit/>
+          </a:bodyPr>
+          <a:lstStyle/>
+          <a:p>
+            <a:r>
+              <a:rPr lang="nl"/>
+              <a:t>Je changes commiten</a:t>
+            </a:r>
+            <a:endParaRPr lang="en-US"/>
+          </a:p>
+        </p:txBody>
+      </p:sp>
+      <p:sp>
+        <p:nvSpPr>
+          <p:cNvPr id="124" name="Google Shape;124;p23"/>
+          <p:cNvSpPr txBox="1">
+            <a:spLocks noGrp="1"/>
+          </p:cNvSpPr>
+          <p:nvPr>
+            <p:ph type="body" idx="1"/>
+          </p:nvPr>
+        </p:nvSpPr>
+        <p:spPr>
+          <a:prstGeom prst="rect">
+            <a:avLst/>
+          </a:prstGeom>
+        </p:spPr>
+        <p:txBody>
+          <a:bodyPr spcFirstLastPara="1" wrap="square" lIns="91425" tIns="91425" rIns="91425" bIns="91425" anchor="t" anchorCtr="0">
+            <a:noAutofit/>
+          </a:bodyPr>
+          <a:lstStyle/>
+          <a:p>
+            <a:pPr marL="342900" indent="-342900">
+              <a:lnSpc>
+                <a:spcPct val="100000"/>
+              </a:lnSpc>
+              <a:spcAft>
+                <a:spcPts val="1600"/>
+              </a:spcAft>
+              <a:buFont typeface="+mj-lt"/>
+              <a:buAutoNum type="arabicPeriod"/>
+            </a:pPr>
+            <a:r>
+              <a:rPr lang="en-US"/>
+              <a:t>Check je </a:t>
+            </a:r>
+            <a:r>
+              <a:rPr lang="en-US" err="1"/>
+              <a:t>werk</a:t>
+            </a:r>
+            <a:r>
+              <a:rPr lang="en-US"/>
+              <a:t> </a:t>
+            </a:r>
+            <a:r>
+              <a:rPr lang="en-US" err="1"/>
+              <a:t>eerst</a:t>
+            </a:r>
+            <a:r>
+              <a:rPr lang="en-US"/>
+              <a:t>! </a:t>
+            </a:r>
+          </a:p>
+          <a:p>
+            <a:pPr marL="800100" lvl="1" indent="-342900">
+              <a:lnSpc>
+                <a:spcPct val="100000"/>
+              </a:lnSpc>
+              <a:spcBef>
+                <a:spcPts val="0"/>
+              </a:spcBef>
+              <a:spcAft>
+                <a:spcPts val="600"/>
+              </a:spcAft>
+            </a:pPr>
+            <a:r>
+              <a:rPr lang="en-US"/>
+              <a:t>(compiled? Errors? </a:t>
+            </a:r>
+            <a:r>
+              <a:rPr lang="en-US" err="1"/>
+              <a:t>Getest</a:t>
+            </a:r>
+            <a:r>
+              <a:rPr lang="en-US"/>
+              <a:t>?)</a:t>
+            </a:r>
+          </a:p>
+          <a:p>
+            <a:pPr marL="342900" indent="-342900">
+              <a:lnSpc>
+                <a:spcPct val="100000"/>
+              </a:lnSpc>
+              <a:spcAft>
+                <a:spcPts val="1600"/>
+              </a:spcAft>
+              <a:buFont typeface="+mj-lt"/>
+              <a:buAutoNum type="arabicPeriod"/>
+            </a:pPr>
+            <a:r>
+              <a:rPr lang="en-US"/>
+              <a:t>Stage je </a:t>
+            </a:r>
+            <a:r>
+              <a:rPr lang="en-US" err="1"/>
+              <a:t>werk</a:t>
+            </a:r>
+            <a:endParaRPr lang="en-US"/>
+          </a:p>
+          <a:p>
+            <a:pPr marL="342900" indent="-342900">
+              <a:lnSpc>
+                <a:spcPct val="100000"/>
+              </a:lnSpc>
+              <a:spcAft>
+                <a:spcPts val="1600"/>
+              </a:spcAft>
+              <a:buFont typeface="+mj-lt"/>
+              <a:buAutoNum type="arabicPeriod"/>
+            </a:pPr>
+            <a:r>
+              <a:rPr lang="en-US"/>
+              <a:t>Check je stage (git status)</a:t>
+            </a:r>
+          </a:p>
+          <a:p>
+            <a:pPr marL="342900" indent="-342900">
+              <a:lnSpc>
+                <a:spcPct val="100000"/>
+              </a:lnSpc>
+              <a:spcAft>
+                <a:spcPts val="1600"/>
+              </a:spcAft>
+              <a:buFont typeface="+mj-lt"/>
+              <a:buAutoNum type="arabicPeriod"/>
+            </a:pPr>
+            <a:r>
+              <a:rPr lang="en-US"/>
+              <a:t>Maak </a:t>
+            </a:r>
+            <a:r>
+              <a:rPr lang="en-US" err="1"/>
+              <a:t>een</a:t>
+            </a:r>
+            <a:r>
+              <a:rPr lang="en-US"/>
+              <a:t> commit</a:t>
+            </a:r>
+          </a:p>
+          <a:p>
+            <a:pPr marL="342900" indent="-342900">
+              <a:lnSpc>
+                <a:spcPct val="100000"/>
+              </a:lnSpc>
+              <a:spcAft>
+                <a:spcPts val="1600"/>
+              </a:spcAft>
+              <a:buFont typeface="+mj-lt"/>
+              <a:buAutoNum type="arabicPeriod"/>
+            </a:pPr>
+            <a:r>
+              <a:rPr lang="en-US"/>
+              <a:t>Pull </a:t>
+            </a:r>
+            <a:r>
+              <a:rPr lang="en-US" err="1"/>
+              <a:t>nogmaals</a:t>
+            </a:r>
+            <a:endParaRPr lang="en-US"/>
+          </a:p>
+          <a:p>
+            <a:pPr marL="800100" lvl="1" indent="-342900">
+              <a:lnSpc>
+                <a:spcPct val="100000"/>
+              </a:lnSpc>
+              <a:spcBef>
+                <a:spcPts val="0"/>
+              </a:spcBef>
+              <a:spcAft>
+                <a:spcPts val="1600"/>
+              </a:spcAft>
+            </a:pPr>
+            <a:r>
+              <a:rPr lang="en-US"/>
+              <a:t> </a:t>
+            </a:r>
+            <a:r>
+              <a:rPr lang="en-US" err="1"/>
+              <a:t>iemand</a:t>
+            </a:r>
+            <a:r>
+              <a:rPr lang="en-US"/>
+              <a:t> </a:t>
+            </a:r>
+            <a:r>
+              <a:rPr lang="en-US" err="1"/>
+              <a:t>kan</a:t>
+            </a:r>
+            <a:r>
+              <a:rPr lang="en-US"/>
+              <a:t> </a:t>
+            </a:r>
+            <a:r>
+              <a:rPr lang="en-US" err="1"/>
+              <a:t>nieuw</a:t>
+            </a:r>
+            <a:r>
+              <a:rPr lang="en-US"/>
+              <a:t> </a:t>
+            </a:r>
+            <a:r>
+              <a:rPr lang="en-US" err="1"/>
+              <a:t>werk</a:t>
+            </a:r>
+            <a:r>
+              <a:rPr lang="en-US"/>
+              <a:t> </a:t>
+            </a:r>
+            <a:r>
+              <a:rPr lang="en-US" err="1"/>
+              <a:t>hebben</a:t>
+            </a:r>
+            <a:r>
+              <a:rPr lang="en-US"/>
+              <a:t> </a:t>
+            </a:r>
+            <a:r>
+              <a:rPr lang="en-US" err="1"/>
+              <a:t>gepushed</a:t>
+            </a:r>
+            <a:endParaRPr lang="en-US"/>
+          </a:p>
+          <a:p>
+            <a:pPr marL="342900" indent="-342900">
+              <a:lnSpc>
+                <a:spcPct val="100000"/>
+              </a:lnSpc>
+              <a:spcAft>
+                <a:spcPts val="1600"/>
+              </a:spcAft>
+              <a:buFont typeface="+mj-lt"/>
+              <a:buAutoNum type="arabicPeriod"/>
+            </a:pPr>
+            <a:r>
+              <a:rPr lang="en-US"/>
+              <a:t>Conflicts? </a:t>
+            </a:r>
+            <a:r>
+              <a:rPr lang="en-US" err="1"/>
+              <a:t>Oplossen</a:t>
+            </a:r>
+            <a:r>
+              <a:rPr lang="en-US"/>
+              <a:t>!</a:t>
+            </a:r>
+          </a:p>
+          <a:p>
+            <a:pPr marL="342900" indent="-342900">
+              <a:lnSpc>
+                <a:spcPct val="100000"/>
+              </a:lnSpc>
+              <a:spcAft>
+                <a:spcPts val="1600"/>
+              </a:spcAft>
+              <a:buFont typeface="+mj-lt"/>
+              <a:buAutoNum type="arabicPeriod"/>
+            </a:pPr>
+            <a:r>
+              <a:rPr lang="en-US"/>
+              <a:t>Push</a:t>
+            </a:r>
+          </a:p>
+        </p:txBody>
+      </p:sp>
+      <p:sp>
+        <p:nvSpPr>
+          <p:cNvPr id="3" name="Rectangle: Diagonal Corners Snipped 2">
+            <a:extLst>
+              <a:ext uri="{FF2B5EF4-FFF2-40B4-BE49-F238E27FC236}">
+                <a16:creationId xmlns:a16="http://schemas.microsoft.com/office/drawing/2014/main" id="{D2760693-9F4D-E90E-DE33-9D4131C937A8}"/>
+              </a:ext>
+            </a:extLst>
+          </p:cNvPr>
+          <p:cNvSpPr/>
+          <p:nvPr/>
+        </p:nvSpPr>
+        <p:spPr>
+          <a:xfrm>
+            <a:off x="5758991" y="1017725"/>
+            <a:ext cx="1882695" cy="727363"/>
+          </a:xfrm>
+          <a:prstGeom prst="snip2DiagRect">
+            <a:avLst/>
+          </a:prstGeom>
+        </p:spPr>
+        <p:style>
+          <a:lnRef idx="2">
+            <a:schemeClr val="accent1">
+              <a:shade val="50000"/>
+            </a:schemeClr>
+          </a:lnRef>
+          <a:fillRef idx="1">
+            <a:schemeClr val="accent1"/>
+          </a:fillRef>
+          <a:effectRef idx="0">
+            <a:schemeClr val="accent1"/>
+          </a:effectRef>
+          <a:fontRef idx="minor">
+            <a:schemeClr val="lt1"/>
+          </a:fontRef>
+        </p:style>
+        <p:txBody>
+          <a:bodyPr rtlCol="0" anchor="ctr"/>
+          <a:lstStyle/>
+          <a:p>
+            <a:pPr algn="ctr"/>
+            <a:r>
+              <a:rPr lang="en-US"/>
+              <a:t>Even </a:t>
+            </a:r>
+            <a:r>
+              <a:rPr lang="en-US" err="1"/>
+              <a:t>een</a:t>
+            </a:r>
+            <a:r>
+              <a:rPr lang="en-US"/>
+              <a:t> pull</a:t>
+            </a:r>
+            <a:endParaRPr lang="nl-NL"/>
+          </a:p>
+        </p:txBody>
+      </p:sp>
+      <p:sp>
+        <p:nvSpPr>
+          <p:cNvPr id="13" name="Arrow: Right 12">
+            <a:extLst>
+              <a:ext uri="{FF2B5EF4-FFF2-40B4-BE49-F238E27FC236}">
+                <a16:creationId xmlns:a16="http://schemas.microsoft.com/office/drawing/2014/main" id="{CB521ED4-6C78-77A2-6526-72C7F7B614F1}"/>
+              </a:ext>
+            </a:extLst>
+          </p:cNvPr>
+          <p:cNvSpPr/>
+          <p:nvPr/>
+        </p:nvSpPr>
+        <p:spPr>
+          <a:xfrm rot="5400000">
+            <a:off x="6537546" y="1854655"/>
+            <a:ext cx="325582" cy="424295"/>
+          </a:xfrm>
+          <a:prstGeom prst="rightArrow">
+            <a:avLst/>
+          </a:prstGeom>
+        </p:spPr>
+        <p:style>
+          <a:lnRef idx="2">
+            <a:schemeClr val="accent1">
+              <a:shade val="50000"/>
+            </a:schemeClr>
+          </a:lnRef>
+          <a:fillRef idx="1">
+            <a:schemeClr val="accent1"/>
+          </a:fillRef>
+          <a:effectRef idx="0">
+            <a:schemeClr val="accent1"/>
+          </a:effectRef>
+          <a:fontRef idx="minor">
+            <a:schemeClr val="lt1"/>
+          </a:fontRef>
+        </p:style>
+        <p:txBody>
+          <a:bodyPr rtlCol="0" anchor="ctr"/>
+          <a:lstStyle/>
+          <a:p>
+            <a:pPr algn="ctr"/>
+            <a:endParaRPr lang="nl-NL"/>
+          </a:p>
+        </p:txBody>
+      </p:sp>
+      <p:sp>
+        <p:nvSpPr>
+          <p:cNvPr id="14" name="Rectangle: Diagonal Corners Snipped 13">
+            <a:extLst>
+              <a:ext uri="{FF2B5EF4-FFF2-40B4-BE49-F238E27FC236}">
+                <a16:creationId xmlns:a16="http://schemas.microsoft.com/office/drawing/2014/main" id="{DDEE1412-D9DA-432E-C1AB-CEAE927E1C01}"/>
+              </a:ext>
+            </a:extLst>
+          </p:cNvPr>
+          <p:cNvSpPr/>
+          <p:nvPr/>
+        </p:nvSpPr>
+        <p:spPr>
+          <a:xfrm>
+            <a:off x="5758991" y="2408690"/>
+            <a:ext cx="1882695" cy="727363"/>
+          </a:xfrm>
+          <a:prstGeom prst="snip2DiagRect">
+            <a:avLst/>
+          </a:prstGeom>
+        </p:spPr>
+        <p:style>
+          <a:lnRef idx="2">
+            <a:schemeClr val="accent1">
+              <a:shade val="50000"/>
+            </a:schemeClr>
+          </a:lnRef>
+          <a:fillRef idx="1">
+            <a:schemeClr val="accent1"/>
+          </a:fillRef>
+          <a:effectRef idx="0">
+            <a:schemeClr val="accent1"/>
+          </a:effectRef>
+          <a:fontRef idx="minor">
+            <a:schemeClr val="lt1"/>
+          </a:fontRef>
+        </p:style>
+        <p:txBody>
+          <a:bodyPr rtlCol="0" anchor="ctr"/>
+          <a:lstStyle/>
+          <a:p>
+            <a:pPr algn="ctr"/>
+            <a:r>
+              <a:rPr lang="en-US" err="1"/>
+              <a:t>Verder</a:t>
+            </a:r>
+            <a:r>
+              <a:rPr lang="en-US"/>
+              <a:t> </a:t>
+            </a:r>
+            <a:r>
+              <a:rPr lang="en-US" err="1"/>
+              <a:t>werken</a:t>
+            </a:r>
+            <a:endParaRPr lang="nl-NL"/>
+          </a:p>
+        </p:txBody>
+      </p:sp>
+      <p:sp>
+        <p:nvSpPr>
+          <p:cNvPr id="2" name="Rectangle: Diagonal Corners Snipped 1">
+            <a:extLst>
+              <a:ext uri="{FF2B5EF4-FFF2-40B4-BE49-F238E27FC236}">
+                <a16:creationId xmlns:a16="http://schemas.microsoft.com/office/drawing/2014/main" id="{ABCD6CA9-B2FF-B1D7-B183-1DEDD0A5B32C}"/>
+              </a:ext>
+            </a:extLst>
+          </p:cNvPr>
+          <p:cNvSpPr/>
+          <p:nvPr/>
+        </p:nvSpPr>
+        <p:spPr>
+          <a:xfrm>
+            <a:off x="6881894" y="4191604"/>
+            <a:ext cx="2031280" cy="754541"/>
+          </a:xfrm>
+          <a:prstGeom prst="snip2DiagRect">
+            <a:avLst/>
+          </a:prstGeom>
+        </p:spPr>
+        <p:style>
+          <a:lnRef idx="2">
+            <a:schemeClr val="accent1">
+              <a:shade val="50000"/>
+            </a:schemeClr>
+          </a:lnRef>
+          <a:fillRef idx="1">
+            <a:schemeClr val="accent1"/>
+          </a:fillRef>
+          <a:effectRef idx="0">
+            <a:schemeClr val="accent1"/>
+          </a:effectRef>
+          <a:fontRef idx="minor">
+            <a:schemeClr val="lt1"/>
+          </a:fontRef>
+        </p:style>
+        <p:txBody>
+          <a:bodyPr rtlCol="0" anchor="ctr"/>
+          <a:lstStyle/>
+          <a:p>
+            <a:pPr algn="ctr"/>
+            <a:r>
+              <a:rPr lang="en-US"/>
+              <a:t>Conflicts </a:t>
+            </a:r>
+            <a:r>
+              <a:rPr lang="en-US" err="1"/>
+              <a:t>komen</a:t>
+            </a:r>
+            <a:r>
+              <a:rPr lang="en-US"/>
+              <a:t> in </a:t>
+            </a:r>
+            <a:r>
+              <a:rPr lang="en-US" err="1"/>
+              <a:t>een</a:t>
+            </a:r>
+            <a:r>
+              <a:rPr lang="en-US"/>
+              <a:t> </a:t>
+            </a:r>
+            <a:r>
+              <a:rPr lang="en-US" err="1"/>
+              <a:t>ander</a:t>
+            </a:r>
+            <a:r>
+              <a:rPr lang="en-US"/>
+              <a:t> les</a:t>
+            </a:r>
+            <a:endParaRPr lang="nl-NL"/>
+          </a:p>
+        </p:txBody>
+      </p:sp>
+    </p:spTree>
+    <p:extLst>
+      <p:ext uri="{BB962C8B-B14F-4D97-AF65-F5344CB8AC3E}">
+        <p14:creationId xmlns:p14="http://schemas.microsoft.com/office/powerpoint/2010/main" val="4274749784"/>
+      </p:ext>
+    </p:extLst>
+  </p:cSld>
+  <p:clrMapOvr>
+    <a:masterClrMapping/>
+  </p:clrMapOvr>
+</p:sld>
+</file>
+
+<file path=ppt/slides/slide13.xml><?xml version="1.0" encoding="utf-8"?>
+<p:sld xmlns:a="http://schemas.openxmlformats.org/drawingml/2006/main" xmlns:r="http://schemas.openxmlformats.org/officeDocument/2006/relationships" xmlns:p="http://schemas.openxmlformats.org/presentationml/2006/main">
+  <p:cSld>
+    <p:spTree>
+      <p:nvGrpSpPr>
+        <p:cNvPr id="1" name="Shape 122"/>
+        <p:cNvGrpSpPr/>
+        <p:nvPr/>
+      </p:nvGrpSpPr>
+      <p:grpSpPr>
+        <a:xfrm>
+          <a:off x="0" y="0"/>
+          <a:ext cx="0" cy="0"/>
+          <a:chOff x="0" y="0"/>
+          <a:chExt cx="0" cy="0"/>
+        </a:xfrm>
+      </p:grpSpPr>
+      <p:sp>
+        <p:nvSpPr>
+          <p:cNvPr id="123" name="Google Shape;123;p23"/>
+          <p:cNvSpPr txBox="1">
+            <a:spLocks noGrp="1"/>
+          </p:cNvSpPr>
+          <p:nvPr>
+            <p:ph type="title"/>
+          </p:nvPr>
+        </p:nvSpPr>
+        <p:spPr>
+          <a:prstGeom prst="rect">
+            <a:avLst/>
+          </a:prstGeom>
+        </p:spPr>
+        <p:txBody>
+          <a:bodyPr spcFirstLastPara="1" wrap="square" lIns="91425" tIns="91425" rIns="91425" bIns="91425" anchor="t" anchorCtr="0">
+            <a:noAutofit/>
+          </a:bodyPr>
+          <a:lstStyle/>
+          <a:p>
+            <a:r>
+              <a:rPr lang="nl"/>
+              <a:t>Nieuwe feature/bug prep</a:t>
+            </a:r>
+            <a:endParaRPr lang="en-US"/>
+          </a:p>
+        </p:txBody>
+      </p:sp>
+      <p:sp>
+        <p:nvSpPr>
+          <p:cNvPr id="124" name="Google Shape;124;p23"/>
+          <p:cNvSpPr txBox="1">
+            <a:spLocks noGrp="1"/>
+          </p:cNvSpPr>
+          <p:nvPr>
+            <p:ph type="body" idx="1"/>
+          </p:nvPr>
+        </p:nvSpPr>
+        <p:spPr>
+          <a:xfrm>
+            <a:off x="311699" y="1152475"/>
+            <a:ext cx="4451131" cy="3416400"/>
+          </a:xfrm>
           <a:prstGeom prst="rect">
             <a:avLst/>
           </a:prstGeom>
@@ -11860,7 +13890,7 @@
 </p:sld>
 </file>
 
-<file path=ppt/slides/slide11.xml><?xml version="1.0" encoding="utf-8"?>
+<file path=ppt/slides/slide14.xml><?xml version="1.0" encoding="utf-8"?>
 <p:sld xmlns:a="http://schemas.openxmlformats.org/drawingml/2006/main" xmlns:r="http://schemas.openxmlformats.org/officeDocument/2006/relationships" xmlns:p="http://schemas.openxmlformats.org/presentationml/2006/main">
   <p:cSld>
     <p:spTree>
@@ -13234,7 +15264,7 @@
 </p:sld>
 </file>
 
-<file path=ppt/slides/slide12.xml><?xml version="1.0" encoding="utf-8"?>
+<file path=ppt/slides/slide15.xml><?xml version="1.0" encoding="utf-8"?>
 <p:sld xmlns:a="http://schemas.openxmlformats.org/drawingml/2006/main" xmlns:r="http://schemas.openxmlformats.org/officeDocument/2006/relationships" xmlns:p="http://schemas.openxmlformats.org/presentationml/2006/main">
   <p:cSld>
     <p:spTree>
@@ -13344,7 +15374,106 @@
 </p:sld>
 </file>
 
-<file path=ppt/slides/slide13.xml><?xml version="1.0" encoding="utf-8"?>
+<file path=ppt/slides/slide16.xml><?xml version="1.0" encoding="utf-8"?>
+<p:sld xmlns:a="http://schemas.openxmlformats.org/drawingml/2006/main" xmlns:r="http://schemas.openxmlformats.org/officeDocument/2006/relationships" xmlns:p="http://schemas.openxmlformats.org/presentationml/2006/main">
+  <p:cSld>
+    <p:spTree>
+      <p:nvGrpSpPr>
+        <p:cNvPr id="1" name="">
+          <a:extLst>
+            <a:ext uri="{FF2B5EF4-FFF2-40B4-BE49-F238E27FC236}">
+              <a16:creationId xmlns:a16="http://schemas.microsoft.com/office/drawing/2014/main" id="{50676C69-2D34-B791-3F22-DB9F6843CB57}"/>
+            </a:ext>
+          </a:extLst>
+        </p:cNvPr>
+        <p:cNvGrpSpPr/>
+        <p:nvPr/>
+      </p:nvGrpSpPr>
+      <p:grpSpPr>
+        <a:xfrm>
+          <a:off x="0" y="0"/>
+          <a:ext cx="0" cy="0"/>
+          <a:chOff x="0" y="0"/>
+          <a:chExt cx="0" cy="0"/>
+        </a:xfrm>
+      </p:grpSpPr>
+      <p:sp>
+        <p:nvSpPr>
+          <p:cNvPr id="2" name="Titel 1">
+            <a:extLst>
+              <a:ext uri="{FF2B5EF4-FFF2-40B4-BE49-F238E27FC236}">
+                <a16:creationId xmlns:a16="http://schemas.microsoft.com/office/drawing/2014/main" id="{CBEEBC73-B412-F9D7-D250-64E32276EE12}"/>
+              </a:ext>
+            </a:extLst>
+          </p:cNvPr>
+          <p:cNvSpPr>
+            <a:spLocks noGrp="1"/>
+          </p:cNvSpPr>
+          <p:nvPr>
+            <p:ph type="title"/>
+          </p:nvPr>
+        </p:nvSpPr>
+        <p:spPr/>
+        <p:txBody>
+          <a:bodyPr/>
+          <a:lstStyle/>
+          <a:p>
+            <a:r>
+              <a:rPr lang="en-US" dirty="0" err="1"/>
+              <a:t>Overzicht</a:t>
+            </a:r>
+            <a:r>
+              <a:rPr lang="en-US" dirty="0"/>
+              <a:t> workflow</a:t>
+            </a:r>
+            <a:endParaRPr lang="nl-NL" dirty="0"/>
+          </a:p>
+        </p:txBody>
+      </p:sp>
+      <p:pic>
+        <p:nvPicPr>
+          <p:cNvPr id="5" name="Picture 4">
+            <a:extLst>
+              <a:ext uri="{FF2B5EF4-FFF2-40B4-BE49-F238E27FC236}">
+                <a16:creationId xmlns:a16="http://schemas.microsoft.com/office/drawing/2014/main" id="{01FD471E-A3B9-1819-7C06-A7AEB6B40517}"/>
+              </a:ext>
+            </a:extLst>
+          </p:cNvPr>
+          <p:cNvPicPr>
+            <a:picLocks noChangeAspect="1"/>
+          </p:cNvPicPr>
+          <p:nvPr/>
+        </p:nvPicPr>
+        <p:blipFill>
+          <a:blip r:embed="rId2"/>
+          <a:stretch>
+            <a:fillRect/>
+          </a:stretch>
+        </p:blipFill>
+        <p:spPr>
+          <a:xfrm>
+            <a:off x="685800" y="1080906"/>
+            <a:ext cx="7772400" cy="3967647"/>
+          </a:xfrm>
+          <a:prstGeom prst="rect">
+            <a:avLst/>
+          </a:prstGeom>
+        </p:spPr>
+      </p:pic>
+    </p:spTree>
+    <p:extLst>
+      <p:ext uri="{BB962C8B-B14F-4D97-AF65-F5344CB8AC3E}">
+        <p14:creationId xmlns:p14="http://schemas.microsoft.com/office/powerpoint/2010/main" val="1387321871"/>
+      </p:ext>
+    </p:extLst>
+  </p:cSld>
+  <p:clrMapOvr>
+    <a:masterClrMapping/>
+  </p:clrMapOvr>
+</p:sld>
+</file>
+
+<file path=ppt/slides/slide17.xml><?xml version="1.0" encoding="utf-8"?>
 <p:sld xmlns:a="http://schemas.openxmlformats.org/drawingml/2006/main" xmlns:r="http://schemas.openxmlformats.org/officeDocument/2006/relationships" xmlns:p="http://schemas.openxmlformats.org/presentationml/2006/main">
   <p:cSld>
     <p:spTree>
@@ -13403,7 +15532,7 @@
 </p:sld>
 </file>
 
-<file path=ppt/slides/slide14.xml><?xml version="1.0" encoding="utf-8"?>
+<file path=ppt/slides/slide18.xml><?xml version="1.0" encoding="utf-8"?>
 <p:sld xmlns:a="http://schemas.openxmlformats.org/drawingml/2006/main" xmlns:r="http://schemas.openxmlformats.org/officeDocument/2006/relationships" xmlns:p="http://schemas.openxmlformats.org/presentationml/2006/main">
   <p:cSld>
     <p:spTree>
@@ -13465,7 +15594,12 @@
             <p:ph type="body" idx="1"/>
           </p:nvPr>
         </p:nvSpPr>
-        <p:spPr/>
+        <p:spPr>
+          <a:xfrm>
+            <a:off x="311699" y="1152475"/>
+            <a:ext cx="4109225" cy="3416400"/>
+          </a:xfrm>
+        </p:spPr>
         <p:txBody>
           <a:bodyPr/>
           <a:lstStyle/>
@@ -13768,10 +15902,10 @@
               <a:buNone/>
             </a:pPr>
             <a:r>
-              <a:rPr lang="en-US" dirty="0" err="1"/>
+              <a:rPr lang="en-US" b="1" dirty="0" err="1"/>
               <a:t>Teamlid</a:t>
             </a:r>
-            <a:endParaRPr lang="en-US" dirty="0"/>
+            <a:endParaRPr lang="en-US" b="1" dirty="0"/>
           </a:p>
           <a:p>
             <a:pPr marL="482600" indent="-342900">
@@ -14636,7 +16770,7 @@
         <p:spPr>
           <a:xfrm>
             <a:off x="311700" y="1152475"/>
-            <a:ext cx="3657987" cy="3925216"/>
+            <a:ext cx="4808940" cy="3925216"/>
           </a:xfrm>
           <a:prstGeom prst="rect">
             <a:avLst/>
@@ -14658,22 +16792,22 @@
               <a:buNone/>
             </a:pPr>
             <a:r>
-              <a:rPr lang="en-US"/>
+              <a:rPr lang="en-US" dirty="0"/>
               <a:t>Is hoe je </a:t>
             </a:r>
             <a:r>
-              <a:rPr lang="en-US" err="1"/>
+              <a:rPr lang="en-US" dirty="0" err="1"/>
               <a:t>dagelijks</a:t>
             </a:r>
             <a:r>
-              <a:rPr lang="en-US"/>
+              <a:rPr lang="en-US" dirty="0"/>
               <a:t> met git </a:t>
             </a:r>
             <a:r>
-              <a:rPr lang="en-US" err="1"/>
+              <a:rPr lang="en-US" dirty="0" err="1"/>
               <a:t>omgaat</a:t>
             </a:r>
-            <a:endParaRPr lang="en-US"/>
+            <a:endParaRPr lang="en-US" dirty="0"/>
           </a:p>
           <a:p>
             <a:pPr marL="285750" indent="-285750">
@@ -14685,22 +16819,22 @@
               </a:spcAft>
             </a:pPr>
             <a:r>
-              <a:rPr lang="en-US"/>
+              <a:rPr lang="en-US" dirty="0"/>
               <a:t>Changes van je </a:t>
             </a:r>
             <a:r>
-              <a:rPr lang="en-US" err="1"/>
+              <a:rPr lang="en-US" dirty="0" err="1"/>
               <a:t>teamgenoten</a:t>
             </a:r>
             <a:r>
-              <a:rPr lang="en-US"/>
+              <a:rPr lang="en-US" dirty="0"/>
               <a:t> </a:t>
             </a:r>
             <a:r>
-              <a:rPr lang="en-US" err="1"/>
+              <a:rPr lang="en-US" dirty="0" err="1"/>
               <a:t>binnenhalen</a:t>
             </a:r>
-            <a:endParaRPr lang="en-US"/>
+            <a:endParaRPr lang="en-US" dirty="0"/>
           </a:p>
           <a:p>
             <a:pPr marL="285750" indent="-285750">
@@ -14712,14 +16846,14 @@
               </a:spcAft>
             </a:pPr>
             <a:r>
-              <a:rPr lang="en-US"/>
+              <a:rPr lang="en-US" dirty="0"/>
               <a:t>Je eigen changes </a:t>
             </a:r>
             <a:r>
-              <a:rPr lang="en-US" err="1"/>
+              <a:rPr lang="en-US" dirty="0" err="1"/>
               <a:t>maken</a:t>
             </a:r>
-            <a:endParaRPr lang="en-US"/>
+            <a:endParaRPr lang="en-US" dirty="0"/>
           </a:p>
           <a:p>
             <a:pPr marL="285750" indent="-285750">
@@ -14731,45 +16865,71 @@
               </a:spcAft>
             </a:pPr>
             <a:r>
-              <a:rPr lang="en-US" err="1"/>
-              <a:t>Alles</a:t>
-            </a:r>
-            <a:r>
-              <a:rPr lang="en-US"/>
+              <a:rPr lang="en-US" dirty="0"/>
+              <a:t>Alles </a:t>
+            </a:r>
+            <a:r>
+              <a:rPr lang="en-US" dirty="0" err="1"/>
+              <a:t>netjes</a:t>
+            </a:r>
+            <a:r>
+              <a:rPr lang="en-US" dirty="0"/>
               <a:t> </a:t>
             </a:r>
             <a:r>
-              <a:rPr lang="en-US" err="1"/>
-              <a:t>netjes</a:t>
-            </a:r>
-            <a:r>
-              <a:rPr lang="en-US"/>
+              <a:rPr lang="en-US" dirty="0" err="1"/>
+              <a:t>bij</a:t>
+            </a:r>
+            <a:r>
+              <a:rPr lang="en-US" dirty="0"/>
               <a:t> </a:t>
             </a:r>
             <a:r>
-              <a:rPr lang="en-US" err="1"/>
-              <a:t>bij</a:t>
-            </a:r>
-            <a:r>
-              <a:rPr lang="en-US"/>
+              <a:rPr lang="en-US" dirty="0" err="1"/>
+              <a:t>elkaar</a:t>
+            </a:r>
+            <a:r>
+              <a:rPr lang="en-US" dirty="0"/>
               <a:t> </a:t>
             </a:r>
             <a:r>
-              <a:rPr lang="en-US" err="1"/>
-              <a:t>elkaar</a:t>
-            </a:r>
-            <a:r>
-              <a:rPr lang="en-US"/>
-              <a:t> </a:t>
-            </a:r>
-            <a:r>
-              <a:rPr lang="en-US" err="1"/>
+              <a:rPr lang="en-US" dirty="0" err="1"/>
               <a:t>zetten</a:t>
             </a:r>
-            <a:endParaRPr lang="en-US"/>
+            <a:endParaRPr lang="en-US" dirty="0"/>
           </a:p>
         </p:txBody>
       </p:sp>
+      <p:pic>
+        <p:nvPicPr>
+          <p:cNvPr id="4" name="Picture 3" descr="A group of people standing in a line&#10;&#10;Description automatically generated">
+            <a:extLst>
+              <a:ext uri="{FF2B5EF4-FFF2-40B4-BE49-F238E27FC236}">
+                <a16:creationId xmlns:a16="http://schemas.microsoft.com/office/drawing/2014/main" id="{2F865D71-0E78-1BD0-1904-4A3324F13E68}"/>
+              </a:ext>
+            </a:extLst>
+          </p:cNvPr>
+          <p:cNvPicPr>
+            <a:picLocks noChangeAspect="1"/>
+          </p:cNvPicPr>
+          <p:nvPr/>
+        </p:nvPicPr>
+        <p:blipFill>
+          <a:blip r:embed="rId3"/>
+          <a:stretch>
+            <a:fillRect/>
+          </a:stretch>
+        </p:blipFill>
+        <p:spPr>
+          <a:xfrm>
+            <a:off x="4706525" y="572700"/>
+            <a:ext cx="4125775" cy="4125775"/>
+          </a:xfrm>
+          <a:prstGeom prst="rect">
+            <a:avLst/>
+          </a:prstGeom>
+        </p:spPr>
+      </p:pic>
     </p:spTree>
     <p:extLst>
       <p:ext uri="{BB962C8B-B14F-4D97-AF65-F5344CB8AC3E}">
@@ -14802,10 +16962,551 @@
       </p:grpSpPr>
       <p:sp>
         <p:nvSpPr>
+          <p:cNvPr id="123" name="Google Shape;123;p23"/>
+          <p:cNvSpPr txBox="1">
+            <a:spLocks noGrp="1"/>
+          </p:cNvSpPr>
+          <p:nvPr>
+            <p:ph type="title"/>
+          </p:nvPr>
+        </p:nvSpPr>
+        <p:spPr>
+          <a:prstGeom prst="rect">
+            <a:avLst/>
+          </a:prstGeom>
+        </p:spPr>
+        <p:txBody>
+          <a:bodyPr spcFirstLastPara="1" wrap="square" lIns="91425" tIns="91425" rIns="91425" bIns="91425" anchor="t" anchorCtr="0">
+            <a:noAutofit/>
+          </a:bodyPr>
+          <a:lstStyle/>
+          <a:p>
+            <a:r>
+              <a:rPr lang="nl" dirty="0"/>
+              <a:t>Fetch</a:t>
+            </a:r>
+            <a:endParaRPr lang="en-US" dirty="0"/>
+          </a:p>
+        </p:txBody>
+      </p:sp>
+      <p:sp>
+        <p:nvSpPr>
+          <p:cNvPr id="124" name="Google Shape;124;p23"/>
+          <p:cNvSpPr txBox="1">
+            <a:spLocks noGrp="1"/>
+          </p:cNvSpPr>
+          <p:nvPr>
+            <p:ph type="body" idx="1"/>
+          </p:nvPr>
+        </p:nvSpPr>
+        <p:spPr>
+          <a:xfrm>
+            <a:off x="311700" y="1152475"/>
+            <a:ext cx="3849214" cy="3925216"/>
+          </a:xfrm>
+          <a:prstGeom prst="rect">
+            <a:avLst/>
+          </a:prstGeom>
+        </p:spPr>
+        <p:txBody>
+          <a:bodyPr spcFirstLastPara="1" wrap="square" lIns="91425" tIns="91425" rIns="91425" bIns="91425" anchor="t" anchorCtr="0">
+            <a:noAutofit/>
+          </a:bodyPr>
+          <a:lstStyle/>
+          <a:p>
+            <a:pPr marL="0" indent="0">
+              <a:lnSpc>
+                <a:spcPct val="100000"/>
+              </a:lnSpc>
+              <a:spcAft>
+                <a:spcPts val="1600"/>
+              </a:spcAft>
+              <a:buNone/>
+            </a:pPr>
+            <a:r>
+              <a:rPr lang="en-US" dirty="0"/>
+              <a:t>Met fetch:</a:t>
+            </a:r>
+          </a:p>
+          <a:p>
+            <a:pPr marL="285750" indent="-285750">
+              <a:lnSpc>
+                <a:spcPct val="100000"/>
+              </a:lnSpc>
+              <a:spcAft>
+                <a:spcPts val="1600"/>
+              </a:spcAft>
+            </a:pPr>
+            <a:r>
+              <a:rPr lang="en-US" dirty="0" err="1"/>
+              <a:t>haal</a:t>
+            </a:r>
+            <a:r>
+              <a:rPr lang="en-US" dirty="0"/>
+              <a:t> je de </a:t>
+            </a:r>
+            <a:r>
+              <a:rPr lang="en-US" dirty="0" err="1"/>
+              <a:t>laatste</a:t>
+            </a:r>
+            <a:r>
+              <a:rPr lang="en-US" dirty="0"/>
+              <a:t> </a:t>
+            </a:r>
+            <a:r>
+              <a:rPr lang="en-US" dirty="0" err="1"/>
+              <a:t>staat</a:t>
+            </a:r>
+            <a:r>
+              <a:rPr lang="en-US" dirty="0"/>
+              <a:t> van de remote op.</a:t>
+            </a:r>
+          </a:p>
+          <a:p>
+            <a:pPr marL="285750" indent="-285750">
+              <a:lnSpc>
+                <a:spcPct val="100000"/>
+              </a:lnSpc>
+              <a:spcAft>
+                <a:spcPts val="1600"/>
+              </a:spcAft>
+            </a:pPr>
+            <a:r>
+              <a:rPr lang="en-US" dirty="0"/>
+              <a:t>Je </a:t>
+            </a:r>
+            <a:r>
+              <a:rPr lang="en-US" dirty="0" err="1"/>
+              <a:t>haalt</a:t>
+            </a:r>
+            <a:r>
+              <a:rPr lang="en-US" dirty="0"/>
+              <a:t> op of er </a:t>
+            </a:r>
+            <a:r>
+              <a:rPr lang="en-US" dirty="0" err="1"/>
+              <a:t>nieuwe</a:t>
+            </a:r>
+            <a:r>
+              <a:rPr lang="en-US" dirty="0"/>
+              <a:t> branches </a:t>
+            </a:r>
+            <a:r>
+              <a:rPr lang="en-US" dirty="0" err="1"/>
+              <a:t>zijn</a:t>
+            </a:r>
+            <a:r>
+              <a:rPr lang="en-US" dirty="0"/>
+              <a:t>.</a:t>
+            </a:r>
+          </a:p>
+          <a:p>
+            <a:pPr marL="285750" indent="-285750">
+              <a:lnSpc>
+                <a:spcPct val="100000"/>
+              </a:lnSpc>
+              <a:spcAft>
+                <a:spcPts val="1600"/>
+              </a:spcAft>
+            </a:pPr>
+            <a:r>
+              <a:rPr lang="en-US" dirty="0"/>
+              <a:t>Je </a:t>
+            </a:r>
+            <a:r>
+              <a:rPr lang="en-US" dirty="0" err="1"/>
+              <a:t>haalt</a:t>
+            </a:r>
+            <a:r>
+              <a:rPr lang="en-US" dirty="0"/>
+              <a:t> op of er branches </a:t>
+            </a:r>
+            <a:r>
+              <a:rPr lang="en-US" dirty="0" err="1"/>
+              <a:t>verwijderd</a:t>
+            </a:r>
+            <a:r>
+              <a:rPr lang="en-US" dirty="0"/>
+              <a:t> </a:t>
+            </a:r>
+            <a:r>
+              <a:rPr lang="en-US" dirty="0" err="1"/>
+              <a:t>zijn</a:t>
+            </a:r>
+            <a:r>
+              <a:rPr lang="en-US" dirty="0"/>
+              <a:t>.</a:t>
+            </a:r>
+          </a:p>
+          <a:p>
+            <a:pPr marL="285750" indent="-285750">
+              <a:lnSpc>
+                <a:spcPct val="100000"/>
+              </a:lnSpc>
+              <a:spcAft>
+                <a:spcPts val="1600"/>
+              </a:spcAft>
+            </a:pPr>
+            <a:endParaRPr lang="en-US" dirty="0"/>
+          </a:p>
+          <a:p>
+            <a:pPr marL="0" indent="0">
+              <a:lnSpc>
+                <a:spcPct val="100000"/>
+              </a:lnSpc>
+              <a:buNone/>
+            </a:pPr>
+            <a:r>
+              <a:rPr lang="en-US" b="1" dirty="0"/>
+              <a:t>Commando:</a:t>
+            </a:r>
+          </a:p>
+          <a:p>
+            <a:pPr marL="0" indent="0">
+              <a:lnSpc>
+                <a:spcPct val="100000"/>
+              </a:lnSpc>
+              <a:spcAft>
+                <a:spcPts val="1600"/>
+              </a:spcAft>
+              <a:buNone/>
+            </a:pPr>
+            <a:r>
+              <a:rPr lang="en-US" dirty="0">
+                <a:latin typeface="Courier New" panose="02070309020205020404" pitchFamily="49" charset="0"/>
+                <a:cs typeface="Courier New" panose="02070309020205020404" pitchFamily="49" charset="0"/>
+              </a:rPr>
+              <a:t>git fetch</a:t>
+            </a:r>
+          </a:p>
+          <a:p>
+            <a:pPr marL="0" indent="0">
+              <a:lnSpc>
+                <a:spcPct val="100000"/>
+              </a:lnSpc>
+              <a:spcAft>
+                <a:spcPts val="1600"/>
+              </a:spcAft>
+              <a:buNone/>
+            </a:pPr>
+            <a:endParaRPr lang="en-US" dirty="0"/>
+          </a:p>
+        </p:txBody>
+      </p:sp>
+      <p:pic>
+        <p:nvPicPr>
+          <p:cNvPr id="5" name="Picture 4" descr="A dog running with a stick in its mouth&#10;&#10;Description automatically generated">
+            <a:extLst>
+              <a:ext uri="{FF2B5EF4-FFF2-40B4-BE49-F238E27FC236}">
+                <a16:creationId xmlns:a16="http://schemas.microsoft.com/office/drawing/2014/main" id="{A419C193-B801-7352-1512-13DE2F027C64}"/>
+              </a:ext>
+            </a:extLst>
+          </p:cNvPr>
+          <p:cNvPicPr>
+            <a:picLocks noChangeAspect="1"/>
+          </p:cNvPicPr>
+          <p:nvPr/>
+        </p:nvPicPr>
+        <p:blipFill>
+          <a:blip r:embed="rId3"/>
+          <a:stretch>
+            <a:fillRect/>
+          </a:stretch>
+        </p:blipFill>
+        <p:spPr>
+          <a:xfrm>
+            <a:off x="4779010" y="1309425"/>
+            <a:ext cx="3975100" cy="2222500"/>
+          </a:xfrm>
+          <a:prstGeom prst="rect">
+            <a:avLst/>
+          </a:prstGeom>
+        </p:spPr>
+      </p:pic>
+    </p:spTree>
+    <p:extLst>
+      <p:ext uri="{BB962C8B-B14F-4D97-AF65-F5344CB8AC3E}">
+        <p14:creationId xmlns:p14="http://schemas.microsoft.com/office/powerpoint/2010/main" val="1798489141"/>
+      </p:ext>
+    </p:extLst>
+  </p:cSld>
+  <p:clrMapOvr>
+    <a:masterClrMapping/>
+  </p:clrMapOvr>
+</p:sld>
+</file>
+
+<file path=ppt/slides/slide7.xml><?xml version="1.0" encoding="utf-8"?>
+<p:sld xmlns:a="http://schemas.openxmlformats.org/drawingml/2006/main" xmlns:r="http://schemas.openxmlformats.org/officeDocument/2006/relationships" xmlns:p="http://schemas.openxmlformats.org/presentationml/2006/main">
+  <p:cSld>
+    <p:spTree>
+      <p:nvGrpSpPr>
+        <p:cNvPr id="1" name="Shape 122">
+          <a:extLst>
+            <a:ext uri="{FF2B5EF4-FFF2-40B4-BE49-F238E27FC236}">
+              <a16:creationId xmlns:a16="http://schemas.microsoft.com/office/drawing/2014/main" id="{39183445-6641-58F7-11BD-C71EF89677D4}"/>
+            </a:ext>
+          </a:extLst>
+        </p:cNvPr>
+        <p:cNvGrpSpPr/>
+        <p:nvPr/>
+      </p:nvGrpSpPr>
+      <p:grpSpPr>
+        <a:xfrm>
+          <a:off x="0" y="0"/>
+          <a:ext cx="0" cy="0"/>
+          <a:chOff x="0" y="0"/>
+          <a:chExt cx="0" cy="0"/>
+        </a:xfrm>
+      </p:grpSpPr>
+      <p:sp>
+        <p:nvSpPr>
+          <p:cNvPr id="123" name="Google Shape;123;p23">
+            <a:extLst>
+              <a:ext uri="{FF2B5EF4-FFF2-40B4-BE49-F238E27FC236}">
+                <a16:creationId xmlns:a16="http://schemas.microsoft.com/office/drawing/2014/main" id="{6703C6F8-C652-B81B-F0E1-7EF42FE58912}"/>
+              </a:ext>
+            </a:extLst>
+          </p:cNvPr>
+          <p:cNvSpPr txBox="1">
+            <a:spLocks noGrp="1"/>
+          </p:cNvSpPr>
+          <p:nvPr>
+            <p:ph type="title"/>
+          </p:nvPr>
+        </p:nvSpPr>
+        <p:spPr>
+          <a:prstGeom prst="rect">
+            <a:avLst/>
+          </a:prstGeom>
+        </p:spPr>
+        <p:txBody>
+          <a:bodyPr spcFirstLastPara="1" wrap="square" lIns="91425" tIns="91425" rIns="91425" bIns="91425" anchor="t" anchorCtr="0">
+            <a:noAutofit/>
+          </a:bodyPr>
+          <a:lstStyle/>
+          <a:p>
+            <a:r>
+              <a:rPr lang="nl"/>
+              <a:t>Pull</a:t>
+            </a:r>
+            <a:endParaRPr lang="en-US"/>
+          </a:p>
+        </p:txBody>
+      </p:sp>
+      <p:sp>
+        <p:nvSpPr>
+          <p:cNvPr id="124" name="Google Shape;124;p23">
+            <a:extLst>
+              <a:ext uri="{FF2B5EF4-FFF2-40B4-BE49-F238E27FC236}">
+                <a16:creationId xmlns:a16="http://schemas.microsoft.com/office/drawing/2014/main" id="{E860C660-B3EE-5CA1-75E9-0B2A553BA4B4}"/>
+              </a:ext>
+            </a:extLst>
+          </p:cNvPr>
+          <p:cNvSpPr txBox="1">
+            <a:spLocks noGrp="1"/>
+          </p:cNvSpPr>
+          <p:nvPr>
+            <p:ph type="body" idx="1"/>
+          </p:nvPr>
+        </p:nvSpPr>
+        <p:spPr>
+          <a:xfrm>
+            <a:off x="311700" y="1152475"/>
+            <a:ext cx="3657987" cy="3925216"/>
+          </a:xfrm>
+          <a:prstGeom prst="rect">
+            <a:avLst/>
+          </a:prstGeom>
+        </p:spPr>
+        <p:txBody>
+          <a:bodyPr spcFirstLastPara="1" wrap="square" lIns="91425" tIns="91425" rIns="91425" bIns="91425" anchor="t" anchorCtr="0">
+            <a:noAutofit/>
+          </a:bodyPr>
+          <a:lstStyle/>
+          <a:p>
+            <a:pPr marL="0" indent="0">
+              <a:lnSpc>
+                <a:spcPct val="100000"/>
+              </a:lnSpc>
+              <a:spcAft>
+                <a:spcPts val="1600"/>
+              </a:spcAft>
+              <a:buNone/>
+            </a:pPr>
+            <a:r>
+              <a:rPr lang="en-US" dirty="0"/>
+              <a:t>Met pull:</a:t>
+            </a:r>
+          </a:p>
+          <a:p>
+            <a:pPr marL="285750" indent="-285750">
+              <a:lnSpc>
+                <a:spcPct val="100000"/>
+              </a:lnSpc>
+              <a:spcAft>
+                <a:spcPts val="1600"/>
+              </a:spcAft>
+            </a:pPr>
+            <a:r>
+              <a:rPr lang="en-US" dirty="0" err="1"/>
+              <a:t>haal</a:t>
+            </a:r>
+            <a:r>
+              <a:rPr lang="en-US" dirty="0"/>
+              <a:t> je de </a:t>
+            </a:r>
+            <a:r>
+              <a:rPr lang="en-US" dirty="0" err="1"/>
+              <a:t>laatste</a:t>
+            </a:r>
+            <a:r>
+              <a:rPr lang="en-US" dirty="0"/>
+              <a:t> </a:t>
+            </a:r>
+            <a:r>
+              <a:rPr lang="en-US" dirty="0" err="1"/>
+              <a:t>staat</a:t>
+            </a:r>
+            <a:r>
+              <a:rPr lang="en-US" dirty="0"/>
+              <a:t> van de remote op</a:t>
+            </a:r>
+          </a:p>
+          <a:p>
+            <a:pPr marL="285750" indent="-285750">
+              <a:lnSpc>
+                <a:spcPct val="100000"/>
+              </a:lnSpc>
+              <a:spcAft>
+                <a:spcPts val="1600"/>
+              </a:spcAft>
+            </a:pPr>
+            <a:r>
+              <a:rPr lang="en-US" dirty="0" err="1"/>
+              <a:t>sla</a:t>
+            </a:r>
+            <a:r>
+              <a:rPr lang="en-US" dirty="0"/>
+              <a:t> je die status in je repo op</a:t>
+            </a:r>
+          </a:p>
+          <a:p>
+            <a:pPr marL="0" indent="0">
+              <a:lnSpc>
+                <a:spcPct val="100000"/>
+              </a:lnSpc>
+              <a:spcAft>
+                <a:spcPts val="1600"/>
+              </a:spcAft>
+              <a:buNone/>
+            </a:pPr>
+            <a:endParaRPr lang="en-US" dirty="0"/>
+          </a:p>
+          <a:p>
+            <a:pPr marL="0" indent="0">
+              <a:lnSpc>
+                <a:spcPct val="100000"/>
+              </a:lnSpc>
+              <a:buNone/>
+            </a:pPr>
+            <a:r>
+              <a:rPr lang="en-US" b="1" dirty="0"/>
+              <a:t>Commando:</a:t>
+            </a:r>
+          </a:p>
+          <a:p>
+            <a:pPr marL="0" indent="0">
+              <a:lnSpc>
+                <a:spcPct val="100000"/>
+              </a:lnSpc>
+              <a:spcAft>
+                <a:spcPts val="1600"/>
+              </a:spcAft>
+              <a:buNone/>
+            </a:pPr>
+            <a:r>
+              <a:rPr lang="en-US" dirty="0">
+                <a:latin typeface="Courier New" panose="02070309020205020404" pitchFamily="49" charset="0"/>
+                <a:cs typeface="Courier New" panose="02070309020205020404" pitchFamily="49" charset="0"/>
+              </a:rPr>
+              <a:t>git pull</a:t>
+            </a:r>
+          </a:p>
+        </p:txBody>
+      </p:sp>
+      <p:pic>
+        <p:nvPicPr>
+          <p:cNvPr id="5" name="Picture 4" descr="A group of people pulling a rope&#10;&#10;Description automatically generated">
+            <a:extLst>
+              <a:ext uri="{FF2B5EF4-FFF2-40B4-BE49-F238E27FC236}">
+                <a16:creationId xmlns:a16="http://schemas.microsoft.com/office/drawing/2014/main" id="{E8AF3AAF-F166-13DC-0946-D9805CEF8BA9}"/>
+              </a:ext>
+            </a:extLst>
+          </p:cNvPr>
+          <p:cNvPicPr>
+            <a:picLocks noChangeAspect="1"/>
+          </p:cNvPicPr>
+          <p:nvPr/>
+        </p:nvPicPr>
+        <p:blipFill>
+          <a:blip r:embed="rId3"/>
+          <a:stretch>
+            <a:fillRect/>
+          </a:stretch>
+        </p:blipFill>
+        <p:spPr>
+          <a:xfrm>
+            <a:off x="4786961" y="1540283"/>
+            <a:ext cx="3975100" cy="1574800"/>
+          </a:xfrm>
+          <a:prstGeom prst="rect">
+            <a:avLst/>
+          </a:prstGeom>
+        </p:spPr>
+      </p:pic>
+    </p:spTree>
+    <p:extLst>
+      <p:ext uri="{BB962C8B-B14F-4D97-AF65-F5344CB8AC3E}">
+        <p14:creationId xmlns:p14="http://schemas.microsoft.com/office/powerpoint/2010/main" val="3088791631"/>
+      </p:ext>
+    </p:extLst>
+  </p:cSld>
+  <p:clrMapOvr>
+    <a:masterClrMapping/>
+  </p:clrMapOvr>
+</p:sld>
+</file>
+
+<file path=ppt/slides/slide8.xml><?xml version="1.0" encoding="utf-8"?>
+<p:sld xmlns:a="http://schemas.openxmlformats.org/drawingml/2006/main" xmlns:r="http://schemas.openxmlformats.org/officeDocument/2006/relationships" xmlns:p="http://schemas.openxmlformats.org/presentationml/2006/main">
+  <p:cSld>
+    <p:spTree>
+      <p:nvGrpSpPr>
+        <p:cNvPr id="1" name="Shape 122">
+          <a:extLst>
+            <a:ext uri="{FF2B5EF4-FFF2-40B4-BE49-F238E27FC236}">
+              <a16:creationId xmlns:a16="http://schemas.microsoft.com/office/drawing/2014/main" id="{90073B60-02B0-429F-5921-537977876BE2}"/>
+            </a:ext>
+          </a:extLst>
+        </p:cNvPr>
+        <p:cNvGrpSpPr/>
+        <p:nvPr/>
+      </p:nvGrpSpPr>
+      <p:grpSpPr>
+        <a:xfrm>
+          <a:off x="0" y="0"/>
+          <a:ext cx="0" cy="0"/>
+          <a:chOff x="0" y="0"/>
+          <a:chExt cx="0" cy="0"/>
+        </a:xfrm>
+      </p:grpSpPr>
+      <p:sp>
+        <p:nvSpPr>
           <p:cNvPr id="4" name="Rectangle 3">
             <a:extLst>
               <a:ext uri="{FF2B5EF4-FFF2-40B4-BE49-F238E27FC236}">
-                <a16:creationId xmlns:a16="http://schemas.microsoft.com/office/drawing/2014/main" id="{8EEFC9D9-A8C7-F840-60F2-293594D3B356}"/>
+                <a16:creationId xmlns:a16="http://schemas.microsoft.com/office/drawing/2014/main" id="{F1DF6A11-AD45-06E7-F104-150B2082FD9E}"/>
               </a:ext>
             </a:extLst>
           </p:cNvPr>
@@ -14855,7 +17556,7 @@
           <p:cNvPr id="3" name="Rectangle 2">
             <a:extLst>
               <a:ext uri="{FF2B5EF4-FFF2-40B4-BE49-F238E27FC236}">
-                <a16:creationId xmlns:a16="http://schemas.microsoft.com/office/drawing/2014/main" id="{83AEA9CF-B04D-09E6-A4FA-33863F388B23}"/>
+                <a16:creationId xmlns:a16="http://schemas.microsoft.com/office/drawing/2014/main" id="{07C39902-7356-6699-C5E5-5B6EA4BE64FB}"/>
               </a:ext>
             </a:extLst>
           </p:cNvPr>
@@ -14902,7 +17603,13 @@
       </p:sp>
       <p:sp>
         <p:nvSpPr>
-          <p:cNvPr id="123" name="Google Shape;123;p23"/>
+          <p:cNvPr id="123" name="Google Shape;123;p23">
+            <a:extLst>
+              <a:ext uri="{FF2B5EF4-FFF2-40B4-BE49-F238E27FC236}">
+                <a16:creationId xmlns:a16="http://schemas.microsoft.com/office/drawing/2014/main" id="{B0381EEA-34F4-45B7-B75B-F33084512BE0}"/>
+              </a:ext>
+            </a:extLst>
+          </p:cNvPr>
           <p:cNvSpPr txBox="1">
             <a:spLocks noGrp="1"/>
           </p:cNvSpPr>
@@ -14922,16 +17629,22 @@
           <a:lstStyle/>
           <a:p>
             <a:r>
-              <a:rPr lang="nl"/>
-              <a:t>Pull</a:t>
-            </a:r>
-            <a:endParaRPr lang="en-US"/>
+              <a:rPr lang="nl" dirty="0"/>
+              <a:t>Update flow</a:t>
+            </a:r>
+            <a:endParaRPr lang="en-US" dirty="0"/>
           </a:p>
         </p:txBody>
       </p:sp>
       <p:sp>
         <p:nvSpPr>
-          <p:cNvPr id="124" name="Google Shape;124;p23"/>
+          <p:cNvPr id="124" name="Google Shape;124;p23">
+            <a:extLst>
+              <a:ext uri="{FF2B5EF4-FFF2-40B4-BE49-F238E27FC236}">
+                <a16:creationId xmlns:a16="http://schemas.microsoft.com/office/drawing/2014/main" id="{5B1B64DC-ADBD-A22D-477B-B61B60D9F1A0}"/>
+              </a:ext>
+            </a:extLst>
+          </p:cNvPr>
           <p:cNvSpPr txBox="1">
             <a:spLocks noGrp="1"/>
           </p:cNvSpPr>
@@ -14942,7 +17655,7 @@
         <p:spPr>
           <a:xfrm>
             <a:off x="311700" y="1152475"/>
-            <a:ext cx="3657987" cy="3925216"/>
+            <a:ext cx="3811791" cy="3925216"/>
           </a:xfrm>
           <a:prstGeom prst="rect">
             <a:avLst/>
@@ -14954,118 +17667,287 @@
           </a:bodyPr>
           <a:lstStyle/>
           <a:p>
-            <a:pPr marL="0" indent="0">
+            <a:pPr marL="342900" indent="-342900">
               <a:lnSpc>
                 <a:spcPct val="100000"/>
               </a:lnSpc>
               <a:spcAft>
                 <a:spcPts val="1600"/>
               </a:spcAft>
-              <a:buNone/>
+              <a:buFont typeface="+mj-lt"/>
+              <a:buAutoNum type="arabicPeriod"/>
             </a:pPr>
             <a:r>
-              <a:rPr lang="en-US"/>
-              <a:t>Met pull:</a:t>
-            </a:r>
+              <a:rPr lang="en-US" dirty="0"/>
+              <a:t>Switch </a:t>
+            </a:r>
+            <a:r>
+              <a:rPr lang="en-US" dirty="0" err="1"/>
+              <a:t>naar</a:t>
+            </a:r>
+            <a:r>
+              <a:rPr lang="en-US" dirty="0"/>
+              <a:t> de </a:t>
+            </a:r>
+            <a:r>
+              <a:rPr lang="en-US" dirty="0" err="1"/>
+              <a:t>correcte</a:t>
+            </a:r>
+            <a:r>
+              <a:rPr lang="en-US" dirty="0"/>
+              <a:t> branch </a:t>
+            </a:r>
+            <a:br>
+              <a:rPr lang="en-US" i="1" dirty="0"/>
+            </a:br>
+            <a:r>
+              <a:rPr lang="en-US" dirty="0">
+                <a:latin typeface="Courier New" panose="02070309020205020404" pitchFamily="49" charset="0"/>
+                <a:cs typeface="Courier New" panose="02070309020205020404" pitchFamily="49" charset="0"/>
+              </a:rPr>
+              <a:t>(git checkout main)</a:t>
+            </a:r>
+            <a:endParaRPr lang="en-US" i="1" dirty="0"/>
           </a:p>
           <a:p>
-            <a:pPr marL="285750" indent="-285750">
+            <a:pPr marL="342900" indent="-342900">
               <a:lnSpc>
                 <a:spcPct val="100000"/>
               </a:lnSpc>
               <a:spcAft>
                 <a:spcPts val="1600"/>
               </a:spcAft>
+              <a:buFont typeface="+mj-lt"/>
+              <a:buAutoNum type="arabicPeriod"/>
             </a:pPr>
             <a:r>
-              <a:rPr lang="en-US" err="1"/>
-              <a:t>haal</a:t>
-            </a:r>
-            <a:r>
-              <a:rPr lang="en-US"/>
+              <a:rPr lang="en-US" dirty="0" err="1"/>
+              <a:t>Haal</a:t>
+            </a:r>
+            <a:r>
+              <a:rPr lang="en-US" dirty="0"/>
               <a:t> je de </a:t>
             </a:r>
             <a:r>
-              <a:rPr lang="en-US" err="1"/>
+              <a:rPr lang="en-US" dirty="0" err="1"/>
               <a:t>laatste</a:t>
             </a:r>
             <a:r>
-              <a:rPr lang="en-US"/>
+              <a:rPr lang="en-US" dirty="0"/>
               <a:t> </a:t>
             </a:r>
             <a:r>
-              <a:rPr lang="en-US" err="1"/>
+              <a:rPr lang="en-US" dirty="0" err="1"/>
               <a:t>staat</a:t>
             </a:r>
             <a:r>
-              <a:rPr lang="en-US"/>
-              <a:t> van de remote op (fetch), </a:t>
-            </a:r>
-            <a:r>
-              <a:rPr lang="en-US" err="1"/>
-              <a:t>en</a:t>
-            </a:r>
-            <a:r>
-              <a:rPr lang="en-US"/>
-              <a:t> </a:t>
-            </a:r>
-            <a:r>
-              <a:rPr lang="en-US" err="1"/>
-              <a:t>sla</a:t>
-            </a:r>
-            <a:r>
-              <a:rPr lang="en-US"/>
-              <a:t> je die in je repo op</a:t>
-            </a:r>
+              <a:rPr lang="en-US" dirty="0"/>
+              <a:t> van de remote op </a:t>
+            </a:r>
+            <a:br>
+              <a:rPr lang="en-US" dirty="0"/>
+            </a:br>
+            <a:r>
+              <a:rPr lang="en-US" dirty="0">
+                <a:latin typeface="Courier New" panose="02070309020205020404" pitchFamily="49" charset="0"/>
+                <a:cs typeface="Courier New" panose="02070309020205020404" pitchFamily="49" charset="0"/>
+              </a:rPr>
+              <a:t>(git pull)</a:t>
+            </a:r>
+            <a:endParaRPr lang="en-US" dirty="0"/>
           </a:p>
           <a:p>
-            <a:pPr marL="285750" indent="-285750">
+            <a:pPr marL="342900" indent="-342900">
               <a:lnSpc>
                 <a:spcPct val="100000"/>
               </a:lnSpc>
               <a:spcAft>
                 <a:spcPts val="1600"/>
               </a:spcAft>
+              <a:buFont typeface="+mj-lt"/>
+              <a:buAutoNum type="arabicPeriod"/>
             </a:pPr>
             <a:r>
-              <a:rPr lang="en-US" err="1"/>
-              <a:t>Daarna</a:t>
-            </a:r>
-            <a:r>
-              <a:rPr lang="en-US"/>
+              <a:rPr lang="en-US" dirty="0"/>
+              <a:t>Switch </a:t>
+            </a:r>
+            <a:r>
+              <a:rPr lang="en-US" dirty="0" err="1"/>
+              <a:t>naar</a:t>
+            </a:r>
+            <a:r>
+              <a:rPr lang="en-US" dirty="0"/>
               <a:t> </a:t>
             </a:r>
             <a:r>
-              <a:rPr lang="en-US" err="1"/>
-              <a:t>voeg</a:t>
-            </a:r>
-            <a:r>
-              <a:rPr lang="en-US"/>
-              <a:t> je </a:t>
-            </a:r>
-            <a:r>
-              <a:rPr lang="en-US" err="1"/>
-              <a:t>dat</a:t>
-            </a:r>
-            <a:r>
-              <a:rPr lang="en-US"/>
+              <a:rPr lang="en-US" dirty="0" err="1"/>
+              <a:t>jouw</a:t>
+            </a:r>
+            <a:r>
+              <a:rPr lang="en-US" dirty="0"/>
               <a:t> </a:t>
             </a:r>
             <a:r>
-              <a:rPr lang="en-US" err="1"/>
+              <a:rPr lang="en-US" dirty="0" err="1"/>
+              <a:t>werk</a:t>
+            </a:r>
+            <a:r>
+              <a:rPr lang="en-US" dirty="0"/>
+              <a:t> branch </a:t>
+            </a:r>
+            <a:br>
+              <a:rPr lang="en-US" i="1" dirty="0"/>
+            </a:br>
+            <a:r>
+              <a:rPr lang="en-US" dirty="0">
+                <a:latin typeface="Courier New" panose="02070309020205020404" pitchFamily="49" charset="0"/>
+                <a:cs typeface="Courier New" panose="02070309020205020404" pitchFamily="49" charset="0"/>
+              </a:rPr>
+              <a:t>(git checkout </a:t>
+            </a:r>
+            <a:r>
+              <a:rPr lang="en-US" dirty="0" err="1">
+                <a:latin typeface="Courier New" panose="02070309020205020404" pitchFamily="49" charset="0"/>
+                <a:cs typeface="Courier New" panose="02070309020205020404" pitchFamily="49" charset="0"/>
+              </a:rPr>
+              <a:t>feature_xxxx</a:t>
+            </a:r>
+            <a:r>
+              <a:rPr lang="en-US" dirty="0">
+                <a:latin typeface="Courier New" panose="02070309020205020404" pitchFamily="49" charset="0"/>
+                <a:cs typeface="Courier New" panose="02070309020205020404" pitchFamily="49" charset="0"/>
+              </a:rPr>
+              <a:t>)</a:t>
+            </a:r>
+            <a:endParaRPr lang="en-US" i="1" dirty="0"/>
+          </a:p>
+          <a:p>
+            <a:pPr marL="342900" indent="-342900">
+              <a:lnSpc>
+                <a:spcPct val="100000"/>
+              </a:lnSpc>
+              <a:spcAft>
+                <a:spcPts val="1600"/>
+              </a:spcAft>
+              <a:buFont typeface="+mj-lt"/>
+              <a:buAutoNum type="arabicPeriod"/>
+            </a:pPr>
+            <a:r>
+              <a:rPr lang="en-US" dirty="0" err="1"/>
+              <a:t>Voeg</a:t>
+            </a:r>
+            <a:r>
+              <a:rPr lang="en-US" dirty="0"/>
+              <a:t> je de </a:t>
+            </a:r>
+            <a:r>
+              <a:rPr lang="en-US" dirty="0" err="1"/>
+              <a:t>geupdate</a:t>
+            </a:r>
+            <a:r>
+              <a:rPr lang="en-US" dirty="0"/>
+              <a:t> branch </a:t>
+            </a:r>
+            <a:r>
+              <a:rPr lang="en-US" dirty="0" err="1"/>
               <a:t>samen</a:t>
             </a:r>
             <a:r>
-              <a:rPr lang="en-US"/>
+              <a:rPr lang="en-US" dirty="0"/>
               <a:t> met </a:t>
             </a:r>
             <a:r>
-              <a:rPr lang="en-US" err="1"/>
-              <a:t>jou</a:t>
-            </a:r>
-            <a:r>
-              <a:rPr lang="en-US"/>
-              <a:t> locale branch (merge)</a:t>
+              <a:rPr lang="en-US" dirty="0" err="1"/>
+              <a:t>jouw</a:t>
+            </a:r>
+            <a:r>
+              <a:rPr lang="en-US" dirty="0"/>
+              <a:t> locale branch</a:t>
+            </a:r>
+            <a:br>
+              <a:rPr lang="en-US" i="1" dirty="0"/>
+            </a:br>
+            <a:r>
+              <a:rPr lang="en-US" dirty="0">
+                <a:latin typeface="Courier New" panose="02070309020205020404" pitchFamily="49" charset="0"/>
+                <a:cs typeface="Courier New" panose="02070309020205020404" pitchFamily="49" charset="0"/>
+              </a:rPr>
+              <a:t>(git merge main)</a:t>
+            </a:r>
+            <a:endParaRPr lang="en-US" dirty="0"/>
+          </a:p>
+          <a:p>
+            <a:pPr marL="342900" indent="-342900">
+              <a:lnSpc>
+                <a:spcPct val="100000"/>
+              </a:lnSpc>
+              <a:spcAft>
+                <a:spcPts val="1600"/>
+              </a:spcAft>
+              <a:buFont typeface="+mj-lt"/>
+              <a:buAutoNum type="arabicPeriod"/>
+            </a:pPr>
+            <a:r>
+              <a:rPr lang="en-US" dirty="0" err="1"/>
+              <a:t>Verstuur</a:t>
+            </a:r>
+            <a:r>
+              <a:rPr lang="en-US" dirty="0"/>
+              <a:t> de </a:t>
+            </a:r>
+            <a:r>
+              <a:rPr lang="en-US" dirty="0" err="1"/>
+              <a:t>wijzigingen</a:t>
+            </a:r>
+            <a:r>
+              <a:rPr lang="en-US" dirty="0"/>
+              <a:t> </a:t>
+            </a:r>
+            <a:r>
+              <a:rPr lang="en-US" dirty="0" err="1"/>
+              <a:t>naar</a:t>
+            </a:r>
+            <a:r>
+              <a:rPr lang="en-US" dirty="0"/>
+              <a:t> </a:t>
+            </a:r>
+            <a:r>
+              <a:rPr lang="en-US" dirty="0" err="1"/>
+              <a:t>gitHub</a:t>
+            </a:r>
+            <a:br>
+              <a:rPr lang="en-US" i="1" dirty="0"/>
+            </a:br>
+            <a:r>
+              <a:rPr lang="en-US" dirty="0">
+                <a:latin typeface="Courier New" panose="02070309020205020404" pitchFamily="49" charset="0"/>
+                <a:cs typeface="Courier New" panose="02070309020205020404" pitchFamily="49" charset="0"/>
+              </a:rPr>
+              <a:t>git add .</a:t>
+            </a:r>
+            <a:r>
+              <a:rPr lang="en-US" i="1" dirty="0"/>
+              <a:t> </a:t>
+            </a:r>
+            <a:br>
+              <a:rPr lang="en-US" i="1" dirty="0"/>
+            </a:br>
+            <a:r>
+              <a:rPr lang="en-US" dirty="0">
+                <a:latin typeface="Courier New" panose="02070309020205020404" pitchFamily="49" charset="0"/>
+                <a:cs typeface="Courier New" panose="02070309020205020404" pitchFamily="49" charset="0"/>
+              </a:rPr>
+              <a:t>git commit</a:t>
+            </a:r>
+            <a:br>
+              <a:rPr lang="en-US" i="1" dirty="0"/>
+            </a:br>
+            <a:r>
+              <a:rPr lang="en-US" dirty="0">
+                <a:latin typeface="Courier New" panose="02070309020205020404" pitchFamily="49" charset="0"/>
+                <a:cs typeface="Courier New" panose="02070309020205020404" pitchFamily="49" charset="0"/>
+              </a:rPr>
+              <a:t>git push</a:t>
             </a:r>
           </a:p>
           <a:p>
@@ -15078,61 +17960,7 @@
               </a:spcAft>
               <a:buNone/>
             </a:pPr>
-            <a:endParaRPr lang="en-US"/>
-          </a:p>
-          <a:p>
-            <a:pPr marL="0" indent="0">
-              <a:lnSpc>
-                <a:spcPct val="100000"/>
-              </a:lnSpc>
-              <a:spcAft>
-                <a:spcPts val="1600"/>
-              </a:spcAft>
-              <a:buNone/>
-            </a:pPr>
-            <a:r>
-              <a:rPr lang="en-US"/>
-              <a:t>Pull is </a:t>
-            </a:r>
-            <a:r>
-              <a:rPr lang="en-US" err="1"/>
-              <a:t>dus</a:t>
-            </a:r>
-            <a:r>
-              <a:rPr lang="en-US"/>
-              <a:t>:</a:t>
-            </a:r>
-          </a:p>
-          <a:p>
-            <a:pPr marL="285750" indent="-285750">
-              <a:lnSpc>
-                <a:spcPct val="100000"/>
-              </a:lnSpc>
-              <a:spcAft>
-                <a:spcPts val="1600"/>
-              </a:spcAft>
-            </a:pPr>
-            <a:r>
-              <a:rPr lang="en-US"/>
-              <a:t> </a:t>
-            </a:r>
-            <a:r>
-              <a:rPr lang="en-US" err="1"/>
-              <a:t>Fetch+Merge</a:t>
-            </a:r>
-            <a:endParaRPr lang="en-US"/>
-          </a:p>
-          <a:p>
-            <a:pPr marL="0" indent="0">
-              <a:lnSpc>
-                <a:spcPct val="100000"/>
-              </a:lnSpc>
-              <a:spcAft>
-                <a:spcPts val="1600"/>
-              </a:spcAft>
-              <a:buNone/>
-            </a:pPr>
-            <a:endParaRPr lang="en-US"/>
+            <a:endParaRPr lang="en-US" dirty="0"/>
           </a:p>
         </p:txBody>
       </p:sp>
@@ -15141,7 +17969,7 @@
           <p:cNvPr id="6" name="Rectangle: Diagonal Corners Snipped 5">
             <a:extLst>
               <a:ext uri="{FF2B5EF4-FFF2-40B4-BE49-F238E27FC236}">
-                <a16:creationId xmlns:a16="http://schemas.microsoft.com/office/drawing/2014/main" id="{A8A51D66-78E5-D3E0-79D4-869FEADABB61}"/>
+                <a16:creationId xmlns:a16="http://schemas.microsoft.com/office/drawing/2014/main" id="{2C7EC32C-298F-80DF-0544-5272B8DCF1AD}"/>
               </a:ext>
             </a:extLst>
           </p:cNvPr>
@@ -15191,7 +18019,7 @@
           <p:cNvPr id="13" name="Rectangle: Diagonal Corners Snipped 12">
             <a:extLst>
               <a:ext uri="{FF2B5EF4-FFF2-40B4-BE49-F238E27FC236}">
-                <a16:creationId xmlns:a16="http://schemas.microsoft.com/office/drawing/2014/main" id="{8663F0FC-113E-DC32-7ED1-2D7F84CE467E}"/>
+                <a16:creationId xmlns:a16="http://schemas.microsoft.com/office/drawing/2014/main" id="{6816DCB5-673C-0577-3757-2E953FE92AE7}"/>
               </a:ext>
             </a:extLst>
           </p:cNvPr>
@@ -15241,7 +18069,7 @@
           <p:cNvPr id="15" name="Rectangle: Diagonal Corners Snipped 14">
             <a:extLst>
               <a:ext uri="{FF2B5EF4-FFF2-40B4-BE49-F238E27FC236}">
-                <a16:creationId xmlns:a16="http://schemas.microsoft.com/office/drawing/2014/main" id="{9D1B8CD2-E69F-F3E0-E74F-15018B0157CF}"/>
+                <a16:creationId xmlns:a16="http://schemas.microsoft.com/office/drawing/2014/main" id="{FF4B7B41-76BD-9CA6-5DC9-6CB230F9AAF6}"/>
               </a:ext>
             </a:extLst>
           </p:cNvPr>
@@ -15291,7 +18119,7 @@
           <p:cNvPr id="20" name="Rectangle: Diagonal Corners Snipped 19">
             <a:extLst>
               <a:ext uri="{FF2B5EF4-FFF2-40B4-BE49-F238E27FC236}">
-                <a16:creationId xmlns:a16="http://schemas.microsoft.com/office/drawing/2014/main" id="{77A277B7-6836-D9CE-ABE3-EADA66C08C63}"/>
+                <a16:creationId xmlns:a16="http://schemas.microsoft.com/office/drawing/2014/main" id="{8FFA3658-FE00-00E5-708A-FEF5B119269C}"/>
               </a:ext>
             </a:extLst>
           </p:cNvPr>
@@ -15341,7 +18169,7 @@
           <p:cNvPr id="23" name="Arrow: U-Turn 22">
             <a:extLst>
               <a:ext uri="{FF2B5EF4-FFF2-40B4-BE49-F238E27FC236}">
-                <a16:creationId xmlns:a16="http://schemas.microsoft.com/office/drawing/2014/main" id="{62EA0810-7C36-38D9-9214-8D8983C8F5DC}"/>
+                <a16:creationId xmlns:a16="http://schemas.microsoft.com/office/drawing/2014/main" id="{05CD83C0-E846-C545-5936-0779695D6A2C}"/>
               </a:ext>
             </a:extLst>
           </p:cNvPr>
@@ -15391,7 +18219,7 @@
           <p:cNvPr id="26" name="Rectangle: Diagonal Corners Snipped 25">
             <a:extLst>
               <a:ext uri="{FF2B5EF4-FFF2-40B4-BE49-F238E27FC236}">
-                <a16:creationId xmlns:a16="http://schemas.microsoft.com/office/drawing/2014/main" id="{009C603D-4ACB-4273-C37F-9C086C49795C}"/>
+                <a16:creationId xmlns:a16="http://schemas.microsoft.com/office/drawing/2014/main" id="{648D8D94-FF93-256F-B519-6698240153F3}"/>
               </a:ext>
             </a:extLst>
           </p:cNvPr>
@@ -15441,7 +18269,7 @@
           <p:cNvPr id="27" name="Rectangle: Diagonal Corners Snipped 26">
             <a:extLst>
               <a:ext uri="{FF2B5EF4-FFF2-40B4-BE49-F238E27FC236}">
-                <a16:creationId xmlns:a16="http://schemas.microsoft.com/office/drawing/2014/main" id="{2FAE92C7-B11C-BFCA-EB08-7E088D183703}"/>
+                <a16:creationId xmlns:a16="http://schemas.microsoft.com/office/drawing/2014/main" id="{329DDCE5-1EE7-8384-28B6-4036A84E1E3D}"/>
               </a:ext>
             </a:extLst>
           </p:cNvPr>
@@ -15489,7 +18317,7 @@
     </p:spTree>
     <p:extLst>
       <p:ext uri="{BB962C8B-B14F-4D97-AF65-F5344CB8AC3E}">
-        <p14:creationId xmlns:p14="http://schemas.microsoft.com/office/powerpoint/2010/main" val="1798489141"/>
+        <p14:creationId xmlns:p14="http://schemas.microsoft.com/office/powerpoint/2010/main" val="1917582313"/>
       </p:ext>
     </p:extLst>
   </p:cSld>
@@ -15499,12 +18327,18 @@
 </p:sld>
 </file>
 
-<file path=ppt/slides/slide7.xml><?xml version="1.0" encoding="utf-8"?>
+<file path=ppt/slides/slide9.xml><?xml version="1.0" encoding="utf-8"?>
 <p:sld xmlns:a="http://schemas.openxmlformats.org/drawingml/2006/main" xmlns:r="http://schemas.openxmlformats.org/officeDocument/2006/relationships" xmlns:p="http://schemas.openxmlformats.org/presentationml/2006/main">
   <p:cSld>
     <p:spTree>
       <p:nvGrpSpPr>
-        <p:cNvPr id="1" name="Shape 122"/>
+        <p:cNvPr id="1" name="Shape 122">
+          <a:extLst>
+            <a:ext uri="{FF2B5EF4-FFF2-40B4-BE49-F238E27FC236}">
+              <a16:creationId xmlns:a16="http://schemas.microsoft.com/office/drawing/2014/main" id="{0E86395D-22F1-6C1B-074B-2E0D8FE043EE}"/>
+            </a:ext>
+          </a:extLst>
+        </p:cNvPr>
         <p:cNvGrpSpPr/>
         <p:nvPr/>
       </p:nvGrpSpPr>
@@ -15518,7 +18352,113 @@
       </p:grpSpPr>
       <p:sp>
         <p:nvSpPr>
-          <p:cNvPr id="123" name="Google Shape;123;p23"/>
+          <p:cNvPr id="4" name="Rectangle 3">
+            <a:extLst>
+              <a:ext uri="{FF2B5EF4-FFF2-40B4-BE49-F238E27FC236}">
+                <a16:creationId xmlns:a16="http://schemas.microsoft.com/office/drawing/2014/main" id="{F17E890E-DC53-3BC6-D847-D7AD784D3AFC}"/>
+              </a:ext>
+            </a:extLst>
+          </p:cNvPr>
+          <p:cNvSpPr/>
+          <p:nvPr/>
+        </p:nvSpPr>
+        <p:spPr>
+          <a:xfrm>
+            <a:off x="7012898" y="786297"/>
+            <a:ext cx="2001238" cy="3455192"/>
+          </a:xfrm>
+          <a:prstGeom prst="rect">
+            <a:avLst/>
+          </a:prstGeom>
+        </p:spPr>
+        <p:style>
+          <a:lnRef idx="2">
+            <a:schemeClr val="accent1">
+              <a:shade val="50000"/>
+            </a:schemeClr>
+          </a:lnRef>
+          <a:fillRef idx="1">
+            <a:schemeClr val="accent1"/>
+          </a:fillRef>
+          <a:effectRef idx="0">
+            <a:schemeClr val="accent1"/>
+          </a:effectRef>
+          <a:fontRef idx="minor">
+            <a:schemeClr val="lt1"/>
+          </a:fontRef>
+        </p:style>
+        <p:txBody>
+          <a:bodyPr rtlCol="0" anchor="t"/>
+          <a:lstStyle/>
+          <a:p>
+            <a:pPr algn="ctr"/>
+            <a:r>
+              <a:rPr lang="en-US"/>
+              <a:t>Local</a:t>
+            </a:r>
+            <a:endParaRPr lang="nl-NL"/>
+          </a:p>
+        </p:txBody>
+      </p:sp>
+      <p:sp>
+        <p:nvSpPr>
+          <p:cNvPr id="3" name="Rectangle 2">
+            <a:extLst>
+              <a:ext uri="{FF2B5EF4-FFF2-40B4-BE49-F238E27FC236}">
+                <a16:creationId xmlns:a16="http://schemas.microsoft.com/office/drawing/2014/main" id="{0F411AAB-681A-55AB-FF14-312844E8A8CF}"/>
+              </a:ext>
+            </a:extLst>
+          </p:cNvPr>
+          <p:cNvSpPr/>
+          <p:nvPr/>
+        </p:nvSpPr>
+        <p:spPr>
+          <a:xfrm>
+            <a:off x="4160914" y="786297"/>
+            <a:ext cx="2001238" cy="3455192"/>
+          </a:xfrm>
+          <a:prstGeom prst="rect">
+            <a:avLst/>
+          </a:prstGeom>
+        </p:spPr>
+        <p:style>
+          <a:lnRef idx="2">
+            <a:schemeClr val="accent1">
+              <a:shade val="50000"/>
+            </a:schemeClr>
+          </a:lnRef>
+          <a:fillRef idx="1">
+            <a:schemeClr val="accent1"/>
+          </a:fillRef>
+          <a:effectRef idx="0">
+            <a:schemeClr val="accent1"/>
+          </a:effectRef>
+          <a:fontRef idx="minor">
+            <a:schemeClr val="lt1"/>
+          </a:fontRef>
+        </p:style>
+        <p:txBody>
+          <a:bodyPr rtlCol="0" anchor="t"/>
+          <a:lstStyle/>
+          <a:p>
+            <a:pPr algn="ctr"/>
+            <a:r>
+              <a:rPr lang="en-US"/>
+              <a:t>Remote</a:t>
+            </a:r>
+            <a:endParaRPr lang="nl-NL"/>
+          </a:p>
+        </p:txBody>
+      </p:sp>
+      <p:sp>
+        <p:nvSpPr>
+          <p:cNvPr id="123" name="Google Shape;123;p23">
+            <a:extLst>
+              <a:ext uri="{FF2B5EF4-FFF2-40B4-BE49-F238E27FC236}">
+                <a16:creationId xmlns:a16="http://schemas.microsoft.com/office/drawing/2014/main" id="{55A94824-F8C1-97AD-2D9C-6F23444166BC}"/>
+              </a:ext>
+            </a:extLst>
+          </p:cNvPr>
           <p:cNvSpPr txBox="1">
             <a:spLocks noGrp="1"/>
           </p:cNvSpPr>
@@ -15538,19 +18478,19 @@
           <a:lstStyle/>
           <a:p>
             <a:r>
-              <a:rPr lang="nl"/>
-              <a:t>2 Hoofd scenarios</a:t>
-            </a:r>
-            <a:endParaRPr lang="en-US"/>
+              <a:rPr lang="nl" dirty="0"/>
+              <a:t>Update flow is dus:</a:t>
+            </a:r>
+            <a:endParaRPr lang="en-US" dirty="0"/>
           </a:p>
         </p:txBody>
       </p:sp>
       <p:sp>
         <p:nvSpPr>
-          <p:cNvPr id="5" name="Google Shape;124;p23">
+          <p:cNvPr id="124" name="Google Shape;124;p23">
             <a:extLst>
               <a:ext uri="{FF2B5EF4-FFF2-40B4-BE49-F238E27FC236}">
-                <a16:creationId xmlns:a16="http://schemas.microsoft.com/office/drawing/2014/main" id="{772986EF-722B-FE03-E96E-1FFC7B14A905}"/>
+                <a16:creationId xmlns:a16="http://schemas.microsoft.com/office/drawing/2014/main" id="{A2B8BC5C-C198-2D7F-2F75-AC1F414CF2D5}"/>
               </a:ext>
             </a:extLst>
           </p:cNvPr>
@@ -15563,8 +18503,8 @@
         </p:nvSpPr>
         <p:spPr>
           <a:xfrm>
-            <a:off x="311700" y="3006435"/>
-            <a:ext cx="3999900" cy="1562439"/>
+            <a:off x="311700" y="1152475"/>
+            <a:ext cx="3811791" cy="3925216"/>
           </a:xfrm>
           <a:prstGeom prst="rect">
             <a:avLst/>
@@ -15576,45 +18516,97 @@
           </a:bodyPr>
           <a:lstStyle/>
           <a:p>
-            <a:pPr marL="0" indent="0" algn="ctr">
+            <a:pPr marL="285750" indent="-285750">
+              <a:lnSpc>
+                <a:spcPct val="100000"/>
+              </a:lnSpc>
               <a:spcAft>
                 <a:spcPts val="1600"/>
               </a:spcAft>
-              <a:buNone/>
             </a:pPr>
             <a:r>
-              <a:rPr lang="en-US" err="1"/>
-              <a:t>Begint</a:t>
-            </a:r>
-            <a:r>
-              <a:rPr lang="en-US"/>
-              <a:t> met </a:t>
-            </a:r>
-            <a:r>
-              <a:rPr lang="en-US" err="1"/>
-              <a:t>een</a:t>
-            </a:r>
-            <a:r>
-              <a:rPr lang="en-US"/>
-              <a:t> </a:t>
-            </a:r>
-            <a:r>
-              <a:rPr lang="en-US" err="1"/>
-              <a:t>nieuwe</a:t>
-            </a:r>
-            <a:r>
-              <a:rPr lang="en-US"/>
-              <a:t> branch</a:t>
+              <a:rPr lang="en-US" dirty="0"/>
+              <a:t>Switch</a:t>
+            </a:r>
+          </a:p>
+          <a:p>
+            <a:pPr marL="285750" indent="-285750">
+              <a:lnSpc>
+                <a:spcPct val="100000"/>
+              </a:lnSpc>
+              <a:spcAft>
+                <a:spcPts val="1600"/>
+              </a:spcAft>
+            </a:pPr>
+            <a:r>
+              <a:rPr lang="en-US" dirty="0"/>
+              <a:t>Pull</a:t>
+            </a:r>
+          </a:p>
+          <a:p>
+            <a:pPr marL="285750" indent="-285750">
+              <a:lnSpc>
+                <a:spcPct val="100000"/>
+              </a:lnSpc>
+              <a:spcAft>
+                <a:spcPts val="1600"/>
+              </a:spcAft>
+            </a:pPr>
+            <a:r>
+              <a:rPr lang="en-US" dirty="0"/>
+              <a:t>Merge</a:t>
+            </a:r>
+          </a:p>
+          <a:p>
+            <a:pPr marL="285750" indent="-285750">
+              <a:lnSpc>
+                <a:spcPct val="100000"/>
+              </a:lnSpc>
+              <a:spcAft>
+                <a:spcPts val="1600"/>
+              </a:spcAft>
+            </a:pPr>
+            <a:r>
+              <a:rPr lang="en-US" dirty="0"/>
+              <a:t>Add</a:t>
+            </a:r>
+          </a:p>
+          <a:p>
+            <a:pPr marL="285750" indent="-285750">
+              <a:lnSpc>
+                <a:spcPct val="100000"/>
+              </a:lnSpc>
+              <a:spcAft>
+                <a:spcPts val="1600"/>
+              </a:spcAft>
+            </a:pPr>
+            <a:r>
+              <a:rPr lang="en-US" dirty="0"/>
+              <a:t>Commit</a:t>
+            </a:r>
+          </a:p>
+          <a:p>
+            <a:pPr marL="285750" indent="-285750">
+              <a:lnSpc>
+                <a:spcPct val="100000"/>
+              </a:lnSpc>
+              <a:spcAft>
+                <a:spcPts val="1600"/>
+              </a:spcAft>
+            </a:pPr>
+            <a:r>
+              <a:rPr lang="en-US" dirty="0"/>
+              <a:t>Push</a:t>
             </a:r>
           </a:p>
         </p:txBody>
       </p:sp>
       <p:sp>
         <p:nvSpPr>
-          <p:cNvPr id="3" name="Rectangle: Diagonal Corners Snipped 2">
+          <p:cNvPr id="6" name="Rectangle: Diagonal Corners Snipped 5">
             <a:extLst>
               <a:ext uri="{FF2B5EF4-FFF2-40B4-BE49-F238E27FC236}">
-                <a16:creationId xmlns:a16="http://schemas.microsoft.com/office/drawing/2014/main" id="{D2760693-9F4D-E90E-DE33-9D4131C937A8}"/>
+                <a16:creationId xmlns:a16="http://schemas.microsoft.com/office/drawing/2014/main" id="{84DA2563-3CD5-6D5E-FFBB-726CA97BA5B4}"/>
               </a:ext>
             </a:extLst>
           </p:cNvPr>
@@ -15623,8 +18615,8 @@
         </p:nvSpPr>
         <p:spPr>
           <a:xfrm>
-            <a:off x="311700" y="2164770"/>
-            <a:ext cx="4260299" cy="727363"/>
+            <a:off x="7195846" y="2621801"/>
+            <a:ext cx="1107781" cy="493282"/>
           </a:xfrm>
           <a:prstGeom prst="snip2DiagRect">
             <a:avLst/>
@@ -15652,16 +18644,8 @@
           <a:p>
             <a:pPr algn="ctr"/>
             <a:r>
-              <a:rPr lang="en-US" err="1"/>
-              <a:t>Nieuwe</a:t>
-            </a:r>
-            <a:r>
               <a:rPr lang="en-US"/>
-              <a:t> feature/fix </a:t>
-            </a:r>
-            <a:r>
-              <a:rPr lang="en-US" err="1"/>
-              <a:t>etc</a:t>
+              <a:t>Pull</a:t>
             </a:r>
             <a:endParaRPr lang="nl-NL"/>
           </a:p>
@@ -15669,10 +18653,10 @@
       </p:sp>
       <p:sp>
         <p:nvSpPr>
-          <p:cNvPr id="14" name="Rectangle: Diagonal Corners Snipped 13">
+          <p:cNvPr id="13" name="Rectangle: Diagonal Corners Snipped 12">
             <a:extLst>
               <a:ext uri="{FF2B5EF4-FFF2-40B4-BE49-F238E27FC236}">
-                <a16:creationId xmlns:a16="http://schemas.microsoft.com/office/drawing/2014/main" id="{DDEE1412-D9DA-432E-C1AB-CEAE927E1C01}"/>
+                <a16:creationId xmlns:a16="http://schemas.microsoft.com/office/drawing/2014/main" id="{95F7F7C0-B7BF-2F15-494A-9C7B065A6E2E}"/>
               </a:ext>
             </a:extLst>
           </p:cNvPr>
@@ -15681,8 +18665,8 @@
         </p:nvSpPr>
         <p:spPr>
           <a:xfrm>
-            <a:off x="4939118" y="2208068"/>
-            <a:ext cx="3893181" cy="727363"/>
+            <a:off x="4305328" y="2020611"/>
+            <a:ext cx="1712700" cy="493282"/>
           </a:xfrm>
           <a:prstGeom prst="snip2DiagRect">
             <a:avLst/>
@@ -15710,16 +18694,8 @@
           <a:p>
             <a:pPr algn="ctr"/>
             <a:r>
-              <a:rPr lang="en-US" err="1"/>
-              <a:t>Verder</a:t>
-            </a:r>
-            <a:r>
               <a:rPr lang="en-US"/>
-              <a:t> </a:t>
-            </a:r>
-            <a:r>
-              <a:rPr lang="en-US" err="1"/>
-              <a:t>werken</a:t>
+              <a:t>New work</a:t>
             </a:r>
             <a:endParaRPr lang="nl-NL"/>
           </a:p>
@@ -15727,622 +18703,10 @@
       </p:sp>
       <p:sp>
         <p:nvSpPr>
-          <p:cNvPr id="6" name="Google Shape;124;p23">
+          <p:cNvPr id="15" name="Rectangle: Diagonal Corners Snipped 14">
             <a:extLst>
               <a:ext uri="{FF2B5EF4-FFF2-40B4-BE49-F238E27FC236}">
-                <a16:creationId xmlns:a16="http://schemas.microsoft.com/office/drawing/2014/main" id="{7F10B9FC-455B-5488-DBD9-EBC7153A7C8E}"/>
-              </a:ext>
-            </a:extLst>
-          </p:cNvPr>
-          <p:cNvSpPr txBox="1">
-            <a:spLocks/>
-          </p:cNvSpPr>
-          <p:nvPr/>
-        </p:nvSpPr>
-        <p:spPr>
-          <a:xfrm>
-            <a:off x="4939118" y="3061853"/>
-            <a:ext cx="3999900" cy="1562439"/>
-          </a:xfrm>
-          <a:prstGeom prst="rect">
-            <a:avLst/>
-          </a:prstGeom>
-          <a:noFill/>
-          <a:ln>
-            <a:noFill/>
-          </a:ln>
-        </p:spPr>
-        <p:txBody>
-          <a:bodyPr spcFirstLastPara="1" wrap="square" lIns="91425" tIns="91425" rIns="91425" bIns="91425" anchor="t" anchorCtr="0">
-            <a:noAutofit/>
-          </a:bodyPr>
-          <a:lstStyle>
-            <a:defPPr marR="0" lvl="0" algn="l" rtl="0">
-              <a:lnSpc>
-                <a:spcPct val="100000"/>
-              </a:lnSpc>
-              <a:spcBef>
-                <a:spcPts val="0"/>
-              </a:spcBef>
-              <a:spcAft>
-                <a:spcPts val="0"/>
-              </a:spcAft>
-            </a:defPPr>
-            <a:lvl1pPr marL="457200" marR="0" lvl="0" indent="-317500" algn="l" rtl="0">
-              <a:lnSpc>
-                <a:spcPct val="115000"/>
-              </a:lnSpc>
-              <a:spcBef>
-                <a:spcPts val="0"/>
-              </a:spcBef>
-              <a:spcAft>
-                <a:spcPts val="0"/>
-              </a:spcAft>
-              <a:buClr>
-                <a:schemeClr val="dk2"/>
-              </a:buClr>
-              <a:buSzPts val="1400"/>
-              <a:buFont typeface="Arial"/>
-              <a:buChar char="●"/>
-              <a:defRPr sz="1400" b="0" i="0" u="none" strike="noStrike" cap="none">
-                <a:solidFill>
-                  <a:schemeClr val="dk2"/>
-                </a:solidFill>
-                <a:latin typeface="Arial"/>
-                <a:ea typeface="Arial"/>
-                <a:cs typeface="Arial"/>
-                <a:sym typeface="Arial"/>
-              </a:defRPr>
-            </a:lvl1pPr>
-            <a:lvl2pPr marL="914400" marR="0" lvl="1" indent="-304800" algn="l" rtl="0">
-              <a:lnSpc>
-                <a:spcPct val="115000"/>
-              </a:lnSpc>
-              <a:spcBef>
-                <a:spcPts val="1600"/>
-              </a:spcBef>
-              <a:spcAft>
-                <a:spcPts val="0"/>
-              </a:spcAft>
-              <a:buClr>
-                <a:schemeClr val="dk2"/>
-              </a:buClr>
-              <a:buSzPts val="1200"/>
-              <a:buFont typeface="Arial"/>
-              <a:buChar char="○"/>
-              <a:defRPr sz="1200" b="0" i="0" u="none" strike="noStrike" cap="none">
-                <a:solidFill>
-                  <a:schemeClr val="dk2"/>
-                </a:solidFill>
-                <a:latin typeface="Arial"/>
-                <a:ea typeface="Arial"/>
-                <a:cs typeface="Arial"/>
-                <a:sym typeface="Arial"/>
-              </a:defRPr>
-            </a:lvl2pPr>
-            <a:lvl3pPr marL="1371600" marR="0" lvl="2" indent="-304800" algn="l" rtl="0">
-              <a:lnSpc>
-                <a:spcPct val="115000"/>
-              </a:lnSpc>
-              <a:spcBef>
-                <a:spcPts val="1600"/>
-              </a:spcBef>
-              <a:spcAft>
-                <a:spcPts val="0"/>
-              </a:spcAft>
-              <a:buClr>
-                <a:schemeClr val="dk2"/>
-              </a:buClr>
-              <a:buSzPts val="1200"/>
-              <a:buFont typeface="Arial"/>
-              <a:buChar char="■"/>
-              <a:defRPr sz="1200" b="0" i="0" u="none" strike="noStrike" cap="none">
-                <a:solidFill>
-                  <a:schemeClr val="dk2"/>
-                </a:solidFill>
-                <a:latin typeface="Arial"/>
-                <a:ea typeface="Arial"/>
-                <a:cs typeface="Arial"/>
-                <a:sym typeface="Arial"/>
-              </a:defRPr>
-            </a:lvl3pPr>
-            <a:lvl4pPr marL="1828800" marR="0" lvl="3" indent="-304800" algn="l" rtl="0">
-              <a:lnSpc>
-                <a:spcPct val="115000"/>
-              </a:lnSpc>
-              <a:spcBef>
-                <a:spcPts val="1600"/>
-              </a:spcBef>
-              <a:spcAft>
-                <a:spcPts val="0"/>
-              </a:spcAft>
-              <a:buClr>
-                <a:schemeClr val="dk2"/>
-              </a:buClr>
-              <a:buSzPts val="1200"/>
-              <a:buFont typeface="Arial"/>
-              <a:buChar char="●"/>
-              <a:defRPr sz="1200" b="0" i="0" u="none" strike="noStrike" cap="none">
-                <a:solidFill>
-                  <a:schemeClr val="dk2"/>
-                </a:solidFill>
-                <a:latin typeface="Arial"/>
-                <a:ea typeface="Arial"/>
-                <a:cs typeface="Arial"/>
-                <a:sym typeface="Arial"/>
-              </a:defRPr>
-            </a:lvl4pPr>
-            <a:lvl5pPr marL="2286000" marR="0" lvl="4" indent="-304800" algn="l" rtl="0">
-              <a:lnSpc>
-                <a:spcPct val="115000"/>
-              </a:lnSpc>
-              <a:spcBef>
-                <a:spcPts val="1600"/>
-              </a:spcBef>
-              <a:spcAft>
-                <a:spcPts val="0"/>
-              </a:spcAft>
-              <a:buClr>
-                <a:schemeClr val="dk2"/>
-              </a:buClr>
-              <a:buSzPts val="1200"/>
-              <a:buFont typeface="Arial"/>
-              <a:buChar char="○"/>
-              <a:defRPr sz="1200" b="0" i="0" u="none" strike="noStrike" cap="none">
-                <a:solidFill>
-                  <a:schemeClr val="dk2"/>
-                </a:solidFill>
-                <a:latin typeface="Arial"/>
-                <a:ea typeface="Arial"/>
-                <a:cs typeface="Arial"/>
-                <a:sym typeface="Arial"/>
-              </a:defRPr>
-            </a:lvl5pPr>
-            <a:lvl6pPr marL="2743200" marR="0" lvl="5" indent="-304800" algn="l" rtl="0">
-              <a:lnSpc>
-                <a:spcPct val="115000"/>
-              </a:lnSpc>
-              <a:spcBef>
-                <a:spcPts val="1600"/>
-              </a:spcBef>
-              <a:spcAft>
-                <a:spcPts val="0"/>
-              </a:spcAft>
-              <a:buClr>
-                <a:schemeClr val="dk2"/>
-              </a:buClr>
-              <a:buSzPts val="1200"/>
-              <a:buFont typeface="Arial"/>
-              <a:buChar char="■"/>
-              <a:defRPr sz="1200" b="0" i="0" u="none" strike="noStrike" cap="none">
-                <a:solidFill>
-                  <a:schemeClr val="dk2"/>
-                </a:solidFill>
-                <a:latin typeface="Arial"/>
-                <a:ea typeface="Arial"/>
-                <a:cs typeface="Arial"/>
-                <a:sym typeface="Arial"/>
-              </a:defRPr>
-            </a:lvl6pPr>
-            <a:lvl7pPr marL="3200400" marR="0" lvl="6" indent="-304800" algn="l" rtl="0">
-              <a:lnSpc>
-                <a:spcPct val="115000"/>
-              </a:lnSpc>
-              <a:spcBef>
-                <a:spcPts val="1600"/>
-              </a:spcBef>
-              <a:spcAft>
-                <a:spcPts val="0"/>
-              </a:spcAft>
-              <a:buClr>
-                <a:schemeClr val="dk2"/>
-              </a:buClr>
-              <a:buSzPts val="1200"/>
-              <a:buFont typeface="Arial"/>
-              <a:buChar char="●"/>
-              <a:defRPr sz="1200" b="0" i="0" u="none" strike="noStrike" cap="none">
-                <a:solidFill>
-                  <a:schemeClr val="dk2"/>
-                </a:solidFill>
-                <a:latin typeface="Arial"/>
-                <a:ea typeface="Arial"/>
-                <a:cs typeface="Arial"/>
-                <a:sym typeface="Arial"/>
-              </a:defRPr>
-            </a:lvl7pPr>
-            <a:lvl8pPr marL="3657600" marR="0" lvl="7" indent="-304800" algn="l" rtl="0">
-              <a:lnSpc>
-                <a:spcPct val="115000"/>
-              </a:lnSpc>
-              <a:spcBef>
-                <a:spcPts val="1600"/>
-              </a:spcBef>
-              <a:spcAft>
-                <a:spcPts val="0"/>
-              </a:spcAft>
-              <a:buClr>
-                <a:schemeClr val="dk2"/>
-              </a:buClr>
-              <a:buSzPts val="1200"/>
-              <a:buFont typeface="Arial"/>
-              <a:buChar char="○"/>
-              <a:defRPr sz="1200" b="0" i="0" u="none" strike="noStrike" cap="none">
-                <a:solidFill>
-                  <a:schemeClr val="dk2"/>
-                </a:solidFill>
-                <a:latin typeface="Arial"/>
-                <a:ea typeface="Arial"/>
-                <a:cs typeface="Arial"/>
-                <a:sym typeface="Arial"/>
-              </a:defRPr>
-            </a:lvl8pPr>
-            <a:lvl9pPr marL="4114800" marR="0" lvl="8" indent="-304800" algn="l" rtl="0">
-              <a:lnSpc>
-                <a:spcPct val="115000"/>
-              </a:lnSpc>
-              <a:spcBef>
-                <a:spcPts val="1600"/>
-              </a:spcBef>
-              <a:spcAft>
-                <a:spcPts val="1600"/>
-              </a:spcAft>
-              <a:buClr>
-                <a:schemeClr val="dk2"/>
-              </a:buClr>
-              <a:buSzPts val="1200"/>
-              <a:buFont typeface="Arial"/>
-              <a:buChar char="■"/>
-              <a:defRPr sz="1200" b="0" i="0" u="none" strike="noStrike" cap="none">
-                <a:solidFill>
-                  <a:schemeClr val="dk2"/>
-                </a:solidFill>
-                <a:latin typeface="Arial"/>
-                <a:ea typeface="Arial"/>
-                <a:cs typeface="Arial"/>
-                <a:sym typeface="Arial"/>
-              </a:defRPr>
-            </a:lvl9pPr>
-          </a:lstStyle>
-          <a:p>
-            <a:pPr marL="0" indent="0" algn="ctr">
-              <a:spcAft>
-                <a:spcPts val="1600"/>
-              </a:spcAft>
-              <a:buFont typeface="Arial"/>
-              <a:buNone/>
-            </a:pPr>
-            <a:r>
-              <a:rPr lang="en-US" err="1"/>
-              <a:t>Gaat</a:t>
-            </a:r>
-            <a:r>
-              <a:rPr lang="en-US"/>
-              <a:t> </a:t>
-            </a:r>
-            <a:r>
-              <a:rPr lang="en-US" err="1"/>
-              <a:t>verder</a:t>
-            </a:r>
-            <a:r>
-              <a:rPr lang="en-US"/>
-              <a:t> op je </a:t>
-            </a:r>
-            <a:r>
-              <a:rPr lang="en-US" err="1"/>
-              <a:t>huidige</a:t>
-            </a:r>
-            <a:r>
-              <a:rPr lang="en-US"/>
-              <a:t> branch</a:t>
-            </a:r>
-          </a:p>
-        </p:txBody>
-      </p:sp>
-    </p:spTree>
-  </p:cSld>
-  <p:clrMapOvr>
-    <a:masterClrMapping/>
-  </p:clrMapOvr>
-</p:sld>
-</file>
-
-<file path=ppt/slides/slide8.xml><?xml version="1.0" encoding="utf-8"?>
-<p:sld xmlns:a="http://schemas.openxmlformats.org/drawingml/2006/main" xmlns:r="http://schemas.openxmlformats.org/officeDocument/2006/relationships" xmlns:p="http://schemas.openxmlformats.org/presentationml/2006/main">
-  <p:cSld>
-    <p:spTree>
-      <p:nvGrpSpPr>
-        <p:cNvPr id="1" name="Shape 122"/>
-        <p:cNvGrpSpPr/>
-        <p:nvPr/>
-      </p:nvGrpSpPr>
-      <p:grpSpPr>
-        <a:xfrm>
-          <a:off x="0" y="0"/>
-          <a:ext cx="0" cy="0"/>
-          <a:chOff x="0" y="0"/>
-          <a:chExt cx="0" cy="0"/>
-        </a:xfrm>
-      </p:grpSpPr>
-      <p:sp>
-        <p:nvSpPr>
-          <p:cNvPr id="123" name="Google Shape;123;p23"/>
-          <p:cNvSpPr txBox="1">
-            <a:spLocks noGrp="1"/>
-          </p:cNvSpPr>
-          <p:nvPr>
-            <p:ph type="title"/>
-          </p:nvPr>
-        </p:nvSpPr>
-        <p:spPr>
-          <a:prstGeom prst="rect">
-            <a:avLst/>
-          </a:prstGeom>
-        </p:spPr>
-        <p:txBody>
-          <a:bodyPr spcFirstLastPara="1" wrap="square" lIns="91425" tIns="91425" rIns="91425" bIns="91425" anchor="t" anchorCtr="0">
-            <a:noAutofit/>
-          </a:bodyPr>
-          <a:lstStyle/>
-          <a:p>
-            <a:r>
-              <a:rPr lang="nl"/>
-              <a:t>Verder werken</a:t>
-            </a:r>
-            <a:endParaRPr lang="en-US"/>
-          </a:p>
-        </p:txBody>
-      </p:sp>
-      <p:sp>
-        <p:nvSpPr>
-          <p:cNvPr id="124" name="Google Shape;124;p23"/>
-          <p:cNvSpPr txBox="1">
-            <a:spLocks noGrp="1"/>
-          </p:cNvSpPr>
-          <p:nvPr>
-            <p:ph type="body" idx="1"/>
-          </p:nvPr>
-        </p:nvSpPr>
-        <p:spPr>
-          <a:prstGeom prst="rect">
-            <a:avLst/>
-          </a:prstGeom>
-        </p:spPr>
-        <p:txBody>
-          <a:bodyPr spcFirstLastPara="1" wrap="square" lIns="91425" tIns="91425" rIns="91425" bIns="91425" anchor="t" anchorCtr="0">
-            <a:noAutofit/>
-          </a:bodyPr>
-          <a:lstStyle/>
-          <a:p>
-            <a:pPr marL="0" indent="0">
-              <a:lnSpc>
-                <a:spcPct val="100000"/>
-              </a:lnSpc>
-              <a:spcAft>
-                <a:spcPts val="1600"/>
-              </a:spcAft>
-              <a:buNone/>
-            </a:pPr>
-            <a:r>
-              <a:rPr lang="en-US"/>
-              <a:t>Je </a:t>
-            </a:r>
-            <a:r>
-              <a:rPr lang="en-US" err="1"/>
-              <a:t>blijft</a:t>
-            </a:r>
-            <a:r>
-              <a:rPr lang="en-US"/>
-              <a:t> op je </a:t>
-            </a:r>
-            <a:r>
-              <a:rPr lang="en-US" err="1"/>
-              <a:t>huidige</a:t>
-            </a:r>
-            <a:r>
-              <a:rPr lang="en-US"/>
-              <a:t> branch (main) </a:t>
-            </a:r>
-          </a:p>
-          <a:p>
-            <a:pPr marL="0" indent="0">
-              <a:lnSpc>
-                <a:spcPct val="100000"/>
-              </a:lnSpc>
-              <a:spcAft>
-                <a:spcPts val="1600"/>
-              </a:spcAft>
-              <a:buNone/>
-            </a:pPr>
-            <a:r>
-              <a:rPr lang="en-US"/>
-              <a:t>Als je </a:t>
-            </a:r>
-            <a:r>
-              <a:rPr lang="en-US" err="1"/>
-              <a:t>begint</a:t>
-            </a:r>
-            <a:r>
-              <a:rPr lang="en-US"/>
-              <a:t> doe je </a:t>
-            </a:r>
-            <a:r>
-              <a:rPr lang="en-US" err="1"/>
-              <a:t>eerst</a:t>
-            </a:r>
-            <a:r>
-              <a:rPr lang="en-US"/>
-              <a:t> </a:t>
-            </a:r>
-            <a:r>
-              <a:rPr lang="en-US" err="1"/>
-              <a:t>een</a:t>
-            </a:r>
-            <a:r>
-              <a:rPr lang="en-US"/>
-              <a:t> Pull</a:t>
-            </a:r>
-          </a:p>
-          <a:p>
-            <a:pPr marL="742950" lvl="1" indent="-285750">
-              <a:lnSpc>
-                <a:spcPct val="100000"/>
-              </a:lnSpc>
-              <a:spcAft>
-                <a:spcPts val="1600"/>
-              </a:spcAft>
-            </a:pPr>
-            <a:r>
-              <a:rPr lang="en-US"/>
-              <a:t>Dit om de </a:t>
-            </a:r>
-            <a:r>
-              <a:rPr lang="en-US" err="1"/>
-              <a:t>laatste</a:t>
-            </a:r>
-            <a:r>
-              <a:rPr lang="en-US"/>
-              <a:t> complete changes van </a:t>
-            </a:r>
-            <a:r>
-              <a:rPr lang="en-US" err="1"/>
-              <a:t>andere</a:t>
-            </a:r>
-            <a:r>
-              <a:rPr lang="en-US"/>
-              <a:t> mee </a:t>
-            </a:r>
-            <a:r>
-              <a:rPr lang="en-US" err="1"/>
-              <a:t>te</a:t>
-            </a:r>
-            <a:r>
-              <a:rPr lang="en-US"/>
-              <a:t> </a:t>
-            </a:r>
-            <a:r>
-              <a:rPr lang="en-US" err="1"/>
-              <a:t>nemen</a:t>
-            </a:r>
-            <a:endParaRPr lang="en-US"/>
-          </a:p>
-          <a:p>
-            <a:pPr marL="742950" lvl="1" indent="-285750">
-              <a:lnSpc>
-                <a:spcPct val="100000"/>
-              </a:lnSpc>
-              <a:spcAft>
-                <a:spcPts val="1600"/>
-              </a:spcAft>
-            </a:pPr>
-            <a:r>
-              <a:rPr lang="en-US"/>
-              <a:t>Als er </a:t>
-            </a:r>
-            <a:r>
-              <a:rPr lang="en-US" err="1"/>
-              <a:t>conflicten</a:t>
-            </a:r>
-            <a:r>
-              <a:rPr lang="en-US"/>
-              <a:t> </a:t>
-            </a:r>
-            <a:r>
-              <a:rPr lang="en-US" err="1"/>
-              <a:t>zijn</a:t>
-            </a:r>
-            <a:r>
-              <a:rPr lang="en-US"/>
-              <a:t>, nu </a:t>
-            </a:r>
-            <a:r>
-              <a:rPr lang="en-US" err="1"/>
-              <a:t>oplossen</a:t>
-            </a:r>
-            <a:r>
-              <a:rPr lang="en-US"/>
-              <a:t>, </a:t>
-            </a:r>
-            <a:r>
-              <a:rPr lang="en-US" err="1"/>
-              <a:t>scheelt</a:t>
-            </a:r>
-            <a:r>
-              <a:rPr lang="en-US"/>
-              <a:t> </a:t>
-            </a:r>
-            <a:r>
-              <a:rPr lang="en-US" err="1"/>
-              <a:t>straks</a:t>
-            </a:r>
-            <a:r>
-              <a:rPr lang="en-US"/>
-              <a:t> </a:t>
-            </a:r>
-            <a:r>
-              <a:rPr lang="en-US" err="1"/>
-              <a:t>meer</a:t>
-            </a:r>
-            <a:r>
-              <a:rPr lang="en-US"/>
-              <a:t> </a:t>
-            </a:r>
-            <a:r>
-              <a:rPr lang="en-US" err="1"/>
-              <a:t>werk</a:t>
-            </a:r>
-            <a:endParaRPr lang="en-US"/>
-          </a:p>
-          <a:p>
-            <a:pPr marL="285750" indent="-285750">
-              <a:lnSpc>
-                <a:spcPct val="100000"/>
-              </a:lnSpc>
-              <a:spcAft>
-                <a:spcPts val="1600"/>
-              </a:spcAft>
-            </a:pPr>
-            <a:r>
-              <a:rPr lang="en-US"/>
-              <a:t>Nu </a:t>
-            </a:r>
-            <a:r>
-              <a:rPr lang="en-US" err="1"/>
-              <a:t>kunnen</a:t>
-            </a:r>
-            <a:r>
-              <a:rPr lang="en-US"/>
-              <a:t> we </a:t>
-            </a:r>
-            <a:r>
-              <a:rPr lang="en-US" err="1"/>
-              <a:t>werken</a:t>
-            </a:r>
-            <a:r>
-              <a:rPr lang="en-US"/>
-              <a:t>!</a:t>
-            </a:r>
-          </a:p>
-          <a:p>
-            <a:pPr marL="342900" indent="-342900">
-              <a:lnSpc>
-                <a:spcPct val="100000"/>
-              </a:lnSpc>
-              <a:spcAft>
-                <a:spcPts val="1600"/>
-              </a:spcAft>
-              <a:buFont typeface="+mj-lt"/>
-              <a:buAutoNum type="arabicPeriod"/>
-            </a:pPr>
-            <a:endParaRPr lang="en-US"/>
-          </a:p>
-        </p:txBody>
-      </p:sp>
-      <p:sp>
-        <p:nvSpPr>
-          <p:cNvPr id="3" name="Rectangle: Diagonal Corners Snipped 2">
-            <a:extLst>
-              <a:ext uri="{FF2B5EF4-FFF2-40B4-BE49-F238E27FC236}">
-                <a16:creationId xmlns:a16="http://schemas.microsoft.com/office/drawing/2014/main" id="{D2760693-9F4D-E90E-DE33-9D4131C937A8}"/>
+                <a16:creationId xmlns:a16="http://schemas.microsoft.com/office/drawing/2014/main" id="{E76A7BC6-ED08-C595-DAA3-8050EB931C99}"/>
               </a:ext>
             </a:extLst>
           </p:cNvPr>
@@ -16351,8 +18715,8 @@
         </p:nvSpPr>
         <p:spPr>
           <a:xfrm>
-            <a:off x="5758991" y="1017725"/>
-            <a:ext cx="1882695" cy="727363"/>
+            <a:off x="7195846" y="1371296"/>
+            <a:ext cx="1636453" cy="493282"/>
           </a:xfrm>
           <a:prstGeom prst="snip2DiagRect">
             <a:avLst/>
@@ -16380,77 +18744,19 @@
           <a:p>
             <a:pPr algn="ctr"/>
             <a:r>
-              <a:rPr lang="en-US" dirty="0" err="1"/>
-              <a:t>Doen</a:t>
-            </a:r>
-            <a:r>
-              <a:rPr lang="en-US" dirty="0"/>
-              <a:t> </a:t>
-            </a:r>
-            <a:r>
-              <a:rPr lang="en-US" dirty="0" err="1"/>
-              <a:t>een</a:t>
-            </a:r>
-            <a:r>
               <a:rPr lang="en-US"/>
-              <a:t> pull</a:t>
-            </a:r>
-            <a:endParaRPr lang="nl-NL" dirty="0"/>
-          </a:p>
-        </p:txBody>
-      </p:sp>
-      <p:sp>
-        <p:nvSpPr>
-          <p:cNvPr id="13" name="Arrow: Right 12">
-            <a:extLst>
-              <a:ext uri="{FF2B5EF4-FFF2-40B4-BE49-F238E27FC236}">
-                <a16:creationId xmlns:a16="http://schemas.microsoft.com/office/drawing/2014/main" id="{CB521ED4-6C78-77A2-6526-72C7F7B614F1}"/>
-              </a:ext>
-            </a:extLst>
-          </p:cNvPr>
-          <p:cNvSpPr/>
-          <p:nvPr/>
-        </p:nvSpPr>
-        <p:spPr>
-          <a:xfrm rot="5400000">
-            <a:off x="6525491" y="2147455"/>
-            <a:ext cx="325582" cy="424295"/>
-          </a:xfrm>
-          <a:prstGeom prst="rightArrow">
-            <a:avLst/>
-          </a:prstGeom>
-        </p:spPr>
-        <p:style>
-          <a:lnRef idx="2">
-            <a:schemeClr val="accent1">
-              <a:shade val="50000"/>
-            </a:schemeClr>
-          </a:lnRef>
-          <a:fillRef idx="1">
-            <a:schemeClr val="accent1"/>
-          </a:fillRef>
-          <a:effectRef idx="0">
-            <a:schemeClr val="accent1"/>
-          </a:effectRef>
-          <a:fontRef idx="minor">
-            <a:schemeClr val="lt1"/>
-          </a:fontRef>
-        </p:style>
-        <p:txBody>
-          <a:bodyPr rtlCol="0" anchor="ctr"/>
-          <a:lstStyle/>
-          <a:p>
-            <a:pPr algn="ctr"/>
+              <a:t>Last work</a:t>
+            </a:r>
             <a:endParaRPr lang="nl-NL"/>
           </a:p>
         </p:txBody>
       </p:sp>
       <p:sp>
         <p:nvSpPr>
-          <p:cNvPr id="14" name="Rectangle: Diagonal Corners Snipped 13">
+          <p:cNvPr id="20" name="Rectangle: Diagonal Corners Snipped 19">
             <a:extLst>
               <a:ext uri="{FF2B5EF4-FFF2-40B4-BE49-F238E27FC236}">
-                <a16:creationId xmlns:a16="http://schemas.microsoft.com/office/drawing/2014/main" id="{DDEE1412-D9DA-432E-C1AB-CEAE927E1C01}"/>
+                <a16:creationId xmlns:a16="http://schemas.microsoft.com/office/drawing/2014/main" id="{0D71091A-1760-08A9-2B55-F0A047F206FD}"/>
               </a:ext>
             </a:extLst>
           </p:cNvPr>
@@ -16459,8 +18765,8 @@
         </p:nvSpPr>
         <p:spPr>
           <a:xfrm>
-            <a:off x="5758991" y="3034731"/>
-            <a:ext cx="1882695" cy="727363"/>
+            <a:off x="4305328" y="1371296"/>
+            <a:ext cx="1712700" cy="493282"/>
           </a:xfrm>
           <a:prstGeom prst="snip2DiagRect">
             <a:avLst/>
@@ -16488,349 +18794,69 @@
           <a:p>
             <a:pPr algn="ctr"/>
             <a:r>
-              <a:rPr lang="en-US" err="1"/>
-              <a:t>Verder</a:t>
-            </a:r>
-            <a:r>
               <a:rPr lang="en-US"/>
-              <a:t> </a:t>
-            </a:r>
-            <a:r>
-              <a:rPr lang="en-US" err="1"/>
-              <a:t>werken</a:t>
+              <a:t>Last work</a:t>
             </a:r>
             <a:endParaRPr lang="nl-NL"/>
-          </a:p>
-        </p:txBody>
-      </p:sp>
-    </p:spTree>
-    <p:extLst>
-      <p:ext uri="{BB962C8B-B14F-4D97-AF65-F5344CB8AC3E}">
-        <p14:creationId xmlns:p14="http://schemas.microsoft.com/office/powerpoint/2010/main" val="2695230585"/>
-      </p:ext>
-    </p:extLst>
-  </p:cSld>
-  <p:clrMapOvr>
-    <a:masterClrMapping/>
-  </p:clrMapOvr>
-</p:sld>
-</file>
-
-<file path=ppt/slides/slide9.xml><?xml version="1.0" encoding="utf-8"?>
-<p:sld xmlns:a="http://schemas.openxmlformats.org/drawingml/2006/main" xmlns:r="http://schemas.openxmlformats.org/officeDocument/2006/relationships" xmlns:p="http://schemas.openxmlformats.org/presentationml/2006/main">
-  <p:cSld>
-    <p:spTree>
-      <p:nvGrpSpPr>
-        <p:cNvPr id="1" name="Shape 122"/>
-        <p:cNvGrpSpPr/>
-        <p:nvPr/>
-      </p:nvGrpSpPr>
-      <p:grpSpPr>
-        <a:xfrm>
-          <a:off x="0" y="0"/>
-          <a:ext cx="0" cy="0"/>
-          <a:chOff x="0" y="0"/>
-          <a:chExt cx="0" cy="0"/>
-        </a:xfrm>
-      </p:grpSpPr>
-      <p:sp>
-        <p:nvSpPr>
-          <p:cNvPr id="123" name="Google Shape;123;p23"/>
-          <p:cNvSpPr txBox="1">
-            <a:spLocks noGrp="1"/>
-          </p:cNvSpPr>
-          <p:nvPr>
-            <p:ph type="title"/>
-          </p:nvPr>
-        </p:nvSpPr>
-        <p:spPr>
-          <a:prstGeom prst="rect">
-            <a:avLst/>
-          </a:prstGeom>
-        </p:spPr>
-        <p:txBody>
-          <a:bodyPr spcFirstLastPara="1" wrap="square" lIns="91425" tIns="91425" rIns="91425" bIns="91425" anchor="t" anchorCtr="0">
-            <a:noAutofit/>
-          </a:bodyPr>
-          <a:lstStyle/>
-          <a:p>
-            <a:r>
-              <a:rPr lang="nl"/>
-              <a:t>Je changes commiten</a:t>
-            </a:r>
-            <a:endParaRPr lang="en-US"/>
           </a:p>
         </p:txBody>
       </p:sp>
       <p:sp>
         <p:nvSpPr>
-          <p:cNvPr id="124" name="Google Shape;124;p23"/>
-          <p:cNvSpPr txBox="1">
-            <a:spLocks noGrp="1"/>
-          </p:cNvSpPr>
-          <p:nvPr>
-            <p:ph type="body" idx="1"/>
-          </p:nvPr>
+          <p:cNvPr id="23" name="Arrow: U-Turn 22">
+            <a:extLst>
+              <a:ext uri="{FF2B5EF4-FFF2-40B4-BE49-F238E27FC236}">
+                <a16:creationId xmlns:a16="http://schemas.microsoft.com/office/drawing/2014/main" id="{4C3335D1-53C5-8838-71DF-5B3B93115625}"/>
+              </a:ext>
+            </a:extLst>
+          </p:cNvPr>
+          <p:cNvSpPr/>
+          <p:nvPr/>
         </p:nvSpPr>
         <p:spPr>
-          <a:prstGeom prst="rect">
+          <a:xfrm rot="16200000" flipH="1">
+            <a:off x="5807786" y="1936598"/>
+            <a:ext cx="572700" cy="2214931"/>
+          </a:xfrm>
+          <a:prstGeom prst="uturnArrow">
             <a:avLst/>
           </a:prstGeom>
         </p:spPr>
+        <p:style>
+          <a:lnRef idx="2">
+            <a:schemeClr val="accent1">
+              <a:shade val="50000"/>
+            </a:schemeClr>
+          </a:lnRef>
+          <a:fillRef idx="1">
+            <a:schemeClr val="accent1"/>
+          </a:fillRef>
+          <a:effectRef idx="0">
+            <a:schemeClr val="accent1"/>
+          </a:effectRef>
+          <a:fontRef idx="minor">
+            <a:schemeClr val="lt1"/>
+          </a:fontRef>
+        </p:style>
         <p:txBody>
-          <a:bodyPr spcFirstLastPara="1" wrap="square" lIns="91425" tIns="91425" rIns="91425" bIns="91425" anchor="t" anchorCtr="0">
-            <a:noAutofit/>
-          </a:bodyPr>
+          <a:bodyPr rtlCol="0" anchor="ctr"/>
           <a:lstStyle/>
           <a:p>
-            <a:pPr marL="342900" indent="-342900">
-              <a:lnSpc>
-                <a:spcPct val="100000"/>
-              </a:lnSpc>
-              <a:spcAft>
-                <a:spcPts val="1600"/>
-              </a:spcAft>
-              <a:buFont typeface="+mj-lt"/>
-              <a:buAutoNum type="arabicPeriod"/>
-            </a:pPr>
-            <a:r>
-              <a:rPr lang="en-US"/>
-              <a:t>Check je </a:t>
-            </a:r>
-            <a:r>
-              <a:rPr lang="en-US" err="1"/>
-              <a:t>werk</a:t>
-            </a:r>
-            <a:r>
-              <a:rPr lang="en-US"/>
-              <a:t> </a:t>
-            </a:r>
-            <a:r>
-              <a:rPr lang="en-US" err="1"/>
-              <a:t>eerst</a:t>
-            </a:r>
-            <a:r>
-              <a:rPr lang="en-US"/>
-              <a:t>! </a:t>
-            </a:r>
-          </a:p>
-          <a:p>
-            <a:pPr marL="800100" lvl="1" indent="-342900">
-              <a:lnSpc>
-                <a:spcPct val="100000"/>
-              </a:lnSpc>
-              <a:spcBef>
-                <a:spcPts val="0"/>
-              </a:spcBef>
-              <a:spcAft>
-                <a:spcPts val="600"/>
-              </a:spcAft>
-            </a:pPr>
-            <a:r>
-              <a:rPr lang="en-US"/>
-              <a:t>(compiled? Errors? </a:t>
-            </a:r>
-            <a:r>
-              <a:rPr lang="en-US" err="1"/>
-              <a:t>Getest</a:t>
-            </a:r>
-            <a:r>
-              <a:rPr lang="en-US"/>
-              <a:t>?)</a:t>
-            </a:r>
-          </a:p>
-          <a:p>
-            <a:pPr marL="342900" indent="-342900">
-              <a:lnSpc>
-                <a:spcPct val="100000"/>
-              </a:lnSpc>
-              <a:spcAft>
-                <a:spcPts val="1600"/>
-              </a:spcAft>
-              <a:buFont typeface="+mj-lt"/>
-              <a:buAutoNum type="arabicPeriod"/>
-            </a:pPr>
-            <a:r>
-              <a:rPr lang="en-US"/>
-              <a:t>Stage je </a:t>
-            </a:r>
-            <a:r>
-              <a:rPr lang="en-US" err="1"/>
-              <a:t>werk</a:t>
-            </a:r>
-            <a:endParaRPr lang="en-US"/>
-          </a:p>
-          <a:p>
-            <a:pPr marL="342900" indent="-342900">
-              <a:lnSpc>
-                <a:spcPct val="100000"/>
-              </a:lnSpc>
-              <a:spcAft>
-                <a:spcPts val="1600"/>
-              </a:spcAft>
-              <a:buFont typeface="+mj-lt"/>
-              <a:buAutoNum type="arabicPeriod"/>
-            </a:pPr>
-            <a:r>
-              <a:rPr lang="en-US"/>
-              <a:t>Check je stage (git status)</a:t>
-            </a:r>
-          </a:p>
-          <a:p>
-            <a:pPr marL="342900" indent="-342900">
-              <a:lnSpc>
-                <a:spcPct val="100000"/>
-              </a:lnSpc>
-              <a:spcAft>
-                <a:spcPts val="1600"/>
-              </a:spcAft>
-              <a:buFont typeface="+mj-lt"/>
-              <a:buAutoNum type="arabicPeriod"/>
-            </a:pPr>
-            <a:r>
-              <a:rPr lang="en-US"/>
-              <a:t>Maak </a:t>
-            </a:r>
-            <a:r>
-              <a:rPr lang="en-US" err="1"/>
-              <a:t>een</a:t>
-            </a:r>
-            <a:r>
-              <a:rPr lang="en-US"/>
-              <a:t> commit</a:t>
-            </a:r>
-          </a:p>
-          <a:p>
-            <a:pPr marL="342900" indent="-342900">
-              <a:lnSpc>
-                <a:spcPct val="100000"/>
-              </a:lnSpc>
-              <a:spcAft>
-                <a:spcPts val="1600"/>
-              </a:spcAft>
-              <a:buFont typeface="+mj-lt"/>
-              <a:buAutoNum type="arabicPeriod"/>
-            </a:pPr>
-            <a:r>
-              <a:rPr lang="en-US"/>
-              <a:t>Pull </a:t>
-            </a:r>
-            <a:r>
-              <a:rPr lang="en-US" err="1"/>
-              <a:t>nogmaals</a:t>
-            </a:r>
-            <a:endParaRPr lang="en-US"/>
-          </a:p>
-          <a:p>
-            <a:pPr marL="800100" lvl="1" indent="-342900">
-              <a:lnSpc>
-                <a:spcPct val="100000"/>
-              </a:lnSpc>
-              <a:spcBef>
-                <a:spcPts val="0"/>
-              </a:spcBef>
-              <a:spcAft>
-                <a:spcPts val="1600"/>
-              </a:spcAft>
-            </a:pPr>
-            <a:r>
-              <a:rPr lang="en-US"/>
-              <a:t> </a:t>
-            </a:r>
-            <a:r>
-              <a:rPr lang="en-US" err="1"/>
-              <a:t>iemand</a:t>
-            </a:r>
-            <a:r>
-              <a:rPr lang="en-US"/>
-              <a:t> </a:t>
-            </a:r>
-            <a:r>
-              <a:rPr lang="en-US" err="1"/>
-              <a:t>kan</a:t>
-            </a:r>
-            <a:r>
-              <a:rPr lang="en-US"/>
-              <a:t> </a:t>
-            </a:r>
-            <a:r>
-              <a:rPr lang="en-US" err="1"/>
-              <a:t>nieuw</a:t>
-            </a:r>
-            <a:r>
-              <a:rPr lang="en-US"/>
-              <a:t> </a:t>
-            </a:r>
-            <a:r>
-              <a:rPr lang="en-US" err="1"/>
-              <a:t>werk</a:t>
-            </a:r>
-            <a:r>
-              <a:rPr lang="en-US"/>
-              <a:t> </a:t>
-            </a:r>
-            <a:r>
-              <a:rPr lang="en-US" err="1"/>
-              <a:t>hebben</a:t>
-            </a:r>
-            <a:r>
-              <a:rPr lang="en-US"/>
-              <a:t> </a:t>
-            </a:r>
-            <a:r>
-              <a:rPr lang="en-US" err="1"/>
-              <a:t>gepushed</a:t>
-            </a:r>
-            <a:endParaRPr lang="en-US"/>
-          </a:p>
-          <a:p>
-            <a:pPr marL="342900" indent="-342900">
-              <a:lnSpc>
-                <a:spcPct val="100000"/>
-              </a:lnSpc>
-              <a:spcAft>
-                <a:spcPts val="1600"/>
-              </a:spcAft>
-              <a:buFont typeface="+mj-lt"/>
-              <a:buAutoNum type="arabicPeriod"/>
-            </a:pPr>
-            <a:r>
-              <a:rPr lang="en-US"/>
-              <a:t>Conflicts? </a:t>
-            </a:r>
-            <a:r>
-              <a:rPr lang="en-US" err="1"/>
-              <a:t>Oplossen</a:t>
-            </a:r>
-            <a:r>
-              <a:rPr lang="en-US"/>
-              <a:t>!</a:t>
-            </a:r>
-          </a:p>
-          <a:p>
-            <a:pPr marL="342900" indent="-342900">
-              <a:lnSpc>
-                <a:spcPct val="100000"/>
-              </a:lnSpc>
-              <a:spcAft>
-                <a:spcPts val="1600"/>
-              </a:spcAft>
-              <a:buFont typeface="+mj-lt"/>
-              <a:buAutoNum type="arabicPeriod"/>
-            </a:pPr>
-            <a:r>
-              <a:rPr lang="en-US"/>
-              <a:t>Push</a:t>
-            </a:r>
+            <a:pPr algn="ctr"/>
+            <a:endParaRPr lang="nl-NL">
+              <a:solidFill>
+                <a:schemeClr val="tx1"/>
+              </a:solidFill>
+            </a:endParaRPr>
           </a:p>
         </p:txBody>
       </p:sp>
       <p:sp>
         <p:nvSpPr>
-          <p:cNvPr id="3" name="Rectangle: Diagonal Corners Snipped 2">
+          <p:cNvPr id="26" name="Rectangle: Diagonal Corners Snipped 25">
             <a:extLst>
               <a:ext uri="{FF2B5EF4-FFF2-40B4-BE49-F238E27FC236}">
-                <a16:creationId xmlns:a16="http://schemas.microsoft.com/office/drawing/2014/main" id="{D2760693-9F4D-E90E-DE33-9D4131C937A8}"/>
+                <a16:creationId xmlns:a16="http://schemas.microsoft.com/office/drawing/2014/main" id="{0078E353-366E-25F2-935C-5B2C06C455F0}"/>
               </a:ext>
             </a:extLst>
           </p:cNvPr>
@@ -16839,8 +18865,8 @@
         </p:nvSpPr>
         <p:spPr>
           <a:xfrm>
-            <a:off x="5758991" y="1017725"/>
-            <a:ext cx="1882695" cy="727363"/>
+            <a:off x="5262939" y="2868442"/>
+            <a:ext cx="1072230" cy="493282"/>
           </a:xfrm>
           <a:prstGeom prst="snip2DiagRect">
             <a:avLst/>
@@ -16869,15 +18895,7 @@
             <a:pPr algn="ctr"/>
             <a:r>
               <a:rPr lang="en-US"/>
-              <a:t>Even </a:t>
-            </a:r>
-            <a:r>
-              <a:rPr lang="en-US" err="1"/>
-              <a:t>een</a:t>
-            </a:r>
-            <a:r>
-              <a:rPr lang="en-US"/>
-              <a:t> pull</a:t>
+              <a:t>New work</a:t>
             </a:r>
             <a:endParaRPr lang="nl-NL"/>
           </a:p>
@@ -16885,56 +18903,10 @@
       </p:sp>
       <p:sp>
         <p:nvSpPr>
-          <p:cNvPr id="13" name="Arrow: Right 12">
+          <p:cNvPr id="27" name="Rectangle: Diagonal Corners Snipped 26">
             <a:extLst>
               <a:ext uri="{FF2B5EF4-FFF2-40B4-BE49-F238E27FC236}">
-                <a16:creationId xmlns:a16="http://schemas.microsoft.com/office/drawing/2014/main" id="{CB521ED4-6C78-77A2-6526-72C7F7B614F1}"/>
-              </a:ext>
-            </a:extLst>
-          </p:cNvPr>
-          <p:cNvSpPr/>
-          <p:nvPr/>
-        </p:nvSpPr>
-        <p:spPr>
-          <a:xfrm rot="5400000">
-            <a:off x="6537546" y="1854655"/>
-            <a:ext cx="325582" cy="424295"/>
-          </a:xfrm>
-          <a:prstGeom prst="rightArrow">
-            <a:avLst/>
-          </a:prstGeom>
-        </p:spPr>
-        <p:style>
-          <a:lnRef idx="2">
-            <a:schemeClr val="accent1">
-              <a:shade val="50000"/>
-            </a:schemeClr>
-          </a:lnRef>
-          <a:fillRef idx="1">
-            <a:schemeClr val="accent1"/>
-          </a:fillRef>
-          <a:effectRef idx="0">
-            <a:schemeClr val="accent1"/>
-          </a:effectRef>
-          <a:fontRef idx="minor">
-            <a:schemeClr val="lt1"/>
-          </a:fontRef>
-        </p:style>
-        <p:txBody>
-          <a:bodyPr rtlCol="0" anchor="ctr"/>
-          <a:lstStyle/>
-          <a:p>
-            <a:pPr algn="ctr"/>
-            <a:endParaRPr lang="nl-NL"/>
-          </a:p>
-        </p:txBody>
-      </p:sp>
-      <p:sp>
-        <p:nvSpPr>
-          <p:cNvPr id="14" name="Rectangle: Diagonal Corners Snipped 13">
-            <a:extLst>
-              <a:ext uri="{FF2B5EF4-FFF2-40B4-BE49-F238E27FC236}">
-                <a16:creationId xmlns:a16="http://schemas.microsoft.com/office/drawing/2014/main" id="{DDEE1412-D9DA-432E-C1AB-CEAE927E1C01}"/>
+                <a16:creationId xmlns:a16="http://schemas.microsoft.com/office/drawing/2014/main" id="{7009987C-6BC3-4A65-826C-E0DD11A0A7E6}"/>
               </a:ext>
             </a:extLst>
           </p:cNvPr>
@@ -16943,8 +18915,8 @@
         </p:nvSpPr>
         <p:spPr>
           <a:xfrm>
-            <a:off x="5758991" y="2408690"/>
-            <a:ext cx="1882695" cy="727363"/>
+            <a:off x="7195846" y="3385522"/>
+            <a:ext cx="1636453" cy="493282"/>
           </a:xfrm>
           <a:prstGeom prst="snip2DiagRect">
             <a:avLst/>
@@ -16972,90 +18944,8 @@
           <a:p>
             <a:pPr algn="ctr"/>
             <a:r>
-              <a:rPr lang="en-US" err="1"/>
-              <a:t>Verder</a:t>
-            </a:r>
-            <a:r>
               <a:rPr lang="en-US"/>
-              <a:t> </a:t>
-            </a:r>
-            <a:r>
-              <a:rPr lang="en-US" err="1"/>
-              <a:t>werken</a:t>
-            </a:r>
-            <a:endParaRPr lang="nl-NL"/>
-          </a:p>
-        </p:txBody>
-      </p:sp>
-      <p:sp>
-        <p:nvSpPr>
-          <p:cNvPr id="2" name="Rectangle: Diagonal Corners Snipped 1">
-            <a:extLst>
-              <a:ext uri="{FF2B5EF4-FFF2-40B4-BE49-F238E27FC236}">
-                <a16:creationId xmlns:a16="http://schemas.microsoft.com/office/drawing/2014/main" id="{ABCD6CA9-B2FF-B1D7-B183-1DEDD0A5B32C}"/>
-              </a:ext>
-            </a:extLst>
-          </p:cNvPr>
-          <p:cNvSpPr/>
-          <p:nvPr/>
-        </p:nvSpPr>
-        <p:spPr>
-          <a:xfrm>
-            <a:off x="6881894" y="4191604"/>
-            <a:ext cx="2031280" cy="754541"/>
-          </a:xfrm>
-          <a:prstGeom prst="snip2DiagRect">
-            <a:avLst/>
-          </a:prstGeom>
-        </p:spPr>
-        <p:style>
-          <a:lnRef idx="2">
-            <a:schemeClr val="accent1">
-              <a:shade val="50000"/>
-            </a:schemeClr>
-          </a:lnRef>
-          <a:fillRef idx="1">
-            <a:schemeClr val="accent1"/>
-          </a:fillRef>
-          <a:effectRef idx="0">
-            <a:schemeClr val="accent1"/>
-          </a:effectRef>
-          <a:fontRef idx="minor">
-            <a:schemeClr val="lt1"/>
-          </a:fontRef>
-        </p:style>
-        <p:txBody>
-          <a:bodyPr rtlCol="0" anchor="ctr"/>
-          <a:lstStyle/>
-          <a:p>
-            <a:pPr algn="ctr"/>
-            <a:r>
-              <a:rPr lang="en-US"/>
-              <a:t>Conflicts </a:t>
-            </a:r>
-            <a:r>
-              <a:rPr lang="en-US" err="1"/>
-              <a:t>komen</a:t>
-            </a:r>
-            <a:r>
-              <a:rPr lang="en-US"/>
-              <a:t> in </a:t>
-            </a:r>
-            <a:r>
-              <a:rPr lang="en-US" err="1"/>
-              <a:t>een</a:t>
-            </a:r>
-            <a:r>
-              <a:rPr lang="en-US"/>
-              <a:t> </a:t>
-            </a:r>
-            <a:r>
-              <a:rPr lang="en-US" err="1"/>
-              <a:t>ander</a:t>
-            </a:r>
-            <a:r>
-              <a:rPr lang="en-US"/>
-              <a:t> les</a:t>
+              <a:t>New work</a:t>
             </a:r>
             <a:endParaRPr lang="nl-NL"/>
           </a:p>
@@ -17064,7 +18954,7 @@
     </p:spTree>
     <p:extLst>
       <p:ext uri="{BB962C8B-B14F-4D97-AF65-F5344CB8AC3E}">
-        <p14:creationId xmlns:p14="http://schemas.microsoft.com/office/powerpoint/2010/main" val="4274749784"/>
+        <p14:creationId xmlns:p14="http://schemas.microsoft.com/office/powerpoint/2010/main" val="3584831279"/>
       </p:ext>
     </p:extLst>
   </p:cSld>
@@ -17637,6 +19527,15 @@
 </file>
 
 <file path=customXml/item1.xml><?xml version="1.0" encoding="utf-8"?>
+<?mso-contentType ?>
+<FormTemplates xmlns="http://schemas.microsoft.com/sharepoint/v3/contenttype/forms">
+  <Display>DocumentLibraryForm</Display>
+  <Edit>DocumentLibraryForm</Edit>
+  <New>DocumentLibraryForm</New>
+</FormTemplates>
+</file>
+
+<file path=customXml/item2.xml><?xml version="1.0" encoding="utf-8"?>
 <ct:contentTypeSchema xmlns:ct="http://schemas.microsoft.com/office/2006/metadata/contentType" xmlns:ma="http://schemas.microsoft.com/office/2006/metadata/properties/metaAttributes" ct:_="" ma:_="" ma:contentTypeName="Document" ma:contentTypeID="0x010100D9EB5C2D39876A418216A0F9CA870C99" ma:contentTypeVersion="3" ma:contentTypeDescription="Create a new document." ma:contentTypeScope="" ma:versionID="9aecdf3227e93a22c50a6003e71ffe48">
   <xsd:schema xmlns:xsd="http://www.w3.org/2001/XMLSchema" xmlns:xs="http://www.w3.org/2001/XMLSchema" xmlns:p="http://schemas.microsoft.com/office/2006/metadata/properties" xmlns:ns2="e1e829e0-e72c-4cab-be3a-c790bcef4396" targetNamespace="http://schemas.microsoft.com/office/2006/metadata/properties" ma:root="true" ma:fieldsID="035e5376d1ef08e353b667fec7617c5d" ns2:_="">
     <xsd:import namespace="e1e829e0-e72c-4cab-be3a-c790bcef4396"/>
@@ -17774,15 +19673,6 @@
 </ct:contentTypeSchema>
 </file>
 
-<file path=customXml/item2.xml><?xml version="1.0" encoding="utf-8"?>
-<?mso-contentType ?>
-<FormTemplates xmlns="http://schemas.microsoft.com/sharepoint/v3/contenttype/forms">
-  <Display>DocumentLibraryForm</Display>
-  <Edit>DocumentLibraryForm</Edit>
-  <New>DocumentLibraryForm</New>
-</FormTemplates>
-</file>
-
 <file path=customXml/item3.xml><?xml version="1.0" encoding="utf-8"?>
 <p:properties xmlns:p="http://schemas.microsoft.com/office/2006/metadata/properties" xmlns:xsi="http://www.w3.org/2001/XMLSchema-instance" xmlns:pc="http://schemas.microsoft.com/office/infopath/2007/PartnerControls">
   <documentManagement/>
@@ -17790,6 +19680,14 @@
 </file>
 
 <file path=customXml/itemProps1.xml><?xml version="1.0" encoding="utf-8"?>
+<ds:datastoreItem xmlns:ds="http://schemas.openxmlformats.org/officeDocument/2006/customXml" ds:itemID="{4077D397-A58D-41CD-9DDC-45F29C08B187}">
+  <ds:schemaRefs>
+    <ds:schemaRef ds:uri="http://schemas.microsoft.com/sharepoint/v3/contenttype/forms"/>
+  </ds:schemaRefs>
+</ds:datastoreItem>
+</file>
+
+<file path=customXml/itemProps2.xml><?xml version="1.0" encoding="utf-8"?>
 <ds:datastoreItem xmlns:ds="http://schemas.openxmlformats.org/officeDocument/2006/customXml" ds:itemID="{8DE7AF41-ED24-46A8-BC23-9459067AA847}">
   <ds:schemaRefs>
     <ds:schemaRef ds:uri="http://schemas.microsoft.com/office/2006/metadata/contentType"/>
@@ -17803,14 +19701,6 @@
     <ds:schemaRef ds:uri="http://purl.org/dc/elements/1.1/"/>
     <ds:schemaRef ds:uri="http://purl.org/dc/terms/"/>
     <ds:schemaRef ds:uri="http://schemas.microsoft.com/internal/obd"/>
-  </ds:schemaRefs>
-</ds:datastoreItem>
-</file>
-
-<file path=customXml/itemProps2.xml><?xml version="1.0" encoding="utf-8"?>
-<ds:datastoreItem xmlns:ds="http://schemas.openxmlformats.org/officeDocument/2006/customXml" ds:itemID="{4077D397-A58D-41CD-9DDC-45F29C08B187}">
-  <ds:schemaRefs>
-    <ds:schemaRef ds:uri="http://schemas.microsoft.com/sharepoint/v3/contenttype/forms"/>
   </ds:schemaRefs>
 </ds:datastoreItem>
 </file>

--- a/M2/Skill/4-Workflow/PowerPoint/4 workflow.pptx
+++ b/M2/Skill/4-Workflow/PowerPoint/4 workflow.pptx
@@ -3989,6 +3989,30 @@
     </pc:docChg>
   </pc:docChgLst>
   <pc:docChgLst>
+    <pc:chgData name="Gaël Griffith" userId="S::25393@ma-web.nl::6be9e67f-10d8-411a-9f9d-6868b1a89518" providerId="AD" clId="Web-{9770246A-E0B9-462A-B7F5-B1948BF31F61}"/>
+    <pc:docChg chg="modSld">
+      <pc:chgData name="Gaël Griffith" userId="S::25393@ma-web.nl::6be9e67f-10d8-411a-9f9d-6868b1a89518" providerId="AD" clId="Web-{9770246A-E0B9-462A-B7F5-B1948BF31F61}" dt="2020-09-15T11:59:22.850" v="0" actId="1076"/>
+      <pc:docMkLst>
+        <pc:docMk/>
+      </pc:docMkLst>
+      <pc:sldChg chg="modSp">
+        <pc:chgData name="Gaël Griffith" userId="S::25393@ma-web.nl::6be9e67f-10d8-411a-9f9d-6868b1a89518" providerId="AD" clId="Web-{9770246A-E0B9-462A-B7F5-B1948BF31F61}" dt="2020-09-15T11:59:22.850" v="0" actId="1076"/>
+        <pc:sldMkLst>
+          <pc:docMk/>
+          <pc:sldMk cId="0" sldId="256"/>
+        </pc:sldMkLst>
+        <pc:spChg chg="mod">
+          <ac:chgData name="Gaël Griffith" userId="S::25393@ma-web.nl::6be9e67f-10d8-411a-9f9d-6868b1a89518" providerId="AD" clId="Web-{9770246A-E0B9-462A-B7F5-B1948BF31F61}" dt="2020-09-15T11:59:22.850" v="0" actId="1076"/>
+          <ac:spMkLst>
+            <pc:docMk/>
+            <pc:sldMk cId="0" sldId="256"/>
+            <ac:spMk id="54" creationId="{00000000-0000-0000-0000-000000000000}"/>
+          </ac:spMkLst>
+        </pc:spChg>
+      </pc:sldChg>
+    </pc:docChg>
+  </pc:docChgLst>
+  <pc:docChgLst>
     <pc:chgData name="Dragan Javorac" userId="913c2858-fb97-4c6e-a42c-b1f1a16b225e" providerId="ADAL" clId="{5AC97985-0A90-4BAD-81FB-88F74D5EE673}"/>
     <pc:docChg chg="modSld modMainMaster">
       <pc:chgData name="Dragan Javorac" userId="913c2858-fb97-4c6e-a42c-b1f1a16b225e" providerId="ADAL" clId="{5AC97985-0A90-4BAD-81FB-88F74D5EE673}" dt="2022-09-12T12:06:47.423" v="80"/>
@@ -4089,30 +4113,6 @@
           </pc:sldLayoutMkLst>
         </pc:sldLayoutChg>
       </pc:sldMasterChg>
-    </pc:docChg>
-  </pc:docChgLst>
-  <pc:docChgLst>
-    <pc:chgData name="Gaël Griffith" userId="S::25393@ma-web.nl::6be9e67f-10d8-411a-9f9d-6868b1a89518" providerId="AD" clId="Web-{9770246A-E0B9-462A-B7F5-B1948BF31F61}"/>
-    <pc:docChg chg="modSld">
-      <pc:chgData name="Gaël Griffith" userId="S::25393@ma-web.nl::6be9e67f-10d8-411a-9f9d-6868b1a89518" providerId="AD" clId="Web-{9770246A-E0B9-462A-B7F5-B1948BF31F61}" dt="2020-09-15T11:59:22.850" v="0" actId="1076"/>
-      <pc:docMkLst>
-        <pc:docMk/>
-      </pc:docMkLst>
-      <pc:sldChg chg="modSp">
-        <pc:chgData name="Gaël Griffith" userId="S::25393@ma-web.nl::6be9e67f-10d8-411a-9f9d-6868b1a89518" providerId="AD" clId="Web-{9770246A-E0B9-462A-B7F5-B1948BF31F61}" dt="2020-09-15T11:59:22.850" v="0" actId="1076"/>
-        <pc:sldMkLst>
-          <pc:docMk/>
-          <pc:sldMk cId="0" sldId="256"/>
-        </pc:sldMkLst>
-        <pc:spChg chg="mod">
-          <ac:chgData name="Gaël Griffith" userId="S::25393@ma-web.nl::6be9e67f-10d8-411a-9f9d-6868b1a89518" providerId="AD" clId="Web-{9770246A-E0B9-462A-B7F5-B1948BF31F61}" dt="2020-09-15T11:59:22.850" v="0" actId="1076"/>
-          <ac:spMkLst>
-            <pc:docMk/>
-            <pc:sldMk cId="0" sldId="256"/>
-            <ac:spMk id="54" creationId="{00000000-0000-0000-0000-000000000000}"/>
-          </ac:spMkLst>
-        </pc:spChg>
-      </pc:sldChg>
     </pc:docChg>
   </pc:docChgLst>
   <pc:docChgLst>
@@ -4226,6 +4226,22 @@
     </pc:docChg>
   </pc:docChgLst>
   <pc:docChgLst>
+    <pc:chgData name="Bram de Vries" userId="S::32018@ma-web.nl::4a465a1c-bf44-4b44-8c1b-d17b3d3bc55c" providerId="AD" clId="Web-{0653E803-6DA8-159F-A8E1-4BA24DF9782E}"/>
+    <pc:docChg chg="sldOrd">
+      <pc:chgData name="Bram de Vries" userId="S::32018@ma-web.nl::4a465a1c-bf44-4b44-8c1b-d17b3d3bc55c" providerId="AD" clId="Web-{0653E803-6DA8-159F-A8E1-4BA24DF9782E}" dt="2020-09-22T13:10:34.837" v="0"/>
+      <pc:docMkLst>
+        <pc:docMk/>
+      </pc:docMkLst>
+      <pc:sldChg chg="ord">
+        <pc:chgData name="Bram de Vries" userId="S::32018@ma-web.nl::4a465a1c-bf44-4b44-8c1b-d17b3d3bc55c" providerId="AD" clId="Web-{0653E803-6DA8-159F-A8E1-4BA24DF9782E}" dt="2020-09-22T13:10:34.837" v="0"/>
+        <pc:sldMkLst>
+          <pc:docMk/>
+          <pc:sldMk cId="3498386614" sldId="280"/>
+        </pc:sldMkLst>
+      </pc:sldChg>
+    </pc:docChg>
+  </pc:docChgLst>
+  <pc:docChgLst>
     <pc:chgData name="Rick Dohmen" userId="S::30476@ma-web.nl::b09bd7e2-1d9e-4809-8adf-28d02244fbfb" providerId="AD" clId="Web-{CFB8AEF8-2481-44E7-841A-B56EE42CE31E}"/>
     <pc:docChg chg="sldOrd">
       <pc:chgData name="Rick Dohmen" userId="S::30476@ma-web.nl::b09bd7e2-1d9e-4809-8adf-28d02244fbfb" providerId="AD" clId="Web-{CFB8AEF8-2481-44E7-841A-B56EE42CE31E}" dt="2020-09-22T10:03:27.325" v="1"/>
@@ -4237,22 +4253,6 @@
         <pc:sldMkLst>
           <pc:docMk/>
           <pc:sldMk cId="0" sldId="278"/>
-        </pc:sldMkLst>
-      </pc:sldChg>
-    </pc:docChg>
-  </pc:docChgLst>
-  <pc:docChgLst>
-    <pc:chgData name="Bram de Vries" userId="S::32018@ma-web.nl::4a465a1c-bf44-4b44-8c1b-d17b3d3bc55c" providerId="AD" clId="Web-{0653E803-6DA8-159F-A8E1-4BA24DF9782E}"/>
-    <pc:docChg chg="sldOrd">
-      <pc:chgData name="Bram de Vries" userId="S::32018@ma-web.nl::4a465a1c-bf44-4b44-8c1b-d17b3d3bc55c" providerId="AD" clId="Web-{0653E803-6DA8-159F-A8E1-4BA24DF9782E}" dt="2020-09-22T13:10:34.837" v="0"/>
-      <pc:docMkLst>
-        <pc:docMk/>
-      </pc:docMkLst>
-      <pc:sldChg chg="ord">
-        <pc:chgData name="Bram de Vries" userId="S::32018@ma-web.nl::4a465a1c-bf44-4b44-8c1b-d17b3d3bc55c" providerId="AD" clId="Web-{0653E803-6DA8-159F-A8E1-4BA24DF9782E}" dt="2020-09-22T13:10:34.837" v="0"/>
-        <pc:sldMkLst>
-          <pc:docMk/>
-          <pc:sldMk cId="3498386614" sldId="280"/>
         </pc:sldMkLst>
       </pc:sldChg>
     </pc:docChg>
@@ -4351,22 +4351,6 @@
     </pc:docChg>
   </pc:docChgLst>
   <pc:docChgLst>
-    <pc:chgData name="Kilian Rijks" userId="S::30697@ma-web.nl::f8ce6190-20f5-4f44-ad1c-c5dcb23f9695" providerId="AD" clId="Web-{D02C8E39-8AB5-45AA-A943-2F33A4BAEB8E}"/>
-    <pc:docChg chg="sldOrd">
-      <pc:chgData name="Kilian Rijks" userId="S::30697@ma-web.nl::f8ce6190-20f5-4f44-ad1c-c5dcb23f9695" providerId="AD" clId="Web-{D02C8E39-8AB5-45AA-A943-2F33A4BAEB8E}" dt="2020-09-22T12:28:56.255" v="0"/>
-      <pc:docMkLst>
-        <pc:docMk/>
-      </pc:docMkLst>
-      <pc:sldChg chg="ord">
-        <pc:chgData name="Kilian Rijks" userId="S::30697@ma-web.nl::f8ce6190-20f5-4f44-ad1c-c5dcb23f9695" providerId="AD" clId="Web-{D02C8E39-8AB5-45AA-A943-2F33A4BAEB8E}" dt="2020-09-22T12:28:56.255" v="0"/>
-        <pc:sldMkLst>
-          <pc:docMk/>
-          <pc:sldMk cId="3498386614" sldId="280"/>
-        </pc:sldMkLst>
-      </pc:sldChg>
-    </pc:docChg>
-  </pc:docChgLst>
-  <pc:docChgLst>
     <pc:chgData name="Sam Derakhshandeh" userId="S::27741@ma-web.nl::25dbf886-86ce-40a8-a7a4-33199b4fd093" providerId="AD" clId="Web-{A15E7CBA-987D-4FC5-806E-9C0674420E45}"/>
     <pc:docChg chg="modSld">
       <pc:chgData name="Sam Derakhshandeh" userId="S::27741@ma-web.nl::25dbf886-86ce-40a8-a7a4-33199b4fd093" providerId="AD" clId="Web-{A15E7CBA-987D-4FC5-806E-9C0674420E45}" dt="2020-09-22T12:27:39.317" v="0" actId="1076"/>
@@ -4387,6 +4371,22 @@
             <ac:spMk id="211" creationId="{00000000-0000-0000-0000-000000000000}"/>
           </ac:spMkLst>
         </pc:spChg>
+      </pc:sldChg>
+    </pc:docChg>
+  </pc:docChgLst>
+  <pc:docChgLst>
+    <pc:chgData name="Kilian Rijks" userId="S::30697@ma-web.nl::f8ce6190-20f5-4f44-ad1c-c5dcb23f9695" providerId="AD" clId="Web-{D02C8E39-8AB5-45AA-A943-2F33A4BAEB8E}"/>
+    <pc:docChg chg="sldOrd">
+      <pc:chgData name="Kilian Rijks" userId="S::30697@ma-web.nl::f8ce6190-20f5-4f44-ad1c-c5dcb23f9695" providerId="AD" clId="Web-{D02C8E39-8AB5-45AA-A943-2F33A4BAEB8E}" dt="2020-09-22T12:28:56.255" v="0"/>
+      <pc:docMkLst>
+        <pc:docMk/>
+      </pc:docMkLst>
+      <pc:sldChg chg="ord">
+        <pc:chgData name="Kilian Rijks" userId="S::30697@ma-web.nl::f8ce6190-20f5-4f44-ad1c-c5dcb23f9695" providerId="AD" clId="Web-{D02C8E39-8AB5-45AA-A943-2F33A4BAEB8E}" dt="2020-09-22T12:28:56.255" v="0"/>
+        <pc:sldMkLst>
+          <pc:docMk/>
+          <pc:sldMk cId="3498386614" sldId="280"/>
+        </pc:sldMkLst>
       </pc:sldChg>
     </pc:docChg>
   </pc:docChgLst>
@@ -15608,7 +15608,7 @@
               <a:buNone/>
             </a:pPr>
             <a:r>
-              <a:rPr lang="en-US" dirty="0"/>
+              <a:rPr lang="en-US" b="1" dirty="0"/>
               <a:t>Team:</a:t>
             </a:r>
           </a:p>
@@ -15627,31 +15627,7 @@
             </a:r>
             <a:r>
               <a:rPr lang="en-US" dirty="0"/>
-              <a:t> web- of </a:t>
-            </a:r>
-            <a:r>
-              <a:rPr lang="en-US" dirty="0" err="1"/>
-              <a:t>gameteam</a:t>
-            </a:r>
-            <a:r>
-              <a:rPr lang="en-US" dirty="0"/>
-              <a:t> met </a:t>
-            </a:r>
-            <a:r>
-              <a:rPr lang="en-US" dirty="0" err="1"/>
-              <a:t>tussen</a:t>
-            </a:r>
-            <a:r>
-              <a:rPr lang="en-US" dirty="0"/>
-              <a:t> de 2 </a:t>
-            </a:r>
-            <a:r>
-              <a:rPr lang="en-US" dirty="0" err="1"/>
-              <a:t>en</a:t>
-            </a:r>
-            <a:r>
-              <a:rPr lang="en-US" dirty="0"/>
-              <a:t> 5 </a:t>
+              <a:t> team met 2 tot 5 </a:t>
             </a:r>
             <a:r>
               <a:rPr lang="en-US" dirty="0" err="1"/>
@@ -15699,9 +15675,15 @@
               <a:rPr lang="en-US" dirty="0"/>
               <a:t> </a:t>
             </a:r>
+          </a:p>
+          <a:p>
+            <a:pPr marL="482600" indent="-342900">
+              <a:buFont typeface="+mj-lt"/>
+              <a:buAutoNum type="arabicPeriod"/>
+            </a:pPr>
             <a:r>
               <a:rPr lang="en-US" dirty="0" err="1"/>
-              <a:t>en</a:t>
+              <a:t>Bepaal</a:t>
             </a:r>
             <a:r>
               <a:rPr lang="en-US" dirty="0"/>
@@ -15741,11 +15723,11 @@
               <a:buNone/>
             </a:pPr>
             <a:r>
-              <a:rPr lang="en-US" dirty="0" err="1"/>
+              <a:rPr lang="en-US" b="1" dirty="0" err="1"/>
               <a:t>RepoMaster</a:t>
             </a:r>
             <a:r>
-              <a:rPr lang="en-US" dirty="0"/>
+              <a:rPr lang="en-US" b="1" dirty="0"/>
               <a:t>:</a:t>
             </a:r>
           </a:p>
@@ -15755,30 +15737,24 @@
               <a:buAutoNum type="arabicPeriod"/>
             </a:pPr>
             <a:r>
+              <a:rPr lang="nl-NL" dirty="0"/>
+              <a:t>Maak een </a:t>
+            </a:r>
+            <a:r>
               <a:rPr lang="nl-NL" dirty="0" err="1"/>
-              <a:t>RepoMaster</a:t>
+              <a:t>repo</a:t>
             </a:r>
             <a:r>
               <a:rPr lang="nl-NL" dirty="0"/>
-              <a:t> zet een lokale </a:t>
+              <a:t> aan met de </a:t>
             </a:r>
             <a:r>
               <a:rPr lang="nl-NL" dirty="0" err="1"/>
-              <a:t>repository</a:t>
+              <a:t>branch</a:t>
             </a:r>
             <a:r>
               <a:rPr lang="nl-NL" dirty="0"/>
-              <a:t> op</a:t>
-            </a:r>
-          </a:p>
-          <a:p>
-            <a:pPr>
-              <a:buFont typeface="+mj-lt"/>
-              <a:buAutoNum type="arabicPeriod"/>
-            </a:pPr>
-            <a:r>
-              <a:rPr lang="nl-NL" dirty="0"/>
-              <a:t>Start de branche </a:t>
+              <a:t> </a:t>
             </a:r>
             <a:r>
               <a:rPr lang="nl-NL" b="1" dirty="0" err="1">
@@ -15792,15 +15768,43 @@
             </a:r>
             <a:r>
               <a:rPr lang="nl-NL" dirty="0"/>
-              <a:t> en </a:t>
+              <a:t> </a:t>
+            </a:r>
+          </a:p>
+          <a:p>
+            <a:pPr>
+              <a:buFont typeface="+mj-lt"/>
+              <a:buAutoNum type="arabicPeriod"/>
+            </a:pPr>
+            <a:r>
+              <a:rPr lang="nl-NL" dirty="0"/>
+              <a:t>In de </a:t>
             </a:r>
             <a:r>
               <a:rPr lang="nl-NL" dirty="0" err="1"/>
-              <a:t>commit</a:t>
+              <a:t>readme.md</a:t>
             </a:r>
             <a:r>
               <a:rPr lang="nl-NL" dirty="0"/>
-              <a:t> daarheen een README.md (met als inhoud de namen van de teamleden)</a:t>
+              <a:t> plaats je de teamleden</a:t>
+            </a:r>
+          </a:p>
+          <a:p>
+            <a:pPr>
+              <a:buFont typeface="+mj-lt"/>
+              <a:buAutoNum type="arabicPeriod"/>
+            </a:pPr>
+            <a:r>
+              <a:rPr lang="nl-NL" dirty="0"/>
+              <a:t>Plaats het minimarket project en push dit naar de </a:t>
+            </a:r>
+            <a:r>
+              <a:rPr lang="nl-NL" dirty="0" err="1"/>
+              <a:t>main</a:t>
+            </a:r>
+            <a:r>
+              <a:rPr lang="nl-NL" dirty="0"/>
+              <a:t>.</a:t>
             </a:r>
           </a:p>
           <a:p>
@@ -15832,7 +15836,7 @@
             </a:r>
             <a:r>
               <a:rPr lang="nl-NL" dirty="0"/>
-              <a:t> Ze daar de bestanden neer waar je mee wil beginnen</a:t>
+              <a:t> </a:t>
             </a:r>
           </a:p>
           <a:p>
@@ -15842,11 +15846,11 @@
             </a:pPr>
             <a:r>
               <a:rPr lang="nl-NL" dirty="0"/>
-              <a:t>Stuur de </a:t>
-            </a:r>
-            <a:r>
-              <a:rPr lang="nl-NL" dirty="0" err="1"/>
-              <a:t>repo</a:t>
+              <a:t>Stuur deze </a:t>
+            </a:r>
+            <a:r>
+              <a:rPr lang="en-US" dirty="0"/>
+              <a:t>Repo</a:t>
             </a:r>
             <a:r>
               <a:rPr lang="nl-NL" dirty="0"/>
@@ -15914,7 +15918,7 @@
             </a:pPr>
             <a:r>
               <a:rPr lang="en-US" dirty="0"/>
-              <a:t>Clone de remote REPO</a:t>
+              <a:t>Clone de remote Repo</a:t>
             </a:r>
           </a:p>
           <a:p>
@@ -15993,11 +15997,55 @@
             </a:r>
             <a:r>
               <a:rPr lang="en-US" dirty="0"/>
-              <a:t> van het </a:t>
-            </a:r>
+              <a:t> van het project</a:t>
+            </a:r>
+          </a:p>
+          <a:p>
+            <a:pPr marL="482600" indent="-342900">
+              <a:buFont typeface="+mj-lt"/>
+              <a:buAutoNum type="arabicPeriod"/>
+            </a:pPr>
             <a:r>
               <a:rPr lang="en-US" dirty="0" err="1"/>
-              <a:t>teamprobject</a:t>
+              <a:t>Gebruik</a:t>
+            </a:r>
+            <a:r>
+              <a:rPr lang="en-US" dirty="0"/>
+              <a:t> </a:t>
+            </a:r>
+            <a:r>
+              <a:rPr lang="en-US" dirty="0" err="1"/>
+              <a:t>hetzelfde</a:t>
+            </a:r>
+            <a:r>
+              <a:rPr lang="en-US" dirty="0"/>
+              <a:t> project !</a:t>
+            </a:r>
+          </a:p>
+          <a:p>
+            <a:pPr marL="482600" indent="-342900">
+              <a:buFont typeface="+mj-lt"/>
+              <a:buAutoNum type="arabicPeriod"/>
+            </a:pPr>
+            <a:r>
+              <a:rPr lang="en-US" dirty="0" err="1"/>
+              <a:t>Gebruik</a:t>
+            </a:r>
+            <a:r>
+              <a:rPr lang="en-US" dirty="0"/>
+              <a:t> </a:t>
+            </a:r>
+            <a:r>
+              <a:rPr lang="en-US" dirty="0" err="1"/>
+              <a:t>dezelfde</a:t>
+            </a:r>
+            <a:r>
+              <a:rPr lang="en-US" dirty="0"/>
+              <a:t> Unity </a:t>
+            </a:r>
+            <a:r>
+              <a:rPr lang="en-US" dirty="0" err="1"/>
+              <a:t>versie</a:t>
             </a:r>
             <a:endParaRPr lang="en-US" dirty="0"/>
           </a:p>
@@ -16043,12 +16091,11 @@
             <a:endParaRPr lang="en-US" dirty="0"/>
           </a:p>
           <a:p>
-            <a:pPr marL="482600" indent="-342900">
-              <a:buFont typeface="+mj-lt"/>
-              <a:buAutoNum type="arabicPeriod"/>
+            <a:pPr marL="139700" indent="0">
+              <a:buNone/>
             </a:pPr>
             <a:r>
-              <a:rPr lang="en-US" dirty="0"/>
+              <a:rPr lang="en-US" b="1" dirty="0"/>
               <a:t>Team:</a:t>
             </a:r>
           </a:p>
@@ -16090,12 +16137,6 @@
               </a:rPr>
               <a:t>development</a:t>
             </a:r>
-          </a:p>
-          <a:p>
-            <a:pPr marL="482600" indent="-342900">
-              <a:buFont typeface="+mj-lt"/>
-              <a:buAutoNum type="arabicPeriod"/>
-            </a:pPr>
             <a:endParaRPr lang="en-US" dirty="0"/>
           </a:p>
           <a:p>
@@ -16117,17 +16158,15 @@
               </a:rPr>
               <a:t>main</a:t>
             </a:r>
+          </a:p>
+          <a:p>
+            <a:pPr marL="482600" indent="-342900">
+              <a:buFont typeface="+mj-lt"/>
+              <a:buAutoNum type="arabicPeriod"/>
+            </a:pPr>
             <a:r>
               <a:rPr lang="en-US" dirty="0"/>
-              <a:t> </a:t>
-            </a:r>
-            <a:r>
-              <a:rPr lang="en-US" dirty="0" err="1"/>
-              <a:t>en</a:t>
-            </a:r>
-            <a:r>
-              <a:rPr lang="en-US" dirty="0"/>
-              <a:t> lever de URL in </a:t>
+              <a:t>Lever de URL in </a:t>
             </a:r>
             <a:r>
               <a:rPr lang="en-US" dirty="0" err="1"/>
@@ -19536,6 +19575,12 @@
 </file>
 
 <file path=customXml/item2.xml><?xml version="1.0" encoding="utf-8"?>
+<p:properties xmlns:p="http://schemas.microsoft.com/office/2006/metadata/properties" xmlns:xsi="http://www.w3.org/2001/XMLSchema-instance" xmlns:pc="http://schemas.microsoft.com/office/infopath/2007/PartnerControls">
+  <documentManagement/>
+</p:properties>
+</file>
+
+<file path=customXml/item3.xml><?xml version="1.0" encoding="utf-8"?>
 <ct:contentTypeSchema xmlns:ct="http://schemas.microsoft.com/office/2006/metadata/contentType" xmlns:ma="http://schemas.microsoft.com/office/2006/metadata/properties/metaAttributes" ct:_="" ma:_="" ma:contentTypeName="Document" ma:contentTypeID="0x010100D9EB5C2D39876A418216A0F9CA870C99" ma:contentTypeVersion="3" ma:contentTypeDescription="Create a new document." ma:contentTypeScope="" ma:versionID="9aecdf3227e93a22c50a6003e71ffe48">
   <xsd:schema xmlns:xsd="http://www.w3.org/2001/XMLSchema" xmlns:xs="http://www.w3.org/2001/XMLSchema" xmlns:p="http://schemas.microsoft.com/office/2006/metadata/properties" xmlns:ns2="e1e829e0-e72c-4cab-be3a-c790bcef4396" targetNamespace="http://schemas.microsoft.com/office/2006/metadata/properties" ma:root="true" ma:fieldsID="035e5376d1ef08e353b667fec7617c5d" ns2:_="">
     <xsd:import namespace="e1e829e0-e72c-4cab-be3a-c790bcef4396"/>
@@ -19673,12 +19718,6 @@
 </ct:contentTypeSchema>
 </file>
 
-<file path=customXml/item3.xml><?xml version="1.0" encoding="utf-8"?>
-<p:properties xmlns:p="http://schemas.microsoft.com/office/2006/metadata/properties" xmlns:xsi="http://www.w3.org/2001/XMLSchema-instance" xmlns:pc="http://schemas.microsoft.com/office/infopath/2007/PartnerControls">
-  <documentManagement/>
-</p:properties>
-</file>
-
 <file path=customXml/itemProps1.xml><?xml version="1.0" encoding="utf-8"?>
 <ds:datastoreItem xmlns:ds="http://schemas.openxmlformats.org/officeDocument/2006/customXml" ds:itemID="{4077D397-A58D-41CD-9DDC-45F29C08B187}">
   <ds:schemaRefs>
@@ -19688,6 +19727,22 @@
 </file>
 
 <file path=customXml/itemProps2.xml><?xml version="1.0" encoding="utf-8"?>
+<ds:datastoreItem xmlns:ds="http://schemas.openxmlformats.org/officeDocument/2006/customXml" ds:itemID="{72B6DE8D-9C4F-42E6-BF5C-BF8BF3BCA2F6}">
+  <ds:schemaRefs>
+    <ds:schemaRef ds:uri="http://purl.org/dc/elements/1.1/"/>
+    <ds:schemaRef ds:uri="885d402c-76b9-4792-92a1-2b62a1d56104"/>
+    <ds:schemaRef ds:uri="http://schemas.microsoft.com/office/2006/documentManagement/types"/>
+    <ds:schemaRef ds:uri="http://schemas.microsoft.com/office/2006/metadata/properties"/>
+    <ds:schemaRef ds:uri="http://schemas.microsoft.com/office/infopath/2007/PartnerControls"/>
+    <ds:schemaRef ds:uri="http://purl.org/dc/dcmitype/"/>
+    <ds:schemaRef ds:uri="http://schemas.openxmlformats.org/package/2006/metadata/core-properties"/>
+    <ds:schemaRef ds:uri="http://www.w3.org/XML/1998/namespace"/>
+    <ds:schemaRef ds:uri="http://purl.org/dc/terms/"/>
+  </ds:schemaRefs>
+</ds:datastoreItem>
+</file>
+
+<file path=customXml/itemProps3.xml><?xml version="1.0" encoding="utf-8"?>
 <ds:datastoreItem xmlns:ds="http://schemas.openxmlformats.org/officeDocument/2006/customXml" ds:itemID="{8DE7AF41-ED24-46A8-BC23-9459067AA847}">
   <ds:schemaRefs>
     <ds:schemaRef ds:uri="http://schemas.microsoft.com/office/2006/metadata/contentType"/>
@@ -19703,20 +19758,4 @@
     <ds:schemaRef ds:uri="http://schemas.microsoft.com/internal/obd"/>
   </ds:schemaRefs>
 </ds:datastoreItem>
-</file>
-
-<file path=customXml/itemProps3.xml><?xml version="1.0" encoding="utf-8"?>
-<ds:datastoreItem xmlns:ds="http://schemas.openxmlformats.org/officeDocument/2006/customXml" ds:itemID="{72B6DE8D-9C4F-42E6-BF5C-BF8BF3BCA2F6}">
-  <ds:schemaRefs>
-    <ds:schemaRef ds:uri="http://purl.org/dc/elements/1.1/"/>
-    <ds:schemaRef ds:uri="885d402c-76b9-4792-92a1-2b62a1d56104"/>
-    <ds:schemaRef ds:uri="http://schemas.microsoft.com/office/2006/documentManagement/types"/>
-    <ds:schemaRef ds:uri="http://schemas.microsoft.com/office/2006/metadata/properties"/>
-    <ds:schemaRef ds:uri="http://schemas.microsoft.com/office/infopath/2007/PartnerControls"/>
-    <ds:schemaRef ds:uri="http://purl.org/dc/dcmitype/"/>
-    <ds:schemaRef ds:uri="http://schemas.openxmlformats.org/package/2006/metadata/core-properties"/>
-    <ds:schemaRef ds:uri="http://www.w3.org/XML/1998/namespace"/>
-    <ds:schemaRef ds:uri="http://purl.org/dc/terms/"/>
-  </ds:schemaRefs>
-</ds:datastoreItem>
 </file>
--- a/M2/Skill/4-Workflow/PowerPoint/4 workflow.pptx
+++ b/M2/Skill/4-Workflow/PowerPoint/4 workflow.pptx
@@ -15928,8 +15928,19 @@
             </a:pPr>
             <a:r>
               <a:rPr lang="en-US" dirty="0"/>
-              <a:t>Checkout de branch development</a:t>
-            </a:r>
+              <a:t>Checkout de branch </a:t>
+            </a:r>
+            <a:r>
+              <a:rPr lang="nl-NL" b="1" dirty="0">
+                <a:solidFill>
+                  <a:srgbClr val="FFFF00"/>
+                </a:solidFill>
+                <a:latin typeface="Courier New" panose="02070309020205020404" pitchFamily="49" charset="0"/>
+                <a:cs typeface="Courier New" panose="02070309020205020404" pitchFamily="49" charset="0"/>
+              </a:rPr>
+              <a:t>development</a:t>
+            </a:r>
+            <a:endParaRPr lang="en-US" dirty="0"/>
           </a:p>
           <a:p>
             <a:pPr marL="482600" indent="-342900">

--- a/M2/Skill/4-Workflow/PowerPoint/4 workflow.pptx
+++ b/M2/Skill/4-Workflow/PowerPoint/4 workflow.pptx
@@ -3985,30 +3985,6 @@
     </pc:docChg>
   </pc:docChgLst>
   <pc:docChgLst>
-    <pc:chgData name="Gaël Griffith" userId="S::25393@ma-web.nl::6be9e67f-10d8-411a-9f9d-6868b1a89518" providerId="AD" clId="Web-{9770246A-E0B9-462A-B7F5-B1948BF31F61}"/>
-    <pc:docChg chg="modSld">
-      <pc:chgData name="Gaël Griffith" userId="S::25393@ma-web.nl::6be9e67f-10d8-411a-9f9d-6868b1a89518" providerId="AD" clId="Web-{9770246A-E0B9-462A-B7F5-B1948BF31F61}" dt="2020-09-15T11:59:22.850" v="0" actId="1076"/>
-      <pc:docMkLst>
-        <pc:docMk/>
-      </pc:docMkLst>
-      <pc:sldChg chg="modSp">
-        <pc:chgData name="Gaël Griffith" userId="S::25393@ma-web.nl::6be9e67f-10d8-411a-9f9d-6868b1a89518" providerId="AD" clId="Web-{9770246A-E0B9-462A-B7F5-B1948BF31F61}" dt="2020-09-15T11:59:22.850" v="0" actId="1076"/>
-        <pc:sldMkLst>
-          <pc:docMk/>
-          <pc:sldMk cId="0" sldId="256"/>
-        </pc:sldMkLst>
-        <pc:spChg chg="mod">
-          <ac:chgData name="Gaël Griffith" userId="S::25393@ma-web.nl::6be9e67f-10d8-411a-9f9d-6868b1a89518" providerId="AD" clId="Web-{9770246A-E0B9-462A-B7F5-B1948BF31F61}" dt="2020-09-15T11:59:22.850" v="0" actId="1076"/>
-          <ac:spMkLst>
-            <pc:docMk/>
-            <pc:sldMk cId="0" sldId="256"/>
-            <ac:spMk id="54" creationId="{00000000-0000-0000-0000-000000000000}"/>
-          </ac:spMkLst>
-        </pc:spChg>
-      </pc:sldChg>
-    </pc:docChg>
-  </pc:docChgLst>
-  <pc:docChgLst>
     <pc:chgData name="Dragan Javorac" userId="913c2858-fb97-4c6e-a42c-b1f1a16b225e" providerId="ADAL" clId="{5AC97985-0A90-4BAD-81FB-88F74D5EE673}"/>
     <pc:docChg chg="modSld modMainMaster">
       <pc:chgData name="Dragan Javorac" userId="913c2858-fb97-4c6e-a42c-b1f1a16b225e" providerId="ADAL" clId="{5AC97985-0A90-4BAD-81FB-88F74D5EE673}" dt="2022-09-12T12:06:47.423" v="80"/>
@@ -4109,6 +4085,30 @@
           </pc:sldLayoutMkLst>
         </pc:sldLayoutChg>
       </pc:sldMasterChg>
+    </pc:docChg>
+  </pc:docChgLst>
+  <pc:docChgLst>
+    <pc:chgData name="Gaël Griffith" userId="S::25393@ma-web.nl::6be9e67f-10d8-411a-9f9d-6868b1a89518" providerId="AD" clId="Web-{9770246A-E0B9-462A-B7F5-B1948BF31F61}"/>
+    <pc:docChg chg="modSld">
+      <pc:chgData name="Gaël Griffith" userId="S::25393@ma-web.nl::6be9e67f-10d8-411a-9f9d-6868b1a89518" providerId="AD" clId="Web-{9770246A-E0B9-462A-B7F5-B1948BF31F61}" dt="2020-09-15T11:59:22.850" v="0" actId="1076"/>
+      <pc:docMkLst>
+        <pc:docMk/>
+      </pc:docMkLst>
+      <pc:sldChg chg="modSp">
+        <pc:chgData name="Gaël Griffith" userId="S::25393@ma-web.nl::6be9e67f-10d8-411a-9f9d-6868b1a89518" providerId="AD" clId="Web-{9770246A-E0B9-462A-B7F5-B1948BF31F61}" dt="2020-09-15T11:59:22.850" v="0" actId="1076"/>
+        <pc:sldMkLst>
+          <pc:docMk/>
+          <pc:sldMk cId="0" sldId="256"/>
+        </pc:sldMkLst>
+        <pc:spChg chg="mod">
+          <ac:chgData name="Gaël Griffith" userId="S::25393@ma-web.nl::6be9e67f-10d8-411a-9f9d-6868b1a89518" providerId="AD" clId="Web-{9770246A-E0B9-462A-B7F5-B1948BF31F61}" dt="2020-09-15T11:59:22.850" v="0" actId="1076"/>
+          <ac:spMkLst>
+            <pc:docMk/>
+            <pc:sldMk cId="0" sldId="256"/>
+            <ac:spMk id="54" creationId="{00000000-0000-0000-0000-000000000000}"/>
+          </ac:spMkLst>
+        </pc:spChg>
+      </pc:sldChg>
     </pc:docChg>
   </pc:docChgLst>
   <pc:docChgLst>
@@ -4222,6 +4222,22 @@
     </pc:docChg>
   </pc:docChgLst>
   <pc:docChgLst>
+    <pc:chgData name="Rick Dohmen" userId="S::30476@ma-web.nl::b09bd7e2-1d9e-4809-8adf-28d02244fbfb" providerId="AD" clId="Web-{CFB8AEF8-2481-44E7-841A-B56EE42CE31E}"/>
+    <pc:docChg chg="sldOrd">
+      <pc:chgData name="Rick Dohmen" userId="S::30476@ma-web.nl::b09bd7e2-1d9e-4809-8adf-28d02244fbfb" providerId="AD" clId="Web-{CFB8AEF8-2481-44E7-841A-B56EE42CE31E}" dt="2020-09-22T10:03:27.325" v="1"/>
+      <pc:docMkLst>
+        <pc:docMk/>
+      </pc:docMkLst>
+      <pc:sldChg chg="ord">
+        <pc:chgData name="Rick Dohmen" userId="S::30476@ma-web.nl::b09bd7e2-1d9e-4809-8adf-28d02244fbfb" providerId="AD" clId="Web-{CFB8AEF8-2481-44E7-841A-B56EE42CE31E}" dt="2020-09-22T10:03:27.325" v="1"/>
+        <pc:sldMkLst>
+          <pc:docMk/>
+          <pc:sldMk cId="0" sldId="278"/>
+        </pc:sldMkLst>
+      </pc:sldChg>
+    </pc:docChg>
+  </pc:docChgLst>
+  <pc:docChgLst>
     <pc:chgData name="Bram de Vries" userId="S::32018@ma-web.nl::4a465a1c-bf44-4b44-8c1b-d17b3d3bc55c" providerId="AD" clId="Web-{0653E803-6DA8-159F-A8E1-4BA24DF9782E}"/>
     <pc:docChg chg="sldOrd">
       <pc:chgData name="Bram de Vries" userId="S::32018@ma-web.nl::4a465a1c-bf44-4b44-8c1b-d17b3d3bc55c" providerId="AD" clId="Web-{0653E803-6DA8-159F-A8E1-4BA24DF9782E}" dt="2020-09-22T13:10:34.837" v="0"/>
@@ -4233,22 +4249,6 @@
         <pc:sldMkLst>
           <pc:docMk/>
           <pc:sldMk cId="3498386614" sldId="280"/>
-        </pc:sldMkLst>
-      </pc:sldChg>
-    </pc:docChg>
-  </pc:docChgLst>
-  <pc:docChgLst>
-    <pc:chgData name="Rick Dohmen" userId="S::30476@ma-web.nl::b09bd7e2-1d9e-4809-8adf-28d02244fbfb" providerId="AD" clId="Web-{CFB8AEF8-2481-44E7-841A-B56EE42CE31E}"/>
-    <pc:docChg chg="sldOrd">
-      <pc:chgData name="Rick Dohmen" userId="S::30476@ma-web.nl::b09bd7e2-1d9e-4809-8adf-28d02244fbfb" providerId="AD" clId="Web-{CFB8AEF8-2481-44E7-841A-B56EE42CE31E}" dt="2020-09-22T10:03:27.325" v="1"/>
-      <pc:docMkLst>
-        <pc:docMk/>
-      </pc:docMkLst>
-      <pc:sldChg chg="ord">
-        <pc:chgData name="Rick Dohmen" userId="S::30476@ma-web.nl::b09bd7e2-1d9e-4809-8adf-28d02244fbfb" providerId="AD" clId="Web-{CFB8AEF8-2481-44E7-841A-B56EE42CE31E}" dt="2020-09-22T10:03:27.325" v="1"/>
-        <pc:sldMkLst>
-          <pc:docMk/>
-          <pc:sldMk cId="0" sldId="278"/>
         </pc:sldMkLst>
       </pc:sldChg>
     </pc:docChg>
@@ -4347,6 +4347,22 @@
     </pc:docChg>
   </pc:docChgLst>
   <pc:docChgLst>
+    <pc:chgData name="Kilian Rijks" userId="S::30697@ma-web.nl::f8ce6190-20f5-4f44-ad1c-c5dcb23f9695" providerId="AD" clId="Web-{D02C8E39-8AB5-45AA-A943-2F33A4BAEB8E}"/>
+    <pc:docChg chg="sldOrd">
+      <pc:chgData name="Kilian Rijks" userId="S::30697@ma-web.nl::f8ce6190-20f5-4f44-ad1c-c5dcb23f9695" providerId="AD" clId="Web-{D02C8E39-8AB5-45AA-A943-2F33A4BAEB8E}" dt="2020-09-22T12:28:56.255" v="0"/>
+      <pc:docMkLst>
+        <pc:docMk/>
+      </pc:docMkLst>
+      <pc:sldChg chg="ord">
+        <pc:chgData name="Kilian Rijks" userId="S::30697@ma-web.nl::f8ce6190-20f5-4f44-ad1c-c5dcb23f9695" providerId="AD" clId="Web-{D02C8E39-8AB5-45AA-A943-2F33A4BAEB8E}" dt="2020-09-22T12:28:56.255" v="0"/>
+        <pc:sldMkLst>
+          <pc:docMk/>
+          <pc:sldMk cId="3498386614" sldId="280"/>
+        </pc:sldMkLst>
+      </pc:sldChg>
+    </pc:docChg>
+  </pc:docChgLst>
+  <pc:docChgLst>
     <pc:chgData name="Sam Derakhshandeh" userId="S::27741@ma-web.nl::25dbf886-86ce-40a8-a7a4-33199b4fd093" providerId="AD" clId="Web-{A15E7CBA-987D-4FC5-806E-9C0674420E45}"/>
     <pc:docChg chg="modSld">
       <pc:chgData name="Sam Derakhshandeh" userId="S::27741@ma-web.nl::25dbf886-86ce-40a8-a7a4-33199b4fd093" providerId="AD" clId="Web-{A15E7CBA-987D-4FC5-806E-9C0674420E45}" dt="2020-09-22T12:27:39.317" v="0" actId="1076"/>
@@ -4367,22 +4383,6 @@
             <ac:spMk id="211" creationId="{00000000-0000-0000-0000-000000000000}"/>
           </ac:spMkLst>
         </pc:spChg>
-      </pc:sldChg>
-    </pc:docChg>
-  </pc:docChgLst>
-  <pc:docChgLst>
-    <pc:chgData name="Kilian Rijks" userId="S::30697@ma-web.nl::f8ce6190-20f5-4f44-ad1c-c5dcb23f9695" providerId="AD" clId="Web-{D02C8E39-8AB5-45AA-A943-2F33A4BAEB8E}"/>
-    <pc:docChg chg="sldOrd">
-      <pc:chgData name="Kilian Rijks" userId="S::30697@ma-web.nl::f8ce6190-20f5-4f44-ad1c-c5dcb23f9695" providerId="AD" clId="Web-{D02C8E39-8AB5-45AA-A943-2F33A4BAEB8E}" dt="2020-09-22T12:28:56.255" v="0"/>
-      <pc:docMkLst>
-        <pc:docMk/>
-      </pc:docMkLst>
-      <pc:sldChg chg="ord">
-        <pc:chgData name="Kilian Rijks" userId="S::30697@ma-web.nl::f8ce6190-20f5-4f44-ad1c-c5dcb23f9695" providerId="AD" clId="Web-{D02C8E39-8AB5-45AA-A943-2F33A4BAEB8E}" dt="2020-09-22T12:28:56.255" v="0"/>
-        <pc:sldMkLst>
-          <pc:docMk/>
-          <pc:sldMk cId="3498386614" sldId="280"/>
-        </pc:sldMkLst>
       </pc:sldChg>
     </pc:docChg>
   </pc:docChgLst>
@@ -4917,6 +4917,64 @@
     </pc:docChg>
   </pc:docChgLst>
 </pc:chgInfo>
+</file>
+
+<file path=ppt/ink/ink1.xml><?xml version="1.0" encoding="utf-8"?>
+<inkml:ink xmlns:inkml="http://www.w3.org/2003/InkML">
+  <inkml:definitions>
+    <inkml:context xml:id="ctx0">
+      <inkml:inkSource xml:id="inkSrc0">
+        <inkml:traceFormat>
+          <inkml:channel name="X" type="integer" max="5760" units="cm"/>
+          <inkml:channel name="Y" type="integer" max="2160" units="cm"/>
+          <inkml:channel name="T" type="integer" max="2.14748E9" units="dev"/>
+        </inkml:traceFormat>
+        <inkml:channelProperties>
+          <inkml:channelProperty channel="X" name="resolution" value="167.44186" units="1/cm"/>
+          <inkml:channelProperty channel="Y" name="resolution" value="111.34021" units="1/cm"/>
+          <inkml:channelProperty channel="T" name="resolution" value="1" units="1/dev"/>
+        </inkml:channelProperties>
+      </inkml:inkSource>
+      <inkml:timestamp xml:id="ts0" timeString="2024-12-11T10:26:19.689"/>
+    </inkml:context>
+    <inkml:brush xml:id="br0">
+      <inkml:brushProperty name="width" value="0.05292" units="cm"/>
+      <inkml:brushProperty name="height" value="0.05292" units="cm"/>
+      <inkml:brushProperty name="color" value="#FF0000"/>
+    </inkml:brush>
+  </inkml:definitions>
+  <inkml:trace contextRef="#ctx0" brushRef="#br0">10670 3375 0</inkml:trace>
+  <inkml:trace contextRef="#ctx0" brushRef="#br0" timeOffset="762.44">12824 4514 0,'21'21'16,"0"-21"-1,-21 21 48,0-1-32,-42-20-15</inkml:trace>
+  <inkml:trace contextRef="#ctx0" brushRef="#br0" timeOffset="1307.34">12824 4556 0,'0'-21'109</inkml:trace>
+</inkml:ink>
+</file>
+
+<file path=ppt/ink/ink2.xml><?xml version="1.0" encoding="utf-8"?>
+<inkml:ink xmlns:inkml="http://www.w3.org/2003/InkML">
+  <inkml:definitions>
+    <inkml:context xml:id="ctx0">
+      <inkml:inkSource xml:id="inkSrc0">
+        <inkml:traceFormat>
+          <inkml:channel name="X" type="integer" max="5760" units="cm"/>
+          <inkml:channel name="Y" type="integer" max="2160" units="cm"/>
+          <inkml:channel name="T" type="integer" max="2.14748E9" units="dev"/>
+        </inkml:traceFormat>
+        <inkml:channelProperties>
+          <inkml:channelProperty channel="X" name="resolution" value="167.44186" units="1/cm"/>
+          <inkml:channelProperty channel="Y" name="resolution" value="111.34021" units="1/cm"/>
+          <inkml:channelProperty channel="T" name="resolution" value="1" units="1/dev"/>
+        </inkml:channelProperties>
+      </inkml:inkSource>
+      <inkml:timestamp xml:id="ts0" timeString="2024-12-11T10:35:48.703"/>
+    </inkml:context>
+    <inkml:brush xml:id="br0">
+      <inkml:brushProperty name="width" value="0.05292" units="cm"/>
+      <inkml:brushProperty name="height" value="0.05292" units="cm"/>
+      <inkml:brushProperty name="color" value="#FF0000"/>
+    </inkml:brush>
+  </inkml:definitions>
+  <inkml:trace contextRef="#ctx0" brushRef="#br0">15062 6730 0,'21'0'31,"20"0"-15,1 0-16,-22 0 16,1 20-1,-21 1-15,0 0 16,0 0 46</inkml:trace>
+</inkml:ink>
 </file>
 
 <file path=ppt/notesMasters/notesMaster1.xml><?xml version="1.0" encoding="utf-8"?>
@@ -11312,6 +11370,57 @@
           </p:txBody>
         </p:sp>
       </p:grpSp>
+      <mc:AlternateContent xmlns:mc="http://schemas.openxmlformats.org/markup-compatibility/2006">
+        <mc:Choice xmlns:p14="http://schemas.microsoft.com/office/powerpoint/2010/main" Requires="p14">
+          <p:contentPart p14:bwMode="auto" r:id="rId3">
+            <p14:nvContentPartPr>
+              <p14:cNvPr id="2" name="Inkt 1">
+                <a:extLst>
+                  <a:ext uri="{FF2B5EF4-FFF2-40B4-BE49-F238E27FC236}">
+                    <a16:creationId xmlns:a16="http://schemas.microsoft.com/office/drawing/2014/main" id="{9EC8DB46-7C04-DC1E-2B3A-A6C412A45ABF}"/>
+                  </a:ext>
+                </a:extLst>
+              </p14:cNvPr>
+              <p14:cNvContentPartPr/>
+              <p14:nvPr/>
+            </p14:nvContentPartPr>
+            <p14:xfrm>
+              <a:off x="3841200" y="1215000"/>
+              <a:ext cx="790920" cy="432720"/>
+            </p14:xfrm>
+          </p:contentPart>
+        </mc:Choice>
+        <mc:Fallback>
+          <p:pic>
+            <p:nvPicPr>
+              <p:cNvPr id="2" name="Inkt 1">
+                <a:extLst>
+                  <a:ext uri="{FF2B5EF4-FFF2-40B4-BE49-F238E27FC236}">
+                    <a16:creationId xmlns:a16="http://schemas.microsoft.com/office/drawing/2014/main" id="{9EC8DB46-7C04-DC1E-2B3A-A6C412A45ABF}"/>
+                  </a:ext>
+                </a:extLst>
+              </p:cNvPr>
+              <p:cNvPicPr/>
+              <p:nvPr/>
+            </p:nvPicPr>
+            <p:blipFill>
+              <a:blip r:embed="rId4"/>
+              <a:stretch>
+                <a:fillRect/>
+              </a:stretch>
+            </p:blipFill>
+            <p:spPr>
+              <a:xfrm>
+                <a:off x="3831840" y="1205640"/>
+                <a:ext cx="809640" cy="451440"/>
+              </a:xfrm>
+              <a:prstGeom prst="rect">
+                <a:avLst/>
+              </a:prstGeom>
+            </p:spPr>
+          </p:pic>
+        </mc:Fallback>
+      </mc:AlternateContent>
     </p:spTree>
   </p:cSld>
   <p:clrMapOvr>
@@ -14564,6 +14673,57 @@
           </a:p>
         </p:txBody>
       </p:sp>
+      <mc:AlternateContent xmlns:mc="http://schemas.openxmlformats.org/markup-compatibility/2006">
+        <mc:Choice xmlns:p14="http://schemas.microsoft.com/office/powerpoint/2010/main" Requires="p14">
+          <p:contentPart p14:bwMode="auto" r:id="rId3">
+            <p14:nvContentPartPr>
+              <p14:cNvPr id="2" name="Inkt 1">
+                <a:extLst>
+                  <a:ext uri="{FF2B5EF4-FFF2-40B4-BE49-F238E27FC236}">
+                    <a16:creationId xmlns:a16="http://schemas.microsoft.com/office/drawing/2014/main" id="{E261C710-6AEF-BCF5-8640-7A0E7AF1D21B}"/>
+                  </a:ext>
+                </a:extLst>
+              </p14:cNvPr>
+              <p14:cNvContentPartPr/>
+              <p14:nvPr/>
+            </p14:nvContentPartPr>
+            <p14:xfrm>
+              <a:off x="5422320" y="2422800"/>
+              <a:ext cx="52560" cy="30240"/>
+            </p14:xfrm>
+          </p:contentPart>
+        </mc:Choice>
+        <mc:Fallback>
+          <p:pic>
+            <p:nvPicPr>
+              <p:cNvPr id="2" name="Inkt 1">
+                <a:extLst>
+                  <a:ext uri="{FF2B5EF4-FFF2-40B4-BE49-F238E27FC236}">
+                    <a16:creationId xmlns:a16="http://schemas.microsoft.com/office/drawing/2014/main" id="{E261C710-6AEF-BCF5-8640-7A0E7AF1D21B}"/>
+                  </a:ext>
+                </a:extLst>
+              </p:cNvPr>
+              <p:cNvPicPr/>
+              <p:nvPr/>
+            </p:nvPicPr>
+            <p:blipFill>
+              <a:blip r:embed="rId4"/>
+              <a:stretch>
+                <a:fillRect/>
+              </a:stretch>
+            </p:blipFill>
+            <p:spPr>
+              <a:xfrm>
+                <a:off x="5412960" y="2413440"/>
+                <a:ext cx="71280" cy="48960"/>
+              </a:xfrm>
+              <a:prstGeom prst="rect">
+                <a:avLst/>
+              </a:prstGeom>
+            </p:spPr>
+          </p:pic>
+        </mc:Fallback>
+      </mc:AlternateContent>
     </p:spTree>
     <p:extLst>
       <p:ext uri="{BB962C8B-B14F-4D97-AF65-F5344CB8AC3E}">
@@ -17637,6 +17797,15 @@
 </file>
 
 <file path=customXml/item1.xml><?xml version="1.0" encoding="utf-8"?>
+<?mso-contentType ?>
+<FormTemplates xmlns="http://schemas.microsoft.com/sharepoint/v3/contenttype/forms">
+  <Display>DocumentLibraryForm</Display>
+  <Edit>DocumentLibraryForm</Edit>
+  <New>DocumentLibraryForm</New>
+</FormTemplates>
+</file>
+
+<file path=customXml/item2.xml><?xml version="1.0" encoding="utf-8"?>
 <ct:contentTypeSchema xmlns:ct="http://schemas.microsoft.com/office/2006/metadata/contentType" xmlns:ma="http://schemas.microsoft.com/office/2006/metadata/properties/metaAttributes" ct:_="" ma:_="" ma:contentTypeName="Document" ma:contentTypeID="0x010100D9EB5C2D39876A418216A0F9CA870C99" ma:contentTypeVersion="3" ma:contentTypeDescription="Create a new document." ma:contentTypeScope="" ma:versionID="9aecdf3227e93a22c50a6003e71ffe48">
   <xsd:schema xmlns:xsd="http://www.w3.org/2001/XMLSchema" xmlns:xs="http://www.w3.org/2001/XMLSchema" xmlns:p="http://schemas.microsoft.com/office/2006/metadata/properties" xmlns:ns2="e1e829e0-e72c-4cab-be3a-c790bcef4396" targetNamespace="http://schemas.microsoft.com/office/2006/metadata/properties" ma:root="true" ma:fieldsID="035e5376d1ef08e353b667fec7617c5d" ns2:_="">
     <xsd:import namespace="e1e829e0-e72c-4cab-be3a-c790bcef4396"/>
@@ -17774,15 +17943,6 @@
 </ct:contentTypeSchema>
 </file>
 
-<file path=customXml/item2.xml><?xml version="1.0" encoding="utf-8"?>
-<?mso-contentType ?>
-<FormTemplates xmlns="http://schemas.microsoft.com/sharepoint/v3/contenttype/forms">
-  <Display>DocumentLibraryForm</Display>
-  <Edit>DocumentLibraryForm</Edit>
-  <New>DocumentLibraryForm</New>
-</FormTemplates>
-</file>
-
 <file path=customXml/item3.xml><?xml version="1.0" encoding="utf-8"?>
 <p:properties xmlns:p="http://schemas.microsoft.com/office/2006/metadata/properties" xmlns:xsi="http://www.w3.org/2001/XMLSchema-instance" xmlns:pc="http://schemas.microsoft.com/office/infopath/2007/PartnerControls">
   <documentManagement/>
@@ -17790,6 +17950,14 @@
 </file>
 
 <file path=customXml/itemProps1.xml><?xml version="1.0" encoding="utf-8"?>
+<ds:datastoreItem xmlns:ds="http://schemas.openxmlformats.org/officeDocument/2006/customXml" ds:itemID="{4077D397-A58D-41CD-9DDC-45F29C08B187}">
+  <ds:schemaRefs>
+    <ds:schemaRef ds:uri="http://schemas.microsoft.com/sharepoint/v3/contenttype/forms"/>
+  </ds:schemaRefs>
+</ds:datastoreItem>
+</file>
+
+<file path=customXml/itemProps2.xml><?xml version="1.0" encoding="utf-8"?>
 <ds:datastoreItem xmlns:ds="http://schemas.openxmlformats.org/officeDocument/2006/customXml" ds:itemID="{8DE7AF41-ED24-46A8-BC23-9459067AA847}">
   <ds:schemaRefs>
     <ds:schemaRef ds:uri="http://schemas.microsoft.com/office/2006/metadata/contentType"/>
@@ -17803,14 +17971,6 @@
     <ds:schemaRef ds:uri="http://purl.org/dc/elements/1.1/"/>
     <ds:schemaRef ds:uri="http://purl.org/dc/terms/"/>
     <ds:schemaRef ds:uri="http://schemas.microsoft.com/internal/obd"/>
-  </ds:schemaRefs>
-</ds:datastoreItem>
-</file>
-
-<file path=customXml/itemProps2.xml><?xml version="1.0" encoding="utf-8"?>
-<ds:datastoreItem xmlns:ds="http://schemas.openxmlformats.org/officeDocument/2006/customXml" ds:itemID="{4077D397-A58D-41CD-9DDC-45F29C08B187}">
-  <ds:schemaRefs>
-    <ds:schemaRef ds:uri="http://schemas.microsoft.com/sharepoint/v3/contenttype/forms"/>
   </ds:schemaRefs>
 </ds:datastoreItem>
 </file>
